--- a/Crime Prediction Project.pptx
+++ b/Crime Prediction Project.pptx
@@ -6,17 +6,22 @@
   </p:sldMasterIdLst>
   <p:sldIdLst>
     <p:sldId id="256" r:id="rId2"/>
-    <p:sldId id="257" r:id="rId3"/>
-    <p:sldId id="258" r:id="rId4"/>
-    <p:sldId id="259" r:id="rId5"/>
-    <p:sldId id="261" r:id="rId6"/>
-    <p:sldId id="262" r:id="rId7"/>
-    <p:sldId id="263" r:id="rId8"/>
-    <p:sldId id="265" r:id="rId9"/>
-    <p:sldId id="266" r:id="rId10"/>
-    <p:sldId id="260" r:id="rId11"/>
-    <p:sldId id="268" r:id="rId12"/>
-    <p:sldId id="267" r:id="rId13"/>
+    <p:sldId id="269" r:id="rId3"/>
+    <p:sldId id="257" r:id="rId4"/>
+    <p:sldId id="258" r:id="rId5"/>
+    <p:sldId id="259" r:id="rId6"/>
+    <p:sldId id="270" r:id="rId7"/>
+    <p:sldId id="261" r:id="rId8"/>
+    <p:sldId id="262" r:id="rId9"/>
+    <p:sldId id="263" r:id="rId10"/>
+    <p:sldId id="265" r:id="rId11"/>
+    <p:sldId id="266" r:id="rId12"/>
+    <p:sldId id="260" r:id="rId13"/>
+    <p:sldId id="268" r:id="rId14"/>
+    <p:sldId id="272" r:id="rId15"/>
+    <p:sldId id="271" r:id="rId16"/>
+    <p:sldId id="273" r:id="rId17"/>
+    <p:sldId id="274" r:id="rId18"/>
   </p:sldIdLst>
   <p:sldSz cx="12192000" cy="6858000"/>
   <p:notesSz cx="6858000" cy="9144000"/>
@@ -266,7 +271,7 @@
           <a:p>
             <a:fld id="{686E000E-E9CC-417A-AFC6-903564C08A54}" type="datetimeFigureOut">
               <a:rPr lang="en-US" smtClean="0"/>
-              <a:t>7/28/2015</a:t>
+              <a:t>8/9/2015</a:t>
             </a:fld>
             <a:endParaRPr lang="en-US"/>
           </a:p>
@@ -436,7 +441,7 @@
           <a:p>
             <a:fld id="{686E000E-E9CC-417A-AFC6-903564C08A54}" type="datetimeFigureOut">
               <a:rPr lang="en-US" smtClean="0"/>
-              <a:t>7/28/2015</a:t>
+              <a:t>8/9/2015</a:t>
             </a:fld>
             <a:endParaRPr lang="en-US"/>
           </a:p>
@@ -616,7 +621,7 @@
           <a:p>
             <a:fld id="{686E000E-E9CC-417A-AFC6-903564C08A54}" type="datetimeFigureOut">
               <a:rPr lang="en-US" smtClean="0"/>
-              <a:t>7/28/2015</a:t>
+              <a:t>8/9/2015</a:t>
             </a:fld>
             <a:endParaRPr lang="en-US"/>
           </a:p>
@@ -786,7 +791,7 @@
           <a:p>
             <a:fld id="{686E000E-E9CC-417A-AFC6-903564C08A54}" type="datetimeFigureOut">
               <a:rPr lang="en-US" smtClean="0"/>
-              <a:t>7/28/2015</a:t>
+              <a:t>8/9/2015</a:t>
             </a:fld>
             <a:endParaRPr lang="en-US"/>
           </a:p>
@@ -1032,7 +1037,7 @@
           <a:p>
             <a:fld id="{686E000E-E9CC-417A-AFC6-903564C08A54}" type="datetimeFigureOut">
               <a:rPr lang="en-US" smtClean="0"/>
-              <a:t>7/28/2015</a:t>
+              <a:t>8/9/2015</a:t>
             </a:fld>
             <a:endParaRPr lang="en-US"/>
           </a:p>
@@ -1264,7 +1269,7 @@
           <a:p>
             <a:fld id="{686E000E-E9CC-417A-AFC6-903564C08A54}" type="datetimeFigureOut">
               <a:rPr lang="en-US" smtClean="0"/>
-              <a:t>7/28/2015</a:t>
+              <a:t>8/9/2015</a:t>
             </a:fld>
             <a:endParaRPr lang="en-US"/>
           </a:p>
@@ -1631,7 +1636,7 @@
           <a:p>
             <a:fld id="{686E000E-E9CC-417A-AFC6-903564C08A54}" type="datetimeFigureOut">
               <a:rPr lang="en-US" smtClean="0"/>
-              <a:t>7/28/2015</a:t>
+              <a:t>8/9/2015</a:t>
             </a:fld>
             <a:endParaRPr lang="en-US"/>
           </a:p>
@@ -1749,7 +1754,7 @@
           <a:p>
             <a:fld id="{686E000E-E9CC-417A-AFC6-903564C08A54}" type="datetimeFigureOut">
               <a:rPr lang="en-US" smtClean="0"/>
-              <a:t>7/28/2015</a:t>
+              <a:t>8/9/2015</a:t>
             </a:fld>
             <a:endParaRPr lang="en-US"/>
           </a:p>
@@ -1844,7 +1849,7 @@
           <a:p>
             <a:fld id="{686E000E-E9CC-417A-AFC6-903564C08A54}" type="datetimeFigureOut">
               <a:rPr lang="en-US" smtClean="0"/>
-              <a:t>7/28/2015</a:t>
+              <a:t>8/9/2015</a:t>
             </a:fld>
             <a:endParaRPr lang="en-US"/>
           </a:p>
@@ -2121,7 +2126,7 @@
           <a:p>
             <a:fld id="{686E000E-E9CC-417A-AFC6-903564C08A54}" type="datetimeFigureOut">
               <a:rPr lang="en-US" smtClean="0"/>
-              <a:t>7/28/2015</a:t>
+              <a:t>8/9/2015</a:t>
             </a:fld>
             <a:endParaRPr lang="en-US"/>
           </a:p>
@@ -2374,7 +2379,7 @@
           <a:p>
             <a:fld id="{686E000E-E9CC-417A-AFC6-903564C08A54}" type="datetimeFigureOut">
               <a:rPr lang="en-US" smtClean="0"/>
-              <a:t>7/28/2015</a:t>
+              <a:t>8/9/2015</a:t>
             </a:fld>
             <a:endParaRPr lang="en-US"/>
           </a:p>
@@ -2587,7 +2592,7 @@
           <a:p>
             <a:fld id="{686E000E-E9CC-417A-AFC6-903564C08A54}" type="datetimeFigureOut">
               <a:rPr lang="en-US" smtClean="0"/>
-              <a:t>7/28/2015</a:t>
+              <a:t>8/9/2015</a:t>
             </a:fld>
             <a:endParaRPr lang="en-US"/>
           </a:p>
@@ -3184,7 +3189,12 @@
             <p:ph type="title"/>
           </p:nvPr>
         </p:nvSpPr>
-        <p:spPr/>
+        <p:spPr>
+          <a:xfrm>
+            <a:off x="838200" y="365125"/>
+            <a:ext cx="10515600" cy="746223"/>
+          </a:xfrm>
+        </p:spPr>
         <p:txBody>
           <a:bodyPr>
             <a:normAutofit/>
@@ -3192,66 +3202,886 @@
           <a:lstStyle/>
           <a:p>
             <a:r>
-              <a:rPr lang="en-US" sz="2400" b="1" i="1" u="sng" dirty="0" smtClean="0">
-                <a:latin typeface="Constantia" panose="02030602050306030303" pitchFamily="18" charset="0"/>
-              </a:rPr>
-              <a:t>Insight which has been gained after looking into the DATA</a:t>
-            </a:r>
-            <a:endParaRPr lang="en-US" sz="2400" b="1" i="1" u="sng" dirty="0">
+              <a:rPr lang="en-US" sz="2000" b="1" i="1" u="sng" dirty="0" smtClean="0">
+                <a:latin typeface="Constantia" panose="02030602050306030303" pitchFamily="18" charset="0"/>
+              </a:rPr>
+              <a:t>Crime Offenses in a Year</a:t>
+            </a:r>
+            <a:endParaRPr lang="en-US" sz="2000" b="1" i="1" u="sng" dirty="0">
               <a:latin typeface="Constantia" panose="02030602050306030303" pitchFamily="18" charset="0"/>
             </a:endParaRPr>
           </a:p>
         </p:txBody>
       </p:sp>
-      <p:sp>
-        <p:nvSpPr>
-          <p:cNvPr id="3" name="Content Placeholder 2"/>
-          <p:cNvSpPr>
-            <a:spLocks noGrp="1"/>
-          </p:cNvSpPr>
+      <p:graphicFrame>
+        <p:nvGraphicFramePr>
+          <p:cNvPr id="4" name="Content Placeholder 3"/>
+          <p:cNvGraphicFramePr>
+            <a:graphicFrameLocks noGrp="1"/>
+          </p:cNvGraphicFramePr>
           <p:nvPr>
             <p:ph idx="1"/>
-          </p:nvPr>
-        </p:nvSpPr>
-        <p:spPr/>
-        <p:txBody>
-          <a:bodyPr>
-            <a:normAutofit/>
-          </a:bodyPr>
-          <a:lstStyle/>
-          <a:p>
-            <a:r>
-              <a:rPr lang="en-US" sz="1600" dirty="0" smtClean="0">
-                <a:latin typeface="Constantia" panose="02030602050306030303" pitchFamily="18" charset="0"/>
-              </a:rPr>
-              <a:t>After importing the Employment information, I come to realize I will have to get the average of the Employment a year in order to work with the crime incident data on a yearly basis or I will have to break down the crime incident data to the monthly as well.</a:t>
-            </a:r>
-          </a:p>
-          <a:p>
-            <a:r>
-              <a:rPr lang="en-US" sz="1600" dirty="0" smtClean="0">
-                <a:latin typeface="Constantia" panose="02030602050306030303" pitchFamily="18" charset="0"/>
-              </a:rPr>
-              <a:t>My previous question was: Can you predict the timeframe for the highest robbery crime rate in 2015. I will try to stay with that question, but I do want to get more information from the employment data. I am also considering adding race and ethnicity to get a better answer to the question</a:t>
-            </a:r>
-          </a:p>
-          <a:p>
-            <a:r>
-              <a:rPr lang="en-US" sz="1600" dirty="0" smtClean="0">
-                <a:latin typeface="Constantia" panose="02030602050306030303" pitchFamily="18" charset="0"/>
-              </a:rPr>
-              <a:t>Found out that unemployment rate  on the high-level does not play a roll in crime. </a:t>
-            </a:r>
-            <a:endParaRPr lang="en-US" sz="1600" dirty="0">
-              <a:latin typeface="Constantia" panose="02030602050306030303" pitchFamily="18" charset="0"/>
-            </a:endParaRPr>
-          </a:p>
-        </p:txBody>
-      </p:sp>
+            <p:extLst>
+              <p:ext uri="{D42A27DB-BD31-4B8C-83A1-F6EECF244321}">
+                <p14:modId xmlns:p14="http://schemas.microsoft.com/office/powerpoint/2010/main" val="609437837"/>
+              </p:ext>
+            </p:extLst>
+          </p:nvPr>
+        </p:nvGraphicFramePr>
+        <p:xfrm>
+          <a:off x="838200" y="1012873"/>
+          <a:ext cx="10515600" cy="5303520"/>
+        </p:xfrm>
+        <a:graphic>
+          <a:graphicData uri="http://schemas.openxmlformats.org/drawingml/2006/table">
+            <a:tbl>
+              <a:tblPr firstRow="1" bandRow="1">
+                <a:tableStyleId>{5C22544A-7EE6-4342-B048-85BDC9FD1C3A}</a:tableStyleId>
+              </a:tblPr>
+              <a:tblGrid>
+                <a:gridCol w="2763129"/>
+                <a:gridCol w="2494671"/>
+                <a:gridCol w="2628900"/>
+                <a:gridCol w="2628900"/>
+              </a:tblGrid>
+              <a:tr h="327953">
+                <a:tc>
+                  <a:txBody>
+                    <a:bodyPr/>
+                    <a:lstStyle/>
+                    <a:p>
+                      <a:r>
+                        <a:rPr lang="en-US" sz="1600" dirty="0" smtClean="0"/>
+                        <a:t>OFFENSE</a:t>
+                      </a:r>
+                      <a:endParaRPr lang="en-US" sz="1600" dirty="0"/>
+                    </a:p>
+                  </a:txBody>
+                  <a:tcPr/>
+                </a:tc>
+                <a:tc>
+                  <a:txBody>
+                    <a:bodyPr/>
+                    <a:lstStyle/>
+                    <a:p>
+                      <a:r>
+                        <a:rPr lang="en-US" sz="1600" dirty="0" smtClean="0"/>
+                        <a:t>2012</a:t>
+                      </a:r>
+                      <a:endParaRPr lang="en-US" sz="1600" dirty="0"/>
+                    </a:p>
+                  </a:txBody>
+                  <a:tcPr/>
+                </a:tc>
+                <a:tc>
+                  <a:txBody>
+                    <a:bodyPr/>
+                    <a:lstStyle/>
+                    <a:p>
+                      <a:r>
+                        <a:rPr lang="en-US" sz="1600" dirty="0" smtClean="0"/>
+                        <a:t>2013</a:t>
+                      </a:r>
+                      <a:endParaRPr lang="en-US" sz="1600" dirty="0"/>
+                    </a:p>
+                  </a:txBody>
+                  <a:tcPr/>
+                </a:tc>
+                <a:tc>
+                  <a:txBody>
+                    <a:bodyPr/>
+                    <a:lstStyle/>
+                    <a:p>
+                      <a:r>
+                        <a:rPr lang="en-US" sz="1600" dirty="0" smtClean="0"/>
+                        <a:t>2014</a:t>
+                      </a:r>
+                      <a:endParaRPr lang="en-US" sz="1600" dirty="0"/>
+                    </a:p>
+                  </a:txBody>
+                  <a:tcPr/>
+                </a:tc>
+              </a:tr>
+              <a:tr h="573918">
+                <a:tc>
+                  <a:txBody>
+                    <a:bodyPr/>
+                    <a:lstStyle/>
+                    <a:p>
+                      <a:r>
+                        <a:rPr lang="en-US" sz="1600" dirty="0" smtClean="0"/>
+                        <a:t>THEFT/OTHER</a:t>
+                      </a:r>
+                    </a:p>
+                  </a:txBody>
+                  <a:tcPr/>
+                </a:tc>
+                <a:tc>
+                  <a:txBody>
+                    <a:bodyPr/>
+                    <a:lstStyle/>
+                    <a:p>
+                      <a:pPr marL="0" marR="0" indent="0" algn="l" defTabSz="914400" rtl="0" eaLnBrk="1" fontAlgn="auto" latinLnBrk="0" hangingPunct="1">
+                        <a:lnSpc>
+                          <a:spcPct val="100000"/>
+                        </a:lnSpc>
+                        <a:spcBef>
+                          <a:spcPts val="0"/>
+                        </a:spcBef>
+                        <a:spcAft>
+                          <a:spcPts val="0"/>
+                        </a:spcAft>
+                        <a:buClrTx/>
+                        <a:buSzTx/>
+                        <a:buFontTx/>
+                        <a:buNone/>
+                        <a:tabLst/>
+                        <a:defRPr/>
+                      </a:pPr>
+                      <a:r>
+                        <a:rPr lang="en-US" sz="1600" dirty="0" smtClean="0"/>
+                        <a:t>12480</a:t>
+                      </a:r>
+                    </a:p>
+                    <a:p>
+                      <a:endParaRPr lang="en-US" sz="1600" dirty="0"/>
+                    </a:p>
+                  </a:txBody>
+                  <a:tcPr/>
+                </a:tc>
+                <a:tc>
+                  <a:txBody>
+                    <a:bodyPr/>
+                    <a:lstStyle/>
+                    <a:p>
+                      <a:r>
+                        <a:rPr lang="en-US" sz="1600" dirty="0" smtClean="0"/>
+                        <a:t>12888</a:t>
+                      </a:r>
+                    </a:p>
+                  </a:txBody>
+                  <a:tcPr/>
+                </a:tc>
+                <a:tc>
+                  <a:txBody>
+                    <a:bodyPr/>
+                    <a:lstStyle/>
+                    <a:p>
+                      <a:r>
+                        <a:rPr lang="en-US" sz="1600" dirty="0" smtClean="0"/>
+                        <a:t>14628</a:t>
+                      </a:r>
+                    </a:p>
+                  </a:txBody>
+                  <a:tcPr/>
+                </a:tc>
+              </a:tr>
+              <a:tr h="573918">
+                <a:tc>
+                  <a:txBody>
+                    <a:bodyPr/>
+                    <a:lstStyle/>
+                    <a:p>
+                      <a:r>
+                        <a:rPr lang="en-US" sz="1600" dirty="0" smtClean="0"/>
+                        <a:t> THEFT F/AUTO</a:t>
+                      </a:r>
+                      <a:endParaRPr lang="en-US" sz="1600" dirty="0"/>
+                    </a:p>
+                  </a:txBody>
+                  <a:tcPr/>
+                </a:tc>
+                <a:tc>
+                  <a:txBody>
+                    <a:bodyPr/>
+                    <a:lstStyle/>
+                    <a:p>
+                      <a:r>
+                        <a:rPr lang="en-US" sz="1600" dirty="0" smtClean="0"/>
+                        <a:t>9463</a:t>
+                      </a:r>
+                    </a:p>
+                  </a:txBody>
+                  <a:tcPr/>
+                </a:tc>
+                <a:tc>
+                  <a:txBody>
+                    <a:bodyPr/>
+                    <a:lstStyle/>
+                    <a:p>
+                      <a:pPr marL="0" marR="0" indent="0" algn="l" defTabSz="914400" rtl="0" eaLnBrk="1" fontAlgn="auto" latinLnBrk="0" hangingPunct="1">
+                        <a:lnSpc>
+                          <a:spcPct val="100000"/>
+                        </a:lnSpc>
+                        <a:spcBef>
+                          <a:spcPts val="0"/>
+                        </a:spcBef>
+                        <a:spcAft>
+                          <a:spcPts val="0"/>
+                        </a:spcAft>
+                        <a:buClrTx/>
+                        <a:buSzTx/>
+                        <a:buFontTx/>
+                        <a:buNone/>
+                        <a:tabLst/>
+                        <a:defRPr/>
+                      </a:pPr>
+                      <a:r>
+                        <a:rPr lang="en-US" sz="1600" dirty="0" smtClean="0"/>
+                        <a:t>10131</a:t>
+                      </a:r>
+                    </a:p>
+                    <a:p>
+                      <a:endParaRPr lang="en-US" sz="1600" dirty="0"/>
+                    </a:p>
+                  </a:txBody>
+                  <a:tcPr/>
+                </a:tc>
+                <a:tc>
+                  <a:txBody>
+                    <a:bodyPr/>
+                    <a:lstStyle/>
+                    <a:p>
+                      <a:r>
+                        <a:rPr lang="en-US" sz="1600" dirty="0" smtClean="0"/>
+                        <a:t>11285</a:t>
+                      </a:r>
+                    </a:p>
+                  </a:txBody>
+                  <a:tcPr/>
+                </a:tc>
+              </a:tr>
+              <a:tr h="573918">
+                <a:tc>
+                  <a:txBody>
+                    <a:bodyPr/>
+                    <a:lstStyle/>
+                    <a:p>
+                      <a:r>
+                        <a:rPr lang="en-US" sz="1600" dirty="0" smtClean="0"/>
+                        <a:t> ROBBERY </a:t>
+                      </a:r>
+                      <a:endParaRPr lang="en-US" sz="1600" dirty="0"/>
+                    </a:p>
+                  </a:txBody>
+                  <a:tcPr/>
+                </a:tc>
+                <a:tc>
+                  <a:txBody>
+                    <a:bodyPr/>
+                    <a:lstStyle/>
+                    <a:p>
+                      <a:pPr marL="0" marR="0" indent="0" algn="l" defTabSz="914400" rtl="0" eaLnBrk="1" fontAlgn="auto" latinLnBrk="0" hangingPunct="1">
+                        <a:lnSpc>
+                          <a:spcPct val="100000"/>
+                        </a:lnSpc>
+                        <a:spcBef>
+                          <a:spcPts val="0"/>
+                        </a:spcBef>
+                        <a:spcAft>
+                          <a:spcPts val="0"/>
+                        </a:spcAft>
+                        <a:buClrTx/>
+                        <a:buSzTx/>
+                        <a:buFontTx/>
+                        <a:buNone/>
+                        <a:tabLst/>
+                        <a:defRPr/>
+                      </a:pPr>
+                      <a:r>
+                        <a:rPr lang="en-US" sz="1600" dirty="0" smtClean="0"/>
+                        <a:t>4268</a:t>
+                      </a:r>
+                    </a:p>
+                  </a:txBody>
+                  <a:tcPr/>
+                </a:tc>
+                <a:tc>
+                  <a:txBody>
+                    <a:bodyPr/>
+                    <a:lstStyle/>
+                    <a:p>
+                      <a:pPr marL="0" marR="0" indent="0" algn="l" defTabSz="914400" rtl="0" eaLnBrk="1" fontAlgn="auto" latinLnBrk="0" hangingPunct="1">
+                        <a:lnSpc>
+                          <a:spcPct val="100000"/>
+                        </a:lnSpc>
+                        <a:spcBef>
+                          <a:spcPts val="0"/>
+                        </a:spcBef>
+                        <a:spcAft>
+                          <a:spcPts val="0"/>
+                        </a:spcAft>
+                        <a:buClrTx/>
+                        <a:buSzTx/>
+                        <a:buFontTx/>
+                        <a:buNone/>
+                        <a:tabLst/>
+                        <a:defRPr/>
+                      </a:pPr>
+                      <a:r>
+                        <a:rPr lang="en-US" sz="1600" dirty="0" smtClean="0"/>
+                        <a:t>4071</a:t>
+                      </a:r>
+                    </a:p>
+                    <a:p>
+                      <a:endParaRPr lang="en-US" sz="1600" dirty="0"/>
+                    </a:p>
+                  </a:txBody>
+                  <a:tcPr/>
+                </a:tc>
+                <a:tc>
+                  <a:txBody>
+                    <a:bodyPr/>
+                    <a:lstStyle/>
+                    <a:p>
+                      <a:r>
+                        <a:rPr lang="en-US" sz="1600" dirty="0" smtClean="0"/>
+                        <a:t>3333</a:t>
+                      </a:r>
+                    </a:p>
+                  </a:txBody>
+                  <a:tcPr/>
+                </a:tc>
+              </a:tr>
+              <a:tr h="471269">
+                <a:tc>
+                  <a:txBody>
+                    <a:bodyPr/>
+                    <a:lstStyle/>
+                    <a:p>
+                      <a:r>
+                        <a:rPr lang="en-US" sz="1600" dirty="0" smtClean="0"/>
+                        <a:t>BURGLARY </a:t>
+                      </a:r>
+                      <a:endParaRPr lang="en-US" sz="1600" dirty="0"/>
+                    </a:p>
+                  </a:txBody>
+                  <a:tcPr/>
+                </a:tc>
+                <a:tc>
+                  <a:txBody>
+                    <a:bodyPr/>
+                    <a:lstStyle/>
+                    <a:p>
+                      <a:pPr marL="0" marR="0" indent="0" algn="l" defTabSz="914400" rtl="0" eaLnBrk="1" fontAlgn="auto" latinLnBrk="0" hangingPunct="1">
+                        <a:lnSpc>
+                          <a:spcPct val="100000"/>
+                        </a:lnSpc>
+                        <a:spcBef>
+                          <a:spcPts val="0"/>
+                        </a:spcBef>
+                        <a:spcAft>
+                          <a:spcPts val="0"/>
+                        </a:spcAft>
+                        <a:buClrTx/>
+                        <a:buSzTx/>
+                        <a:buFontTx/>
+                        <a:buNone/>
+                        <a:tabLst/>
+                        <a:defRPr/>
+                      </a:pPr>
+                      <a:r>
+                        <a:rPr lang="en-US" sz="1600" dirty="0" smtClean="0"/>
+                        <a:t>3680</a:t>
+                      </a:r>
+                    </a:p>
+                  </a:txBody>
+                  <a:tcPr/>
+                </a:tc>
+                <a:tc>
+                  <a:txBody>
+                    <a:bodyPr/>
+                    <a:lstStyle/>
+                    <a:p>
+                      <a:pPr marL="0" marR="0" indent="0" algn="l" defTabSz="914400" rtl="0" eaLnBrk="1" fontAlgn="auto" latinLnBrk="0" hangingPunct="1">
+                        <a:lnSpc>
+                          <a:spcPct val="100000"/>
+                        </a:lnSpc>
+                        <a:spcBef>
+                          <a:spcPts val="0"/>
+                        </a:spcBef>
+                        <a:spcAft>
+                          <a:spcPts val="0"/>
+                        </a:spcAft>
+                        <a:buClrTx/>
+                        <a:buSzTx/>
+                        <a:buFontTx/>
+                        <a:buNone/>
+                        <a:tabLst/>
+                        <a:defRPr/>
+                      </a:pPr>
+                      <a:r>
+                        <a:rPr lang="en-US" sz="1600" dirty="0" smtClean="0"/>
+                        <a:t>3369</a:t>
+                      </a:r>
+                    </a:p>
+                    <a:p>
+                      <a:endParaRPr lang="en-US" sz="1600" dirty="0"/>
+                    </a:p>
+                  </a:txBody>
+                  <a:tcPr/>
+                </a:tc>
+                <a:tc>
+                  <a:txBody>
+                    <a:bodyPr/>
+                    <a:lstStyle/>
+                    <a:p>
+                      <a:pPr marL="0" marR="0" indent="0" algn="l" defTabSz="914400" rtl="0" eaLnBrk="1" fontAlgn="auto" latinLnBrk="0" hangingPunct="1">
+                        <a:lnSpc>
+                          <a:spcPct val="100000"/>
+                        </a:lnSpc>
+                        <a:spcBef>
+                          <a:spcPts val="0"/>
+                        </a:spcBef>
+                        <a:spcAft>
+                          <a:spcPts val="0"/>
+                        </a:spcAft>
+                        <a:buClrTx/>
+                        <a:buSzTx/>
+                        <a:buFontTx/>
+                        <a:buNone/>
+                        <a:tabLst/>
+                        <a:defRPr/>
+                      </a:pPr>
+                      <a:r>
+                        <a:rPr lang="en-US" sz="1600" dirty="0" smtClean="0"/>
+                        <a:t>3184</a:t>
+                      </a:r>
+                    </a:p>
+                    <a:p>
+                      <a:endParaRPr lang="en-US" sz="1600" dirty="0"/>
+                    </a:p>
+                  </a:txBody>
+                  <a:tcPr/>
+                </a:tc>
+              </a:tr>
+              <a:tr h="573918">
+                <a:tc>
+                  <a:txBody>
+                    <a:bodyPr/>
+                    <a:lstStyle/>
+                    <a:p>
+                      <a:r>
+                        <a:rPr lang="en-US" sz="1600" dirty="0" smtClean="0"/>
+                        <a:t>MOTOR VEHICLE THEFT </a:t>
+                      </a:r>
+                      <a:endParaRPr lang="en-US" sz="1600" dirty="0"/>
+                    </a:p>
+                  </a:txBody>
+                  <a:tcPr/>
+                </a:tc>
+                <a:tc>
+                  <a:txBody>
+                    <a:bodyPr/>
+                    <a:lstStyle/>
+                    <a:p>
+                      <a:r>
+                        <a:rPr lang="en-US" sz="1600" dirty="0" smtClean="0"/>
+                        <a:t>2863</a:t>
+                      </a:r>
+                      <a:endParaRPr lang="en-US" sz="1600" dirty="0"/>
+                    </a:p>
+                  </a:txBody>
+                  <a:tcPr/>
+                </a:tc>
+                <a:tc>
+                  <a:txBody>
+                    <a:bodyPr/>
+                    <a:lstStyle/>
+                    <a:p>
+                      <a:pPr marL="0" marR="0" indent="0" algn="l" defTabSz="914400" rtl="0" eaLnBrk="1" fontAlgn="auto" latinLnBrk="0" hangingPunct="1">
+                        <a:lnSpc>
+                          <a:spcPct val="100000"/>
+                        </a:lnSpc>
+                        <a:spcBef>
+                          <a:spcPts val="0"/>
+                        </a:spcBef>
+                        <a:spcAft>
+                          <a:spcPts val="0"/>
+                        </a:spcAft>
+                        <a:buClrTx/>
+                        <a:buSzTx/>
+                        <a:buFontTx/>
+                        <a:buNone/>
+                        <a:tabLst/>
+                        <a:defRPr/>
+                      </a:pPr>
+                      <a:r>
+                        <a:rPr lang="en-US" sz="1600" dirty="0" smtClean="0"/>
+                        <a:t>2675</a:t>
+                      </a:r>
+                    </a:p>
+                    <a:p>
+                      <a:endParaRPr lang="en-US" sz="1600" dirty="0"/>
+                    </a:p>
+                  </a:txBody>
+                  <a:tcPr/>
+                </a:tc>
+                <a:tc>
+                  <a:txBody>
+                    <a:bodyPr/>
+                    <a:lstStyle/>
+                    <a:p>
+                      <a:pPr marL="0" marR="0" indent="0" algn="l" defTabSz="914400" rtl="0" eaLnBrk="1" fontAlgn="auto" latinLnBrk="0" hangingPunct="1">
+                        <a:lnSpc>
+                          <a:spcPct val="100000"/>
+                        </a:lnSpc>
+                        <a:spcBef>
+                          <a:spcPts val="0"/>
+                        </a:spcBef>
+                        <a:spcAft>
+                          <a:spcPts val="0"/>
+                        </a:spcAft>
+                        <a:buClrTx/>
+                        <a:buSzTx/>
+                        <a:buFontTx/>
+                        <a:buNone/>
+                        <a:tabLst/>
+                        <a:defRPr/>
+                      </a:pPr>
+                      <a:r>
+                        <a:rPr lang="en-US" sz="1600" dirty="0" smtClean="0"/>
+                        <a:t>3119</a:t>
+                      </a:r>
+                    </a:p>
+                    <a:p>
+                      <a:endParaRPr lang="en-US" sz="1600" dirty="0"/>
+                    </a:p>
+                  </a:txBody>
+                  <a:tcPr/>
+                </a:tc>
+              </a:tr>
+              <a:tr h="573918">
+                <a:tc>
+                  <a:txBody>
+                    <a:bodyPr/>
+                    <a:lstStyle/>
+                    <a:p>
+                      <a:r>
+                        <a:rPr lang="en-US" sz="1600" dirty="0" smtClean="0"/>
+                        <a:t>ASSAULT W/DANGEROUS WEAPON </a:t>
+                      </a:r>
+                      <a:endParaRPr lang="en-US" sz="1600" dirty="0"/>
+                    </a:p>
+                  </a:txBody>
+                  <a:tcPr/>
+                </a:tc>
+                <a:tc>
+                  <a:txBody>
+                    <a:bodyPr/>
+                    <a:lstStyle/>
+                    <a:p>
+                      <a:r>
+                        <a:rPr lang="en-US" sz="1600" dirty="0" smtClean="0"/>
+                        <a:t>2295</a:t>
+                      </a:r>
+                      <a:endParaRPr lang="en-US" sz="1600" dirty="0"/>
+                    </a:p>
+                  </a:txBody>
+                  <a:tcPr/>
+                </a:tc>
+                <a:tc>
+                  <a:txBody>
+                    <a:bodyPr/>
+                    <a:lstStyle/>
+                    <a:p>
+                      <a:pPr marL="0" marR="0" indent="0" algn="l" defTabSz="914400" rtl="0" eaLnBrk="1" fontAlgn="auto" latinLnBrk="0" hangingPunct="1">
+                        <a:lnSpc>
+                          <a:spcPct val="100000"/>
+                        </a:lnSpc>
+                        <a:spcBef>
+                          <a:spcPts val="0"/>
+                        </a:spcBef>
+                        <a:spcAft>
+                          <a:spcPts val="0"/>
+                        </a:spcAft>
+                        <a:buClrTx/>
+                        <a:buSzTx/>
+                        <a:buFontTx/>
+                        <a:buNone/>
+                        <a:tabLst/>
+                        <a:defRPr/>
+                      </a:pPr>
+                      <a:r>
+                        <a:rPr lang="en-US" sz="1600" dirty="0" smtClean="0"/>
+                        <a:t>2310</a:t>
+                      </a:r>
+                    </a:p>
+                  </a:txBody>
+                  <a:tcPr/>
+                </a:tc>
+                <a:tc>
+                  <a:txBody>
+                    <a:bodyPr/>
+                    <a:lstStyle/>
+                    <a:p>
+                      <a:pPr marL="0" marR="0" indent="0" algn="l" defTabSz="914400" rtl="0" eaLnBrk="1" fontAlgn="auto" latinLnBrk="0" hangingPunct="1">
+                        <a:lnSpc>
+                          <a:spcPct val="100000"/>
+                        </a:lnSpc>
+                        <a:spcBef>
+                          <a:spcPts val="0"/>
+                        </a:spcBef>
+                        <a:spcAft>
+                          <a:spcPts val="0"/>
+                        </a:spcAft>
+                        <a:buClrTx/>
+                        <a:buSzTx/>
+                        <a:buFontTx/>
+                        <a:buNone/>
+                        <a:tabLst/>
+                        <a:defRPr/>
+                      </a:pPr>
+                      <a:r>
+                        <a:rPr lang="en-US" sz="1600" dirty="0" smtClean="0"/>
+                        <a:t>2398</a:t>
+                      </a:r>
+                    </a:p>
+                    <a:p>
+                      <a:endParaRPr lang="en-US" sz="1600" dirty="0"/>
+                    </a:p>
+                  </a:txBody>
+                  <a:tcPr/>
+                </a:tc>
+              </a:tr>
+              <a:tr h="573918">
+                <a:tc>
+                  <a:txBody>
+                    <a:bodyPr/>
+                    <a:lstStyle/>
+                    <a:p>
+                      <a:r>
+                        <a:rPr lang="en-US" sz="1600" dirty="0" smtClean="0"/>
+                        <a:t>SEX ABUSE</a:t>
+                      </a:r>
+                      <a:endParaRPr lang="en-US" sz="1600" dirty="0"/>
+                    </a:p>
+                  </a:txBody>
+                  <a:tcPr/>
+                </a:tc>
+                <a:tc>
+                  <a:txBody>
+                    <a:bodyPr/>
+                    <a:lstStyle/>
+                    <a:p>
+                      <a:r>
+                        <a:rPr lang="en-US" sz="1600" dirty="0" smtClean="0"/>
+                        <a:t>257</a:t>
+                      </a:r>
+                      <a:endParaRPr lang="en-US" sz="1600" dirty="0"/>
+                    </a:p>
+                  </a:txBody>
+                  <a:tcPr/>
+                </a:tc>
+                <a:tc>
+                  <a:txBody>
+                    <a:bodyPr/>
+                    <a:lstStyle/>
+                    <a:p>
+                      <a:r>
+                        <a:rPr lang="en-US" sz="1600" dirty="0" smtClean="0"/>
+                        <a:t>299</a:t>
+                      </a:r>
+                    </a:p>
+                  </a:txBody>
+                  <a:tcPr/>
+                </a:tc>
+                <a:tc>
+                  <a:txBody>
+                    <a:bodyPr/>
+                    <a:lstStyle/>
+                    <a:p>
+                      <a:pPr marL="0" marR="0" indent="0" algn="l" defTabSz="914400" rtl="0" eaLnBrk="1" fontAlgn="auto" latinLnBrk="0" hangingPunct="1">
+                        <a:lnSpc>
+                          <a:spcPct val="100000"/>
+                        </a:lnSpc>
+                        <a:spcBef>
+                          <a:spcPts val="0"/>
+                        </a:spcBef>
+                        <a:spcAft>
+                          <a:spcPts val="0"/>
+                        </a:spcAft>
+                        <a:buClrTx/>
+                        <a:buSzTx/>
+                        <a:buFontTx/>
+                        <a:buNone/>
+                        <a:tabLst/>
+                        <a:defRPr/>
+                      </a:pPr>
+                      <a:r>
+                        <a:rPr lang="en-US" sz="1600" dirty="0" smtClean="0"/>
+                        <a:t>309</a:t>
+                      </a:r>
+                    </a:p>
+                    <a:p>
+                      <a:endParaRPr lang="en-US" sz="1600" dirty="0"/>
+                    </a:p>
+                  </a:txBody>
+                  <a:tcPr/>
+                </a:tc>
+              </a:tr>
+              <a:tr h="573918">
+                <a:tc>
+                  <a:txBody>
+                    <a:bodyPr/>
+                    <a:lstStyle/>
+                    <a:p>
+                      <a:r>
+                        <a:rPr lang="en-US" sz="1600" dirty="0" smtClean="0"/>
+                        <a:t>HOMICIDE</a:t>
+                      </a:r>
+                      <a:endParaRPr lang="en-US" sz="1600" dirty="0"/>
+                    </a:p>
+                  </a:txBody>
+                  <a:tcPr/>
+                </a:tc>
+                <a:tc>
+                  <a:txBody>
+                    <a:bodyPr/>
+                    <a:lstStyle/>
+                    <a:p>
+                      <a:r>
+                        <a:rPr lang="en-US" sz="1600" dirty="0" smtClean="0"/>
+                        <a:t>88</a:t>
+                      </a:r>
+                      <a:endParaRPr lang="en-US" sz="1600" dirty="0"/>
+                    </a:p>
+                  </a:txBody>
+                  <a:tcPr/>
+                </a:tc>
+                <a:tc>
+                  <a:txBody>
+                    <a:bodyPr/>
+                    <a:lstStyle/>
+                    <a:p>
+                      <a:pPr marL="0" marR="0" indent="0" algn="l" defTabSz="914400" rtl="0" eaLnBrk="1" fontAlgn="auto" latinLnBrk="0" hangingPunct="1">
+                        <a:lnSpc>
+                          <a:spcPct val="100000"/>
+                        </a:lnSpc>
+                        <a:spcBef>
+                          <a:spcPts val="0"/>
+                        </a:spcBef>
+                        <a:spcAft>
+                          <a:spcPts val="0"/>
+                        </a:spcAft>
+                        <a:buClrTx/>
+                        <a:buSzTx/>
+                        <a:buFontTx/>
+                        <a:buNone/>
+                        <a:tabLst/>
+                        <a:defRPr/>
+                      </a:pPr>
+                      <a:r>
+                        <a:rPr lang="en-US" sz="1600" dirty="0" smtClean="0"/>
+                        <a:t>104</a:t>
+                      </a:r>
+                    </a:p>
+                    <a:p>
+                      <a:endParaRPr lang="en-US" sz="1600" dirty="0"/>
+                    </a:p>
+                  </a:txBody>
+                  <a:tcPr/>
+                </a:tc>
+                <a:tc>
+                  <a:txBody>
+                    <a:bodyPr/>
+                    <a:lstStyle/>
+                    <a:p>
+                      <a:pPr marL="0" marR="0" indent="0" algn="l" defTabSz="914400" rtl="0" eaLnBrk="1" fontAlgn="auto" latinLnBrk="0" hangingPunct="1">
+                        <a:lnSpc>
+                          <a:spcPct val="100000"/>
+                        </a:lnSpc>
+                        <a:spcBef>
+                          <a:spcPts val="0"/>
+                        </a:spcBef>
+                        <a:spcAft>
+                          <a:spcPts val="0"/>
+                        </a:spcAft>
+                        <a:buClrTx/>
+                        <a:buSzTx/>
+                        <a:buFontTx/>
+                        <a:buNone/>
+                        <a:tabLst/>
+                        <a:defRPr/>
+                      </a:pPr>
+                      <a:r>
+                        <a:rPr lang="en-US" sz="1600" dirty="0" smtClean="0"/>
+                        <a:t>106</a:t>
+                      </a:r>
+                    </a:p>
+                    <a:p>
+                      <a:endParaRPr lang="en-US" sz="1600" dirty="0"/>
+                    </a:p>
+                  </a:txBody>
+                  <a:tcPr/>
+                </a:tc>
+              </a:tr>
+              <a:tr h="327953">
+                <a:tc>
+                  <a:txBody>
+                    <a:bodyPr/>
+                    <a:lstStyle/>
+                    <a:p>
+                      <a:r>
+                        <a:rPr lang="en-US" sz="1600" dirty="0" smtClean="0"/>
+                        <a:t>ARSON</a:t>
+                      </a:r>
+                      <a:endParaRPr lang="en-US" sz="1600" dirty="0"/>
+                    </a:p>
+                  </a:txBody>
+                  <a:tcPr/>
+                </a:tc>
+                <a:tc>
+                  <a:txBody>
+                    <a:bodyPr/>
+                    <a:lstStyle/>
+                    <a:p>
+                      <a:r>
+                        <a:rPr lang="en-US" sz="1600" dirty="0" smtClean="0"/>
+                        <a:t>35</a:t>
+                      </a:r>
+                      <a:endParaRPr lang="en-US" sz="1600" dirty="0"/>
+                    </a:p>
+                  </a:txBody>
+                  <a:tcPr/>
+                </a:tc>
+                <a:tc>
+                  <a:txBody>
+                    <a:bodyPr/>
+                    <a:lstStyle/>
+                    <a:p>
+                      <a:r>
+                        <a:rPr lang="en-US" sz="1600" dirty="0" smtClean="0"/>
+                        <a:t>35</a:t>
+                      </a:r>
+                      <a:endParaRPr lang="en-US" sz="1600" dirty="0"/>
+                    </a:p>
+                  </a:txBody>
+                  <a:tcPr/>
+                </a:tc>
+                <a:tc>
+                  <a:txBody>
+                    <a:bodyPr/>
+                    <a:lstStyle/>
+                    <a:p>
+                      <a:r>
+                        <a:rPr lang="en-US" sz="1600" dirty="0" smtClean="0"/>
+                        <a:t>26</a:t>
+                      </a:r>
+                      <a:endParaRPr lang="en-US" sz="1600" dirty="0"/>
+                    </a:p>
+                  </a:txBody>
+                  <a:tcPr/>
+                </a:tc>
+              </a:tr>
+            </a:tbl>
+          </a:graphicData>
+        </a:graphic>
+      </p:graphicFrame>
     </p:spTree>
     <p:extLst>
       <p:ext uri="{BB962C8B-B14F-4D97-AF65-F5344CB8AC3E}">
-        <p14:creationId xmlns:p14="http://schemas.microsoft.com/office/powerpoint/2010/main" val="1240171091"/>
+        <p14:creationId xmlns:p14="http://schemas.microsoft.com/office/powerpoint/2010/main" val="642341944"/>
       </p:ext>
     </p:extLst>
   </p:cSld>
@@ -3306,7 +4136,7 @@
               <a:rPr lang="en-US" sz="2000" b="1" i="1" u="sng" dirty="0" smtClean="0">
                 <a:latin typeface="Constantia" panose="02030602050306030303" pitchFamily="18" charset="0"/>
               </a:rPr>
-              <a:t>OFFENSE BY FAHRENHEIT</a:t>
+              <a:t>UNEMPLOYMENT RATE BY YEAR</a:t>
             </a:r>
             <a:endParaRPr lang="en-US" sz="2000" b="1" i="1" u="sng" dirty="0">
               <a:latin typeface="Constantia" panose="02030602050306030303" pitchFamily="18" charset="0"/>
@@ -3332,61 +4162,31 @@
         </p:blipFill>
         <p:spPr>
           <a:xfrm>
-            <a:off x="1750423" y="1858770"/>
-            <a:ext cx="6534966" cy="4161279"/>
+            <a:off x="2446020" y="1920080"/>
+            <a:ext cx="5597043" cy="3931920"/>
           </a:xfrm>
           <a:prstGeom prst="rect">
             <a:avLst/>
           </a:prstGeom>
         </p:spPr>
       </p:pic>
-      <p:sp>
-        <p:nvSpPr>
-          <p:cNvPr id="5" name="TextBox 4"/>
-          <p:cNvSpPr txBox="1"/>
-          <p:nvPr/>
-        </p:nvSpPr>
-        <p:spPr>
-          <a:xfrm>
-            <a:off x="8739051" y="2690949"/>
-            <a:ext cx="3161212" cy="1754326"/>
-          </a:xfrm>
-          <a:prstGeom prst="rect">
-            <a:avLst/>
-          </a:prstGeom>
-          <a:noFill/>
-        </p:spPr>
-        <p:txBody>
-          <a:bodyPr wrap="square" rtlCol="0">
-            <a:spAutoFit/>
-          </a:bodyPr>
-          <a:lstStyle/>
-          <a:p>
-            <a:r>
-              <a:rPr lang="en-US" dirty="0" smtClean="0"/>
-              <a:t>Looking a little further into how temperature actually compares to the quantity of the crimes – it shows that between 79</a:t>
-            </a:r>
-            <a:endParaRPr lang="en-US" b="1" dirty="0"/>
-          </a:p>
-          <a:p>
-            <a:r>
-              <a:rPr lang="en-US" dirty="0" smtClean="0"/>
-              <a:t>-91degrees is a higher Crime Rate</a:t>
-            </a:r>
-            <a:endParaRPr lang="en-US" dirty="0"/>
-          </a:p>
-        </p:txBody>
-      </p:sp>
     </p:spTree>
     <p:extLst>
       <p:ext uri="{BB962C8B-B14F-4D97-AF65-F5344CB8AC3E}">
-        <p14:creationId xmlns:p14="http://schemas.microsoft.com/office/powerpoint/2010/main" val="3359923032"/>
+        <p14:creationId xmlns:p14="http://schemas.microsoft.com/office/powerpoint/2010/main" val="2624337705"/>
       </p:ext>
     </p:extLst>
   </p:cSld>
   <p:clrMapOvr>
     <a:masterClrMapping/>
   </p:clrMapOvr>
+  <p:timing>
+    <p:tnLst>
+      <p:par>
+        <p:cTn id="1" dur="indefinite" restart="never" nodeType="tmRoot"/>
+      </p:par>
+    </p:tnLst>
+  </p:timing>
 </p:sld>
 </file>
 
@@ -3428,7 +4228,7 @@
               <a:rPr lang="en-US" sz="2400" b="1" i="1" u="sng" dirty="0" smtClean="0">
                 <a:latin typeface="Constantia" panose="02030602050306030303" pitchFamily="18" charset="0"/>
               </a:rPr>
-              <a:t>Further Data work</a:t>
+              <a:t>Insight which has been gained after looking into the DATA</a:t>
             </a:r>
             <a:endParaRPr lang="en-US" sz="2400" b="1" i="1" u="sng" dirty="0">
               <a:latin typeface="Constantia" panose="02030602050306030303" pitchFamily="18" charset="0"/>
@@ -3448,71 +4248,1043 @@
         </p:nvSpPr>
         <p:spPr/>
         <p:txBody>
-          <a:bodyPr/>
+          <a:bodyPr>
+            <a:normAutofit/>
+          </a:bodyPr>
           <a:lstStyle/>
-          <a:p>
-            <a:r>
-              <a:rPr lang="en-US" sz="1600" dirty="0" smtClean="0">
-                <a:latin typeface="Constantia" panose="02030602050306030303" pitchFamily="18" charset="0"/>
-              </a:rPr>
-              <a:t>Since I collected the daily temperature data of each day for all 3 years, I tried to join it to the main crime data table</a:t>
-            </a:r>
-          </a:p>
-          <a:p>
-            <a:r>
-              <a:rPr lang="en-US" sz="1600" dirty="0" smtClean="0">
-                <a:latin typeface="Constantia" panose="02030602050306030303" pitchFamily="18" charset="0"/>
-              </a:rPr>
-              <a:t>I had to split out the “</a:t>
-            </a:r>
-            <a:r>
-              <a:rPr lang="en-US" sz="1600" dirty="0" err="1" smtClean="0">
-                <a:latin typeface="Constantia" panose="02030602050306030303" pitchFamily="18" charset="0"/>
-              </a:rPr>
-              <a:t>ReportedDate</a:t>
-            </a:r>
-            <a:r>
-              <a:rPr lang="en-US" sz="1600" dirty="0" smtClean="0">
-                <a:latin typeface="Constantia" panose="02030602050306030303" pitchFamily="18" charset="0"/>
-              </a:rPr>
-              <a:t>” in the combined crime data to be able to join the weather tables with the crime table</a:t>
-            </a:r>
-          </a:p>
-          <a:p>
-            <a:r>
-              <a:rPr lang="en-US" sz="1600" dirty="0" smtClean="0">
-                <a:latin typeface="Constantia" panose="02030602050306030303" pitchFamily="18" charset="0"/>
-              </a:rPr>
-              <a:t>I created new columns to have the [OFFENSE] as well as the [SHIFT] columns numeric to work on some predictions with it.</a:t>
-            </a:r>
-          </a:p>
-          <a:p>
-            <a:r>
-              <a:rPr lang="en-US" sz="1600" dirty="0" smtClean="0">
-                <a:latin typeface="Constantia" panose="02030602050306030303" pitchFamily="18" charset="0"/>
-              </a:rPr>
-              <a:t>After losing my hair of trying to predict the Crime Rate for 2015 and not getting over 47% accuracy I have to say… I’ll keep on working on it to see what else I can pull out of the data other than my hair</a:t>
-            </a:r>
-            <a:endParaRPr lang="en-US" dirty="0"/>
-          </a:p>
           <a:p>
             <a:pPr marL="0" indent="0">
               <a:buNone/>
             </a:pPr>
-            <a:endParaRPr lang="en-US" dirty="0"/>
+            <a:endParaRPr lang="en-US" sz="1600" dirty="0">
+              <a:latin typeface="Constantia" panose="02030602050306030303" pitchFamily="18" charset="0"/>
+            </a:endParaRPr>
+          </a:p>
+          <a:p>
+            <a:r>
+              <a:rPr lang="en-US" sz="1600" dirty="0" smtClean="0">
+                <a:latin typeface="Constantia" panose="02030602050306030303" pitchFamily="18" charset="0"/>
+              </a:rPr>
+              <a:t>After playing around with the employment data I came to the surprising conclusion that employment does not appear to play a role in Crime. In 2014, the rate of theft was at 14628 which is the highest in all 3 years while unemployment was at its lowest in that timeframe. It brings the question if more years have to be collected of the employment data to see if there maybe is a relationship between people recovering from unemployment over the years and that’s why the crime is way up even though there is low unemployment rate.</a:t>
+            </a:r>
+          </a:p>
+          <a:p>
+            <a:endParaRPr lang="en-US" sz="1600" dirty="0">
+              <a:latin typeface="Constantia" panose="02030602050306030303" pitchFamily="18" charset="0"/>
+            </a:endParaRPr>
+          </a:p>
+          <a:p>
+            <a:r>
+              <a:rPr lang="en-US" sz="1600" dirty="0" smtClean="0">
+                <a:latin typeface="Constantia" panose="02030602050306030303" pitchFamily="18" charset="0"/>
+              </a:rPr>
+              <a:t>It also appears that NW </a:t>
+            </a:r>
+            <a:r>
+              <a:rPr lang="en-US" sz="1600" dirty="0">
+                <a:latin typeface="Constantia" panose="02030602050306030303" pitchFamily="18" charset="0"/>
+              </a:rPr>
+              <a:t>neighborhoods which tend to be more affluent, draw more tourist and have a more vibrant </a:t>
+            </a:r>
+            <a:r>
+              <a:rPr lang="en-US" sz="1600" dirty="0" smtClean="0">
+                <a:latin typeface="Constantia" panose="02030602050306030303" pitchFamily="18" charset="0"/>
+              </a:rPr>
+              <a:t>nightlife appear to have a higher </a:t>
+            </a:r>
+            <a:r>
+              <a:rPr lang="en-US" sz="1600" dirty="0" err="1" smtClean="0">
+                <a:latin typeface="Constantia" panose="02030602050306030303" pitchFamily="18" charset="0"/>
+              </a:rPr>
+              <a:t>CrimeRate</a:t>
+            </a:r>
+            <a:r>
+              <a:rPr lang="en-US" sz="1600" dirty="0" smtClean="0">
+                <a:latin typeface="Constantia" panose="02030602050306030303" pitchFamily="18" charset="0"/>
+              </a:rPr>
+              <a:t>. </a:t>
+            </a:r>
+            <a:r>
+              <a:rPr lang="en-US" sz="1600" dirty="0">
+                <a:latin typeface="Constantia" panose="02030602050306030303" pitchFamily="18" charset="0"/>
+              </a:rPr>
+              <a:t>Violent crime also remains a problem in ward 8, which has the highest concentration of poverty.</a:t>
+            </a:r>
+          </a:p>
+          <a:p>
+            <a:endParaRPr lang="en-US" sz="1600" dirty="0">
+              <a:latin typeface="Constantia" panose="02030602050306030303" pitchFamily="18" charset="0"/>
+            </a:endParaRPr>
           </a:p>
         </p:txBody>
       </p:sp>
     </p:spTree>
     <p:extLst>
       <p:ext uri="{BB962C8B-B14F-4D97-AF65-F5344CB8AC3E}">
-        <p14:creationId xmlns:p14="http://schemas.microsoft.com/office/powerpoint/2010/main" val="2745043826"/>
+        <p14:creationId xmlns:p14="http://schemas.microsoft.com/office/powerpoint/2010/main" val="1240171091"/>
       </p:ext>
     </p:extLst>
   </p:cSld>
   <p:clrMapOvr>
     <a:masterClrMapping/>
   </p:clrMapOvr>
+  <p:timing>
+    <p:tnLst>
+      <p:par>
+        <p:cTn id="1" dur="indefinite" restart="never" nodeType="tmRoot"/>
+      </p:par>
+    </p:tnLst>
+  </p:timing>
+</p:sld>
+</file>
+
+<file path=ppt/slides/slide13.xml><?xml version="1.0" encoding="utf-8"?>
+<p:sld xmlns:a="http://schemas.openxmlformats.org/drawingml/2006/main" xmlns:r="http://schemas.openxmlformats.org/officeDocument/2006/relationships" xmlns:p="http://schemas.openxmlformats.org/presentationml/2006/main">
+  <p:cSld>
+    <p:spTree>
+      <p:nvGrpSpPr>
+        <p:cNvPr id="1" name=""/>
+        <p:cNvGrpSpPr/>
+        <p:nvPr/>
+      </p:nvGrpSpPr>
+      <p:grpSpPr>
+        <a:xfrm>
+          <a:off x="0" y="0"/>
+          <a:ext cx="0" cy="0"/>
+          <a:chOff x="0" y="0"/>
+          <a:chExt cx="0" cy="0"/>
+        </a:xfrm>
+      </p:grpSpPr>
+      <p:sp>
+        <p:nvSpPr>
+          <p:cNvPr id="2" name="Title 1"/>
+          <p:cNvSpPr>
+            <a:spLocks noGrp="1"/>
+          </p:cNvSpPr>
+          <p:nvPr>
+            <p:ph type="title"/>
+          </p:nvPr>
+        </p:nvSpPr>
+        <p:spPr/>
+        <p:txBody>
+          <a:bodyPr>
+            <a:normAutofit/>
+          </a:bodyPr>
+          <a:lstStyle/>
+          <a:p>
+            <a:r>
+              <a:rPr lang="en-US" sz="2000" b="1" i="1" u="sng" dirty="0" smtClean="0">
+                <a:latin typeface="Constantia" panose="02030602050306030303" pitchFamily="18" charset="0"/>
+              </a:rPr>
+              <a:t>OFFENSE BY FAHRENHEIT</a:t>
+            </a:r>
+            <a:endParaRPr lang="en-US" sz="2000" b="1" i="1" u="sng" dirty="0">
+              <a:latin typeface="Constantia" panose="02030602050306030303" pitchFamily="18" charset="0"/>
+            </a:endParaRPr>
+          </a:p>
+        </p:txBody>
+      </p:sp>
+      <p:pic>
+        <p:nvPicPr>
+          <p:cNvPr id="4" name="Content Placeholder 3"/>
+          <p:cNvPicPr>
+            <a:picLocks noGrp="1" noChangeAspect="1"/>
+          </p:cNvPicPr>
+          <p:nvPr>
+            <p:ph idx="1"/>
+          </p:nvPr>
+        </p:nvPicPr>
+        <p:blipFill>
+          <a:blip r:embed="rId2"/>
+          <a:stretch>
+            <a:fillRect/>
+          </a:stretch>
+        </p:blipFill>
+        <p:spPr>
+          <a:xfrm>
+            <a:off x="1750423" y="1858770"/>
+            <a:ext cx="6534966" cy="4161279"/>
+          </a:xfrm>
+          <a:prstGeom prst="rect">
+            <a:avLst/>
+          </a:prstGeom>
+        </p:spPr>
+      </p:pic>
+      <p:sp>
+        <p:nvSpPr>
+          <p:cNvPr id="5" name="TextBox 4"/>
+          <p:cNvSpPr txBox="1"/>
+          <p:nvPr/>
+        </p:nvSpPr>
+        <p:spPr>
+          <a:xfrm>
+            <a:off x="8739051" y="2690949"/>
+            <a:ext cx="3161212" cy="1754326"/>
+          </a:xfrm>
+          <a:prstGeom prst="rect">
+            <a:avLst/>
+          </a:prstGeom>
+          <a:noFill/>
+        </p:spPr>
+        <p:txBody>
+          <a:bodyPr wrap="square" rtlCol="0">
+            <a:spAutoFit/>
+          </a:bodyPr>
+          <a:lstStyle/>
+          <a:p>
+            <a:r>
+              <a:rPr lang="en-US" dirty="0" smtClean="0"/>
+              <a:t>Looking a little further into how temperature actually compares to the quantity of the crimes – it shows that between </a:t>
+            </a:r>
+            <a:r>
+              <a:rPr lang="en-US" dirty="0" smtClean="0"/>
+              <a:t>80</a:t>
+            </a:r>
+            <a:endParaRPr lang="en-US" b="1" dirty="0"/>
+          </a:p>
+          <a:p>
+            <a:r>
+              <a:rPr lang="en-US" dirty="0" smtClean="0"/>
+              <a:t>-91degrees is a higher Crime Rate</a:t>
+            </a:r>
+            <a:endParaRPr lang="en-US" dirty="0"/>
+          </a:p>
+        </p:txBody>
+      </p:sp>
+    </p:spTree>
+    <p:extLst>
+      <p:ext uri="{BB962C8B-B14F-4D97-AF65-F5344CB8AC3E}">
+        <p14:creationId xmlns:p14="http://schemas.microsoft.com/office/powerpoint/2010/main" val="3359923032"/>
+      </p:ext>
+    </p:extLst>
+  </p:cSld>
+  <p:clrMapOvr>
+    <a:masterClrMapping/>
+  </p:clrMapOvr>
+  <p:timing>
+    <p:tnLst>
+      <p:par>
+        <p:cTn id="1" dur="indefinite" restart="never" nodeType="tmRoot"/>
+      </p:par>
+    </p:tnLst>
+  </p:timing>
+</p:sld>
+</file>
+
+<file path=ppt/slides/slide14.xml><?xml version="1.0" encoding="utf-8"?>
+<p:sld xmlns:a="http://schemas.openxmlformats.org/drawingml/2006/main" xmlns:r="http://schemas.openxmlformats.org/officeDocument/2006/relationships" xmlns:p="http://schemas.openxmlformats.org/presentationml/2006/main">
+  <p:cSld>
+    <p:spTree>
+      <p:nvGrpSpPr>
+        <p:cNvPr id="1" name=""/>
+        <p:cNvGrpSpPr/>
+        <p:nvPr/>
+      </p:nvGrpSpPr>
+      <p:grpSpPr>
+        <a:xfrm>
+          <a:off x="0" y="0"/>
+          <a:ext cx="0" cy="0"/>
+          <a:chOff x="0" y="0"/>
+          <a:chExt cx="0" cy="0"/>
+        </a:xfrm>
+      </p:grpSpPr>
+      <p:sp>
+        <p:nvSpPr>
+          <p:cNvPr id="2" name="Title 1"/>
+          <p:cNvSpPr>
+            <a:spLocks noGrp="1"/>
+          </p:cNvSpPr>
+          <p:nvPr>
+            <p:ph type="title"/>
+          </p:nvPr>
+        </p:nvSpPr>
+        <p:spPr/>
+        <p:txBody>
+          <a:bodyPr>
+            <a:normAutofit/>
+          </a:bodyPr>
+          <a:lstStyle/>
+          <a:p>
+            <a:r>
+              <a:rPr lang="en-US" sz="2800" b="1" i="1" u="sng" dirty="0" smtClean="0">
+                <a:latin typeface="Constantia" panose="02030602050306030303" pitchFamily="18" charset="0"/>
+              </a:rPr>
+              <a:t>Offense compared with Temperature</a:t>
+            </a:r>
+            <a:endParaRPr lang="en-US" sz="2800" b="1" i="1" u="sng" dirty="0">
+              <a:latin typeface="Constantia" panose="02030602050306030303" pitchFamily="18" charset="0"/>
+            </a:endParaRPr>
+          </a:p>
+        </p:txBody>
+      </p:sp>
+      <p:sp>
+        <p:nvSpPr>
+          <p:cNvPr id="3" name="Content Placeholder 2"/>
+          <p:cNvSpPr>
+            <a:spLocks noGrp="1"/>
+          </p:cNvSpPr>
+          <p:nvPr>
+            <p:ph idx="1"/>
+          </p:nvPr>
+        </p:nvSpPr>
+        <p:spPr/>
+        <p:txBody>
+          <a:bodyPr/>
+          <a:lstStyle/>
+          <a:p>
+            <a:endParaRPr lang="en-US" dirty="0"/>
+          </a:p>
+        </p:txBody>
+      </p:sp>
+      <p:pic>
+        <p:nvPicPr>
+          <p:cNvPr id="5" name="Picture 4"/>
+          <p:cNvPicPr>
+            <a:picLocks noChangeAspect="1"/>
+          </p:cNvPicPr>
+          <p:nvPr/>
+        </p:nvPicPr>
+        <p:blipFill>
+          <a:blip r:embed="rId2"/>
+          <a:stretch>
+            <a:fillRect/>
+          </a:stretch>
+        </p:blipFill>
+        <p:spPr>
+          <a:xfrm>
+            <a:off x="1881052" y="2274464"/>
+            <a:ext cx="5216026" cy="3758807"/>
+          </a:xfrm>
+          <a:prstGeom prst="rect">
+            <a:avLst/>
+          </a:prstGeom>
+        </p:spPr>
+      </p:pic>
+      <p:sp>
+        <p:nvSpPr>
+          <p:cNvPr id="6" name="TextBox 5"/>
+          <p:cNvSpPr txBox="1"/>
+          <p:nvPr/>
+        </p:nvSpPr>
+        <p:spPr>
+          <a:xfrm>
+            <a:off x="7863840" y="3868639"/>
+            <a:ext cx="4428308" cy="2308324"/>
+          </a:xfrm>
+          <a:prstGeom prst="rect">
+            <a:avLst/>
+          </a:prstGeom>
+          <a:noFill/>
+        </p:spPr>
+        <p:txBody>
+          <a:bodyPr wrap="square" rtlCol="0">
+            <a:spAutoFit/>
+          </a:bodyPr>
+          <a:lstStyle/>
+          <a:p>
+            <a:r>
+              <a:rPr lang="en-US" u="sng" dirty="0" smtClean="0"/>
+              <a:t>Legend</a:t>
+            </a:r>
+            <a:r>
+              <a:rPr lang="en-US" dirty="0" smtClean="0"/>
+              <a:t>:</a:t>
+            </a:r>
+          </a:p>
+          <a:p>
+            <a:r>
+              <a:rPr lang="en-US" sz="1400" dirty="0" smtClean="0">
+                <a:latin typeface="Constantia" panose="02030602050306030303" pitchFamily="18" charset="0"/>
+              </a:rPr>
+              <a:t>1 = </a:t>
+            </a:r>
+            <a:r>
+              <a:rPr lang="en-US" sz="1400" dirty="0">
+                <a:latin typeface="Constantia" panose="02030602050306030303" pitchFamily="18" charset="0"/>
+              </a:rPr>
+              <a:t>THEFT/OTHER</a:t>
+            </a:r>
+            <a:endParaRPr lang="en-US" sz="1400" dirty="0" smtClean="0">
+              <a:latin typeface="Constantia" panose="02030602050306030303" pitchFamily="18" charset="0"/>
+            </a:endParaRPr>
+          </a:p>
+          <a:p>
+            <a:r>
+              <a:rPr lang="en-US" sz="1400" dirty="0" smtClean="0">
+                <a:latin typeface="Constantia" panose="02030602050306030303" pitchFamily="18" charset="0"/>
+              </a:rPr>
+              <a:t>2 = </a:t>
+            </a:r>
+            <a:r>
+              <a:rPr lang="en-US" sz="1400" dirty="0">
+                <a:latin typeface="Constantia" panose="02030602050306030303" pitchFamily="18" charset="0"/>
+              </a:rPr>
+              <a:t>THEFT F/AUTO</a:t>
+            </a:r>
+            <a:endParaRPr lang="en-US" sz="1400" dirty="0" smtClean="0">
+              <a:latin typeface="Constantia" panose="02030602050306030303" pitchFamily="18" charset="0"/>
+            </a:endParaRPr>
+          </a:p>
+          <a:p>
+            <a:r>
+              <a:rPr lang="en-US" sz="1400" dirty="0" smtClean="0">
+                <a:latin typeface="Constantia" panose="02030602050306030303" pitchFamily="18" charset="0"/>
+              </a:rPr>
+              <a:t>3 = </a:t>
+            </a:r>
+            <a:r>
+              <a:rPr lang="en-US" sz="1400" dirty="0">
+                <a:latin typeface="Constantia" panose="02030602050306030303" pitchFamily="18" charset="0"/>
+              </a:rPr>
+              <a:t>ROBBERY</a:t>
+            </a:r>
+            <a:endParaRPr lang="en-US" sz="1400" dirty="0" smtClean="0">
+              <a:latin typeface="Constantia" panose="02030602050306030303" pitchFamily="18" charset="0"/>
+            </a:endParaRPr>
+          </a:p>
+          <a:p>
+            <a:r>
+              <a:rPr lang="en-US" sz="1400" dirty="0" smtClean="0">
+                <a:latin typeface="Constantia" panose="02030602050306030303" pitchFamily="18" charset="0"/>
+              </a:rPr>
+              <a:t>4 = </a:t>
+            </a:r>
+            <a:r>
+              <a:rPr lang="en-US" sz="1400" dirty="0">
+                <a:latin typeface="Constantia" panose="02030602050306030303" pitchFamily="18" charset="0"/>
+              </a:rPr>
+              <a:t>BURGLARY</a:t>
+            </a:r>
+            <a:endParaRPr lang="en-US" sz="1400" dirty="0" smtClean="0">
+              <a:latin typeface="Constantia" panose="02030602050306030303" pitchFamily="18" charset="0"/>
+            </a:endParaRPr>
+          </a:p>
+          <a:p>
+            <a:r>
+              <a:rPr lang="en-US" sz="1400" dirty="0" smtClean="0">
+                <a:latin typeface="Constantia" panose="02030602050306030303" pitchFamily="18" charset="0"/>
+              </a:rPr>
+              <a:t>5 = </a:t>
+            </a:r>
+            <a:r>
+              <a:rPr lang="en-US" sz="1400" dirty="0">
+                <a:latin typeface="Constantia" panose="02030602050306030303" pitchFamily="18" charset="0"/>
+              </a:rPr>
+              <a:t>'MOTOR VEHICLE THEFT</a:t>
+            </a:r>
+            <a:endParaRPr lang="en-US" sz="1400" dirty="0" smtClean="0">
+              <a:latin typeface="Constantia" panose="02030602050306030303" pitchFamily="18" charset="0"/>
+            </a:endParaRPr>
+          </a:p>
+          <a:p>
+            <a:r>
+              <a:rPr lang="en-US" sz="1400" dirty="0" smtClean="0">
+                <a:latin typeface="Constantia" panose="02030602050306030303" pitchFamily="18" charset="0"/>
+              </a:rPr>
+              <a:t>6 = ASSAULT W/DANGEROUS WEAPON </a:t>
+            </a:r>
+          </a:p>
+          <a:p>
+            <a:r>
+              <a:rPr lang="en-US" sz="1400" dirty="0" smtClean="0">
+                <a:latin typeface="Constantia" panose="02030602050306030303" pitchFamily="18" charset="0"/>
+              </a:rPr>
+              <a:t>7 = SEX </a:t>
+            </a:r>
+            <a:r>
+              <a:rPr lang="en-US" sz="1400" dirty="0">
+                <a:latin typeface="Constantia" panose="02030602050306030303" pitchFamily="18" charset="0"/>
+              </a:rPr>
+              <a:t>ABUSE</a:t>
+            </a:r>
+            <a:endParaRPr lang="en-US" sz="1400" dirty="0" smtClean="0">
+              <a:latin typeface="Constantia" panose="02030602050306030303" pitchFamily="18" charset="0"/>
+            </a:endParaRPr>
+          </a:p>
+          <a:p>
+            <a:r>
+              <a:rPr lang="en-US" sz="1400" dirty="0" smtClean="0">
+                <a:latin typeface="Constantia" panose="02030602050306030303" pitchFamily="18" charset="0"/>
+              </a:rPr>
+              <a:t>8 = </a:t>
+            </a:r>
+            <a:r>
+              <a:rPr lang="en-US" sz="1400" dirty="0">
+                <a:latin typeface="Constantia" panose="02030602050306030303" pitchFamily="18" charset="0"/>
+              </a:rPr>
+              <a:t>HOMICIDE</a:t>
+            </a:r>
+            <a:endParaRPr lang="en-US" sz="1400" dirty="0" smtClean="0">
+              <a:latin typeface="Constantia" panose="02030602050306030303" pitchFamily="18" charset="0"/>
+            </a:endParaRPr>
+          </a:p>
+          <a:p>
+            <a:r>
+              <a:rPr lang="en-US" sz="1400" dirty="0" smtClean="0">
+                <a:latin typeface="Constantia" panose="02030602050306030303" pitchFamily="18" charset="0"/>
+              </a:rPr>
+              <a:t>9 = ARSON</a:t>
+            </a:r>
+          </a:p>
+        </p:txBody>
+      </p:sp>
+    </p:spTree>
+    <p:extLst>
+      <p:ext uri="{BB962C8B-B14F-4D97-AF65-F5344CB8AC3E}">
+        <p14:creationId xmlns:p14="http://schemas.microsoft.com/office/powerpoint/2010/main" val="566545057"/>
+      </p:ext>
+    </p:extLst>
+  </p:cSld>
+  <p:clrMapOvr>
+    <a:masterClrMapping/>
+  </p:clrMapOvr>
+  <p:timing>
+    <p:tnLst>
+      <p:par>
+        <p:cTn id="1" dur="indefinite" restart="never" nodeType="tmRoot"/>
+      </p:par>
+    </p:tnLst>
+  </p:timing>
+</p:sld>
+</file>
+
+<file path=ppt/slides/slide15.xml><?xml version="1.0" encoding="utf-8"?>
+<p:sld xmlns:a="http://schemas.openxmlformats.org/drawingml/2006/main" xmlns:r="http://schemas.openxmlformats.org/officeDocument/2006/relationships" xmlns:p="http://schemas.openxmlformats.org/presentationml/2006/main">
+  <p:cSld>
+    <p:spTree>
+      <p:nvGrpSpPr>
+        <p:cNvPr id="1" name=""/>
+        <p:cNvGrpSpPr/>
+        <p:nvPr/>
+      </p:nvGrpSpPr>
+      <p:grpSpPr>
+        <a:xfrm>
+          <a:off x="0" y="0"/>
+          <a:ext cx="0" cy="0"/>
+          <a:chOff x="0" y="0"/>
+          <a:chExt cx="0" cy="0"/>
+        </a:xfrm>
+      </p:grpSpPr>
+      <p:pic>
+        <p:nvPicPr>
+          <p:cNvPr id="4" name="Content Placeholder 3"/>
+          <p:cNvPicPr>
+            <a:picLocks noGrp="1" noChangeAspect="1"/>
+          </p:cNvPicPr>
+          <p:nvPr>
+            <p:ph idx="1"/>
+          </p:nvPr>
+        </p:nvPicPr>
+        <p:blipFill>
+          <a:blip r:embed="rId2"/>
+          <a:stretch>
+            <a:fillRect/>
+          </a:stretch>
+        </p:blipFill>
+        <p:spPr>
+          <a:xfrm>
+            <a:off x="2991394" y="2299064"/>
+            <a:ext cx="5577839" cy="3579222"/>
+          </a:xfrm>
+          <a:prstGeom prst="rect">
+            <a:avLst/>
+          </a:prstGeom>
+        </p:spPr>
+      </p:pic>
+      <p:sp>
+        <p:nvSpPr>
+          <p:cNvPr id="5" name="TextBox 4"/>
+          <p:cNvSpPr txBox="1"/>
+          <p:nvPr/>
+        </p:nvSpPr>
+        <p:spPr>
+          <a:xfrm>
+            <a:off x="8869680" y="2743200"/>
+            <a:ext cx="2991394" cy="1477328"/>
+          </a:xfrm>
+          <a:prstGeom prst="rect">
+            <a:avLst/>
+          </a:prstGeom>
+          <a:noFill/>
+        </p:spPr>
+        <p:txBody>
+          <a:bodyPr wrap="square" rtlCol="0">
+            <a:spAutoFit/>
+          </a:bodyPr>
+          <a:lstStyle/>
+          <a:p>
+            <a:r>
+              <a:rPr lang="en-US" dirty="0" smtClean="0"/>
+              <a:t>After the low score from the linear regression I tried to move on with a </a:t>
+            </a:r>
+            <a:r>
+              <a:rPr lang="en-US" dirty="0" err="1" smtClean="0"/>
+              <a:t>Kfold</a:t>
+            </a:r>
+            <a:r>
+              <a:rPr lang="en-US" dirty="0" smtClean="0"/>
+              <a:t> – which didn’t give me a higher score either</a:t>
+            </a:r>
+            <a:endParaRPr lang="en-US" dirty="0"/>
+          </a:p>
+        </p:txBody>
+      </p:sp>
+    </p:spTree>
+    <p:extLst>
+      <p:ext uri="{BB962C8B-B14F-4D97-AF65-F5344CB8AC3E}">
+        <p14:creationId xmlns:p14="http://schemas.microsoft.com/office/powerpoint/2010/main" val="2379386872"/>
+      </p:ext>
+    </p:extLst>
+  </p:cSld>
+  <p:clrMapOvr>
+    <a:masterClrMapping/>
+  </p:clrMapOvr>
+  <p:timing>
+    <p:tnLst>
+      <p:par>
+        <p:cTn id="1" dur="indefinite" restart="never" nodeType="tmRoot"/>
+      </p:par>
+    </p:tnLst>
+  </p:timing>
+</p:sld>
+</file>
+
+<file path=ppt/slides/slide16.xml><?xml version="1.0" encoding="utf-8"?>
+<p:sld xmlns:a="http://schemas.openxmlformats.org/drawingml/2006/main" xmlns:r="http://schemas.openxmlformats.org/officeDocument/2006/relationships" xmlns:p="http://schemas.openxmlformats.org/presentationml/2006/main">
+  <p:cSld>
+    <p:spTree>
+      <p:nvGrpSpPr>
+        <p:cNvPr id="1" name=""/>
+        <p:cNvGrpSpPr/>
+        <p:nvPr/>
+      </p:nvGrpSpPr>
+      <p:grpSpPr>
+        <a:xfrm>
+          <a:off x="0" y="0"/>
+          <a:ext cx="0" cy="0"/>
+          <a:chOff x="0" y="0"/>
+          <a:chExt cx="0" cy="0"/>
+        </a:xfrm>
+      </p:grpSpPr>
+      <p:sp>
+        <p:nvSpPr>
+          <p:cNvPr id="2" name="Title 1"/>
+          <p:cNvSpPr>
+            <a:spLocks noGrp="1"/>
+          </p:cNvSpPr>
+          <p:nvPr>
+            <p:ph type="title"/>
+          </p:nvPr>
+        </p:nvSpPr>
+        <p:spPr/>
+        <p:txBody>
+          <a:bodyPr>
+            <a:normAutofit/>
+          </a:bodyPr>
+          <a:lstStyle/>
+          <a:p>
+            <a:r>
+              <a:rPr lang="en-US" sz="2800" b="1" i="1" u="sng" dirty="0" smtClean="0">
+                <a:latin typeface="Constantia" panose="02030602050306030303" pitchFamily="18" charset="0"/>
+              </a:rPr>
+              <a:t>Predictions</a:t>
+            </a:r>
+            <a:r>
+              <a:rPr lang="en-US" sz="2800" dirty="0" smtClean="0">
+                <a:latin typeface="Constantia" panose="02030602050306030303" pitchFamily="18" charset="0"/>
+              </a:rPr>
+              <a:t>:</a:t>
+            </a:r>
+            <a:endParaRPr lang="en-US" sz="2800" dirty="0">
+              <a:latin typeface="Constantia" panose="02030602050306030303" pitchFamily="18" charset="0"/>
+            </a:endParaRPr>
+          </a:p>
+        </p:txBody>
+      </p:sp>
+      <p:sp>
+        <p:nvSpPr>
+          <p:cNvPr id="3" name="Content Placeholder 2"/>
+          <p:cNvSpPr>
+            <a:spLocks noGrp="1"/>
+          </p:cNvSpPr>
+          <p:nvPr>
+            <p:ph idx="1"/>
+          </p:nvPr>
+        </p:nvSpPr>
+        <p:spPr>
+          <a:xfrm>
+            <a:off x="838200" y="1799499"/>
+            <a:ext cx="10855234" cy="4744992"/>
+          </a:xfrm>
+        </p:spPr>
+        <p:txBody>
+          <a:bodyPr>
+            <a:normAutofit/>
+          </a:bodyPr>
+          <a:lstStyle/>
+          <a:p>
+            <a:r>
+              <a:rPr lang="en-US" sz="1600" dirty="0" smtClean="0">
+                <a:latin typeface="Constantia" panose="02030602050306030303" pitchFamily="18" charset="0"/>
+              </a:rPr>
+              <a:t>I tried linear regression which only gave me a 47% accuracy</a:t>
+            </a:r>
+          </a:p>
+          <a:p>
+            <a:r>
+              <a:rPr lang="en-US" sz="1600" dirty="0" smtClean="0">
+                <a:latin typeface="Constantia" panose="02030602050306030303" pitchFamily="18" charset="0"/>
+              </a:rPr>
+              <a:t>Cross validation with [Offense] as the Target gave me the same result</a:t>
+            </a:r>
+          </a:p>
+          <a:p>
+            <a:r>
+              <a:rPr lang="en-US" sz="1600" dirty="0" smtClean="0">
+                <a:latin typeface="Constantia" panose="02030602050306030303" pitchFamily="18" charset="0"/>
+              </a:rPr>
+              <a:t>I switched the Target to the [Shifts] which reduced the accuracy to 46%</a:t>
+            </a:r>
+          </a:p>
+          <a:p>
+            <a:r>
+              <a:rPr lang="en-US" sz="1600" dirty="0" smtClean="0">
+                <a:latin typeface="Constantia" panose="02030602050306030303" pitchFamily="18" charset="0"/>
+              </a:rPr>
+              <a:t>Running a </a:t>
+            </a:r>
+            <a:r>
+              <a:rPr lang="en-US" sz="1600" dirty="0" err="1" smtClean="0">
+                <a:latin typeface="Constantia" panose="02030602050306030303" pitchFamily="18" charset="0"/>
+              </a:rPr>
+              <a:t>Kfold</a:t>
+            </a:r>
+            <a:r>
+              <a:rPr lang="en-US" sz="1600" dirty="0" smtClean="0">
+                <a:latin typeface="Constantia" panose="02030602050306030303" pitchFamily="18" charset="0"/>
+              </a:rPr>
+              <a:t> with the Target being the [WARD ] and my features being [Fahrenheit],[shift],[offense],[BLOCKXCOORD],[BLOCKYCOORD],[year], I received a 98% accuracy return.</a:t>
+            </a:r>
+          </a:p>
+          <a:p>
+            <a:r>
+              <a:rPr lang="en-US" sz="1600" dirty="0" smtClean="0">
+                <a:latin typeface="Constantia" panose="02030602050306030303" pitchFamily="18" charset="0"/>
+              </a:rPr>
+              <a:t>This answer wasn’t good enough and I have a feeling it is incorrect, so I tried the regression tree</a:t>
+            </a:r>
+          </a:p>
+          <a:p>
+            <a:pPr marL="0" indent="0">
+              <a:buNone/>
+            </a:pPr>
+            <a:endParaRPr lang="en-US" sz="2400" dirty="0">
+              <a:latin typeface="Constantia" panose="02030602050306030303" pitchFamily="18" charset="0"/>
+            </a:endParaRPr>
+          </a:p>
+        </p:txBody>
+      </p:sp>
+      <p:pic>
+        <p:nvPicPr>
+          <p:cNvPr id="5" name="Content Placeholder 3"/>
+          <p:cNvPicPr>
+            <a:picLocks noChangeAspect="1"/>
+          </p:cNvPicPr>
+          <p:nvPr/>
+        </p:nvPicPr>
+        <p:blipFill>
+          <a:blip r:embed="rId2"/>
+          <a:stretch>
+            <a:fillRect/>
+          </a:stretch>
+        </p:blipFill>
+        <p:spPr>
+          <a:xfrm>
+            <a:off x="4288291" y="3768067"/>
+            <a:ext cx="2110435" cy="1770584"/>
+          </a:xfrm>
+          <a:prstGeom prst="rect">
+            <a:avLst/>
+          </a:prstGeom>
+        </p:spPr>
+      </p:pic>
+      <p:sp>
+        <p:nvSpPr>
+          <p:cNvPr id="6" name="TextBox 5"/>
+          <p:cNvSpPr txBox="1"/>
+          <p:nvPr/>
+        </p:nvSpPr>
+        <p:spPr>
+          <a:xfrm>
+            <a:off x="3108960" y="5643154"/>
+            <a:ext cx="5120640" cy="646331"/>
+          </a:xfrm>
+          <a:prstGeom prst="rect">
+            <a:avLst/>
+          </a:prstGeom>
+          <a:noFill/>
+        </p:spPr>
+        <p:txBody>
+          <a:bodyPr wrap="square" rtlCol="0">
+            <a:spAutoFit/>
+          </a:bodyPr>
+          <a:lstStyle/>
+          <a:p>
+            <a:r>
+              <a:rPr lang="en-US" dirty="0" smtClean="0"/>
+              <a:t>The regression tree did not want to cooperate with me and I failed trying</a:t>
+            </a:r>
+            <a:endParaRPr lang="en-US" dirty="0"/>
+          </a:p>
+        </p:txBody>
+      </p:sp>
+    </p:spTree>
+    <p:extLst>
+      <p:ext uri="{BB962C8B-B14F-4D97-AF65-F5344CB8AC3E}">
+        <p14:creationId xmlns:p14="http://schemas.microsoft.com/office/powerpoint/2010/main" val="1321984726"/>
+      </p:ext>
+    </p:extLst>
+  </p:cSld>
+  <p:clrMapOvr>
+    <a:masterClrMapping/>
+  </p:clrMapOvr>
+  <p:timing>
+    <p:tnLst>
+      <p:par>
+        <p:cTn id="1" dur="indefinite" restart="never" nodeType="tmRoot"/>
+      </p:par>
+    </p:tnLst>
+  </p:timing>
+</p:sld>
+</file>
+
+<file path=ppt/slides/slide17.xml><?xml version="1.0" encoding="utf-8"?>
+<p:sld xmlns:a="http://schemas.openxmlformats.org/drawingml/2006/main" xmlns:r="http://schemas.openxmlformats.org/officeDocument/2006/relationships" xmlns:p="http://schemas.openxmlformats.org/presentationml/2006/main">
+  <p:cSld>
+    <p:spTree>
+      <p:nvGrpSpPr>
+        <p:cNvPr id="1" name=""/>
+        <p:cNvGrpSpPr/>
+        <p:nvPr/>
+      </p:nvGrpSpPr>
+      <p:grpSpPr>
+        <a:xfrm>
+          <a:off x="0" y="0"/>
+          <a:ext cx="0" cy="0"/>
+          <a:chOff x="0" y="0"/>
+          <a:chExt cx="0" cy="0"/>
+        </a:xfrm>
+      </p:grpSpPr>
+      <p:sp>
+        <p:nvSpPr>
+          <p:cNvPr id="2" name="Title 1"/>
+          <p:cNvSpPr>
+            <a:spLocks noGrp="1"/>
+          </p:cNvSpPr>
+          <p:nvPr>
+            <p:ph type="title"/>
+          </p:nvPr>
+        </p:nvSpPr>
+        <p:spPr/>
+        <p:txBody>
+          <a:bodyPr/>
+          <a:lstStyle/>
+          <a:p>
+            <a:r>
+              <a:rPr lang="en-US" dirty="0" smtClean="0"/>
+              <a:t>Next Steps:</a:t>
+            </a:r>
+            <a:endParaRPr lang="en-US" dirty="0"/>
+          </a:p>
+        </p:txBody>
+      </p:sp>
+      <p:sp>
+        <p:nvSpPr>
+          <p:cNvPr id="5" name="Content Placeholder 4"/>
+          <p:cNvSpPr>
+            <a:spLocks noGrp="1"/>
+          </p:cNvSpPr>
+          <p:nvPr>
+            <p:ph idx="1"/>
+          </p:nvPr>
+        </p:nvSpPr>
+        <p:spPr/>
+        <p:txBody>
+          <a:bodyPr/>
+          <a:lstStyle/>
+          <a:p>
+            <a:pPr marL="0" indent="0">
+              <a:buNone/>
+            </a:pPr>
+            <a:r>
+              <a:rPr lang="en-US" sz="1600" dirty="0" smtClean="0">
+                <a:latin typeface="Constantia" panose="02030602050306030303" pitchFamily="18" charset="0"/>
+              </a:rPr>
+              <a:t>Unfortunately I ran out of time.</a:t>
+            </a:r>
+          </a:p>
+          <a:p>
+            <a:pPr marL="0" indent="0">
+              <a:buNone/>
+            </a:pPr>
+            <a:r>
+              <a:rPr lang="en-US" sz="1600" dirty="0" smtClean="0">
+                <a:latin typeface="Constantia" panose="02030602050306030303" pitchFamily="18" charset="0"/>
+              </a:rPr>
+              <a:t>I tried to gather data about the Wards demographics like:</a:t>
+            </a:r>
+          </a:p>
+          <a:p>
+            <a:pPr marL="0" indent="0">
+              <a:buNone/>
+            </a:pPr>
+            <a:r>
+              <a:rPr lang="en-US" sz="1600" dirty="0">
+                <a:latin typeface="Constantia" panose="02030602050306030303" pitchFamily="18" charset="0"/>
+              </a:rPr>
+              <a:t>	</a:t>
+            </a:r>
+            <a:r>
+              <a:rPr lang="en-US" sz="1600" dirty="0" smtClean="0">
+                <a:latin typeface="Constantia" panose="02030602050306030303" pitchFamily="18" charset="0"/>
+              </a:rPr>
+              <a:t>- marital status</a:t>
+            </a:r>
+          </a:p>
+          <a:p>
+            <a:pPr marL="0" indent="0">
+              <a:buNone/>
+            </a:pPr>
+            <a:r>
+              <a:rPr lang="en-US" sz="1600" dirty="0">
+                <a:latin typeface="Constantia" panose="02030602050306030303" pitchFamily="18" charset="0"/>
+              </a:rPr>
+              <a:t>	</a:t>
+            </a:r>
+            <a:r>
+              <a:rPr lang="en-US" sz="1600" dirty="0" smtClean="0">
+                <a:latin typeface="Constantia" panose="02030602050306030303" pitchFamily="18" charset="0"/>
+              </a:rPr>
+              <a:t>- race/ethnicity</a:t>
+            </a:r>
+          </a:p>
+          <a:p>
+            <a:pPr marL="0" indent="0">
+              <a:buNone/>
+            </a:pPr>
+            <a:r>
+              <a:rPr lang="en-US" sz="1600" dirty="0">
+                <a:latin typeface="Constantia" panose="02030602050306030303" pitchFamily="18" charset="0"/>
+              </a:rPr>
+              <a:t>	</a:t>
+            </a:r>
+            <a:r>
+              <a:rPr lang="en-US" sz="1600" dirty="0" smtClean="0">
+                <a:latin typeface="Constantia" panose="02030602050306030303" pitchFamily="18" charset="0"/>
+              </a:rPr>
+              <a:t>- income</a:t>
+            </a:r>
+          </a:p>
+          <a:p>
+            <a:pPr marL="0" indent="0">
+              <a:buNone/>
+            </a:pPr>
+            <a:r>
+              <a:rPr lang="en-US" sz="1600" dirty="0">
+                <a:latin typeface="Constantia" panose="02030602050306030303" pitchFamily="18" charset="0"/>
+              </a:rPr>
+              <a:t>	</a:t>
+            </a:r>
+            <a:r>
+              <a:rPr lang="en-US" sz="1600" dirty="0" smtClean="0">
+                <a:latin typeface="Constantia" panose="02030602050306030303" pitchFamily="18" charset="0"/>
+              </a:rPr>
+              <a:t>- education</a:t>
+            </a:r>
+          </a:p>
+          <a:p>
+            <a:pPr marL="0" indent="0">
+              <a:buNone/>
+            </a:pPr>
+            <a:r>
+              <a:rPr lang="en-US" sz="1600" dirty="0">
+                <a:latin typeface="Constantia" panose="02030602050306030303" pitchFamily="18" charset="0"/>
+              </a:rPr>
+              <a:t>	</a:t>
+            </a:r>
+            <a:r>
+              <a:rPr lang="en-US" sz="1600" dirty="0" smtClean="0">
+                <a:latin typeface="Constantia" panose="02030602050306030303" pitchFamily="18" charset="0"/>
+              </a:rPr>
+              <a:t>- average age, </a:t>
+            </a:r>
+            <a:r>
+              <a:rPr lang="en-US" sz="1600" dirty="0" err="1" smtClean="0">
+                <a:latin typeface="Constantia" panose="02030602050306030303" pitchFamily="18" charset="0"/>
+              </a:rPr>
+              <a:t>etc</a:t>
+            </a:r>
+            <a:endParaRPr lang="en-US" sz="1600" dirty="0" smtClean="0">
+              <a:latin typeface="Constantia" panose="02030602050306030303" pitchFamily="18" charset="0"/>
+            </a:endParaRPr>
+          </a:p>
+          <a:p>
+            <a:pPr marL="0" indent="0">
+              <a:buNone/>
+            </a:pPr>
+            <a:r>
+              <a:rPr lang="en-US" sz="1600" dirty="0" smtClean="0">
+                <a:latin typeface="Constantia" panose="02030602050306030303" pitchFamily="18" charset="0"/>
+              </a:rPr>
+              <a:t>The challenge is to stay focused, the more answers you get from the data the more questions come up which could have an impact on Crime. It seems like a bottomless pit of possibilities that could be explored.</a:t>
+            </a:r>
+            <a:endParaRPr lang="en-US" sz="1600" dirty="0">
+              <a:latin typeface="Constantia" panose="02030602050306030303" pitchFamily="18" charset="0"/>
+            </a:endParaRPr>
+          </a:p>
+        </p:txBody>
+      </p:sp>
+      <p:pic>
+        <p:nvPicPr>
+          <p:cNvPr id="6" name="Picture 5"/>
+          <p:cNvPicPr>
+            <a:picLocks noChangeAspect="1"/>
+          </p:cNvPicPr>
+          <p:nvPr/>
+        </p:nvPicPr>
+        <p:blipFill>
+          <a:blip r:embed="rId2"/>
+          <a:stretch>
+            <a:fillRect/>
+          </a:stretch>
+        </p:blipFill>
+        <p:spPr>
+          <a:xfrm>
+            <a:off x="6096000" y="365125"/>
+            <a:ext cx="2876550" cy="3124200"/>
+          </a:xfrm>
+          <a:prstGeom prst="rect">
+            <a:avLst/>
+          </a:prstGeom>
+        </p:spPr>
+      </p:pic>
+    </p:spTree>
+    <p:extLst>
+      <p:ext uri="{BB962C8B-B14F-4D97-AF65-F5344CB8AC3E}">
+        <p14:creationId xmlns:p14="http://schemas.microsoft.com/office/powerpoint/2010/main" val="2666077187"/>
+      </p:ext>
+    </p:extLst>
+  </p:cSld>
+  <p:clrMapOvr>
+    <a:masterClrMapping/>
+  </p:clrMapOvr>
+  <p:timing>
+    <p:tnLst>
+      <p:par>
+        <p:cTn id="1" dur="indefinite" restart="never" nodeType="tmRoot"/>
+      </p:par>
+    </p:tnLst>
+  </p:timing>
 </p:sld>
 </file>
 
@@ -3543,99 +5315,130 @@
             <p:ph type="title"/>
           </p:nvPr>
         </p:nvSpPr>
+        <p:spPr/>
+        <p:txBody>
+          <a:bodyPr/>
+          <a:lstStyle/>
+          <a:p>
+            <a:r>
+              <a:rPr lang="en-US" sz="2800" b="1" i="1" u="sng" dirty="0">
+                <a:latin typeface="Constantia" panose="02030602050306030303" pitchFamily="18" charset="0"/>
+              </a:rPr>
+              <a:t>Introduction and Background:</a:t>
+            </a:r>
+            <a:r>
+              <a:rPr lang="en-US" dirty="0"/>
+              <a:t/>
+            </a:r>
+            <a:br>
+              <a:rPr lang="en-US" dirty="0"/>
+            </a:br>
+            <a:endParaRPr lang="en-US" dirty="0"/>
+          </a:p>
+        </p:txBody>
+      </p:sp>
+      <p:sp>
+        <p:nvSpPr>
+          <p:cNvPr id="3" name="Content Placeholder 2"/>
+          <p:cNvSpPr>
+            <a:spLocks noGrp="1"/>
+          </p:cNvSpPr>
+          <p:nvPr>
+            <p:ph idx="1"/>
+          </p:nvPr>
+        </p:nvSpPr>
         <p:spPr>
           <a:xfrm>
-            <a:off x="838200" y="365125"/>
-            <a:ext cx="10515600" cy="1090188"/>
+            <a:off x="838200" y="1593669"/>
+            <a:ext cx="10515600" cy="4583294"/>
           </a:xfrm>
         </p:spPr>
         <p:txBody>
           <a:bodyPr>
-            <a:normAutofit fontScale="90000"/>
+            <a:normAutofit/>
           </a:bodyPr>
           <a:lstStyle/>
           <a:p>
-            <a:pPr algn="ctr"/>
-            <a:r>
-              <a:rPr lang="en-US" b="1" dirty="0" smtClean="0">
-                <a:latin typeface="Aharoni" panose="02010803020104030203" pitchFamily="2" charset="-79"/>
-                <a:cs typeface="Aharoni" panose="02010803020104030203" pitchFamily="2" charset="-79"/>
-              </a:rPr>
-              <a:t>DC has been for many years above the average U.S. Crime Rate</a:t>
-            </a:r>
-            <a:r>
-              <a:rPr lang="en-US" dirty="0" smtClean="0"/>
-              <a:t/>
-            </a:r>
-            <a:br>
-              <a:rPr lang="en-US" dirty="0" smtClean="0"/>
-            </a:br>
+            <a:pPr marL="0" indent="0">
+              <a:buNone/>
+            </a:pPr>
+            <a:r>
+              <a:rPr lang="en-US" sz="1600" dirty="0" smtClean="0">
+                <a:latin typeface="Constantia" panose="02030602050306030303" pitchFamily="18" charset="0"/>
+              </a:rPr>
+              <a:t>The </a:t>
+            </a:r>
+            <a:r>
+              <a:rPr lang="en-US" sz="1600" dirty="0">
+                <a:latin typeface="Constantia" panose="02030602050306030303" pitchFamily="18" charset="0"/>
+              </a:rPr>
+              <a:t>Nationwide Crack epidemic in the 80’s and 90’s effected DC’S Crime Rate as well. Columbian drug cartels smuggled Crack into DC and in the early 90’s DC’s Crime Rate peaked at its highest at this time, especially Homicide and DC was known as the ‘murder capital’ of the United </a:t>
+            </a:r>
+            <a:r>
+              <a:rPr lang="en-US" sz="1600" dirty="0" smtClean="0">
+                <a:latin typeface="Constantia" panose="02030602050306030303" pitchFamily="18" charset="0"/>
+              </a:rPr>
+              <a:t>States.</a:t>
+            </a:r>
+          </a:p>
+          <a:p>
+            <a:pPr marL="0" indent="0">
+              <a:buNone/>
+            </a:pPr>
+            <a:r>
+              <a:rPr lang="en-US" sz="1600" dirty="0" smtClean="0">
+                <a:latin typeface="Constantia" panose="02030602050306030303" pitchFamily="18" charset="0"/>
+              </a:rPr>
+              <a:t>According </a:t>
+            </a:r>
+            <a:r>
+              <a:rPr lang="en-US" sz="1600" dirty="0">
+                <a:latin typeface="Constantia" panose="02030602050306030303" pitchFamily="18" charset="0"/>
+              </a:rPr>
+              <a:t>to Wikipedia crime rate dropped in Washington DC in the mid 2000 to their lowest level in over 20 years. Crime still remains a significant factor in </a:t>
+            </a:r>
+            <a:r>
+              <a:rPr lang="en-US" sz="1600" dirty="0" smtClean="0">
+                <a:latin typeface="Constantia" panose="02030602050306030303" pitchFamily="18" charset="0"/>
+              </a:rPr>
+              <a:t>DC</a:t>
+            </a:r>
+          </a:p>
+          <a:p>
+            <a:pPr marL="0" indent="0">
+              <a:buNone/>
+            </a:pPr>
+            <a:r>
+              <a:rPr lang="en-US" sz="1600" dirty="0" smtClean="0">
+                <a:latin typeface="Constantia" panose="02030602050306030303" pitchFamily="18" charset="0"/>
+              </a:rPr>
+              <a:t>In </a:t>
+            </a:r>
+            <a:r>
+              <a:rPr lang="en-US" sz="1600" dirty="0">
+                <a:latin typeface="Constantia" panose="02030602050306030303" pitchFamily="18" charset="0"/>
+              </a:rPr>
+              <a:t>2012 crime rate in itself started to rise again while the murder rate surprisingly </a:t>
+            </a:r>
+            <a:r>
+              <a:rPr lang="en-US" sz="1600" dirty="0" smtClean="0">
+                <a:latin typeface="Constantia" panose="02030602050306030303" pitchFamily="18" charset="0"/>
+              </a:rPr>
+              <a:t>dropped.</a:t>
+            </a:r>
+          </a:p>
+          <a:p>
+            <a:pPr marL="0" indent="0">
+              <a:buNone/>
+            </a:pPr>
             <a:endParaRPr lang="en-US" dirty="0"/>
-          </a:p>
-        </p:txBody>
-      </p:sp>
-      <p:pic>
-        <p:nvPicPr>
-          <p:cNvPr id="8" name="Content Placeholder 7"/>
-          <p:cNvPicPr>
-            <a:picLocks noGrp="1" noChangeAspect="1"/>
-          </p:cNvPicPr>
-          <p:nvPr>
-            <p:ph idx="1"/>
-          </p:nvPr>
-        </p:nvPicPr>
-        <p:blipFill rotWithShape="1">
-          <a:blip r:embed="rId2" cstate="print">
-            <a:extLst>
-              <a:ext uri="{28A0092B-C50C-407E-A947-70E740481C1C}">
-                <a14:useLocalDpi xmlns:a14="http://schemas.microsoft.com/office/drawing/2010/main" val="0"/>
-              </a:ext>
-            </a:extLst>
-          </a:blip>
-          <a:srcRect r="58510" b="28972"/>
-          <a:stretch/>
-        </p:blipFill>
-        <p:spPr>
-          <a:xfrm>
-            <a:off x="838201" y="1588028"/>
-            <a:ext cx="9709596" cy="5006157"/>
-          </a:xfrm>
-        </p:spPr>
-      </p:pic>
-      <p:sp>
-        <p:nvSpPr>
-          <p:cNvPr id="3" name="TextBox 2"/>
-          <p:cNvSpPr txBox="1"/>
-          <p:nvPr/>
-        </p:nvSpPr>
-        <p:spPr>
-          <a:xfrm>
-            <a:off x="10861186" y="6347964"/>
-            <a:ext cx="1330814" cy="246221"/>
-          </a:xfrm>
-          <a:prstGeom prst="rect">
-            <a:avLst/>
-          </a:prstGeom>
-          <a:noFill/>
-        </p:spPr>
-        <p:txBody>
-          <a:bodyPr wrap="none" rtlCol="0">
-            <a:spAutoFit/>
-          </a:bodyPr>
-          <a:lstStyle/>
-          <a:p>
-            <a:r>
-              <a:rPr lang="en-US" sz="1000" dirty="0" smtClean="0"/>
-              <a:t>Source: City-data.com</a:t>
-            </a:r>
-            <a:endParaRPr lang="en-US" sz="1000" dirty="0"/>
           </a:p>
         </p:txBody>
       </p:sp>
     </p:spTree>
     <p:extLst>
       <p:ext uri="{BB962C8B-B14F-4D97-AF65-F5344CB8AC3E}">
-        <p14:creationId xmlns:p14="http://schemas.microsoft.com/office/powerpoint/2010/main" val="14028483"/>
+        <p14:creationId xmlns:p14="http://schemas.microsoft.com/office/powerpoint/2010/main" val="760125326"/>
       </p:ext>
     </p:extLst>
   </p:cSld>
@@ -3679,73 +5482,101 @@
             <p:ph type="title"/>
           </p:nvPr>
         </p:nvSpPr>
-        <p:spPr/>
-        <p:txBody>
-          <a:bodyPr/>
+        <p:spPr>
+          <a:xfrm>
+            <a:off x="838200" y="365125"/>
+            <a:ext cx="10515600" cy="1090188"/>
+          </a:xfrm>
+        </p:spPr>
+        <p:txBody>
+          <a:bodyPr>
+            <a:normAutofit/>
+          </a:bodyPr>
           <a:lstStyle/>
           <a:p>
-            <a:r>
-              <a:rPr lang="en-US" b="1" i="1" u="sng" dirty="0" smtClean="0">
-                <a:latin typeface="Constantia" panose="02030602050306030303" pitchFamily="18" charset="0"/>
-              </a:rPr>
-              <a:t>QUESTION:</a:t>
-            </a:r>
-            <a:endParaRPr lang="en-US" b="1" i="1" u="sng" dirty="0">
+            <a:pPr algn="ctr"/>
+            <a:r>
+              <a:rPr lang="en-US" sz="2700" b="1" dirty="0" smtClean="0">
+                <a:latin typeface="Constantia" panose="02030602050306030303" pitchFamily="18" charset="0"/>
+                <a:cs typeface="Aharoni" panose="02010803020104030203" pitchFamily="2" charset="-79"/>
+              </a:rPr>
+              <a:t>DC has been for many years above the average U.S. Crime Rate</a:t>
+            </a:r>
+            <a:r>
+              <a:rPr lang="en-US" dirty="0" smtClean="0"/>
+              <a:t/>
+            </a:r>
+            <a:br>
+              <a:rPr lang="en-US" dirty="0" smtClean="0"/>
+            </a:br>
+            <a:endParaRPr lang="en-US" sz="2800" dirty="0">
               <a:latin typeface="Constantia" panose="02030602050306030303" pitchFamily="18" charset="0"/>
             </a:endParaRPr>
           </a:p>
         </p:txBody>
       </p:sp>
-      <p:sp>
-        <p:nvSpPr>
-          <p:cNvPr id="3" name="Content Placeholder 2"/>
-          <p:cNvSpPr>
-            <a:spLocks noGrp="1"/>
-          </p:cNvSpPr>
+      <p:pic>
+        <p:nvPicPr>
+          <p:cNvPr id="8" name="Content Placeholder 7"/>
+          <p:cNvPicPr>
+            <a:picLocks noGrp="1" noChangeAspect="1"/>
+          </p:cNvPicPr>
           <p:nvPr>
             <p:ph idx="1"/>
           </p:nvPr>
-        </p:nvSpPr>
+        </p:nvPicPr>
+        <p:blipFill rotWithShape="1">
+          <a:blip r:embed="rId2" cstate="print">
+            <a:extLst>
+              <a:ext uri="{28A0092B-C50C-407E-A947-70E740481C1C}">
+                <a14:useLocalDpi xmlns:a14="http://schemas.microsoft.com/office/drawing/2010/main" val="0"/>
+              </a:ext>
+            </a:extLst>
+          </a:blip>
+          <a:srcRect r="58510" b="28972"/>
+          <a:stretch/>
+        </p:blipFill>
         <p:spPr>
           <a:xfrm>
-            <a:off x="838200" y="2562895"/>
-            <a:ext cx="10515600" cy="3614067"/>
+            <a:off x="838201" y="1588028"/>
+            <a:ext cx="9709596" cy="5006157"/>
           </a:xfrm>
         </p:spPr>
-        <p:txBody>
-          <a:bodyPr/>
+      </p:pic>
+      <p:sp>
+        <p:nvSpPr>
+          <p:cNvPr id="3" name="TextBox 2"/>
+          <p:cNvSpPr txBox="1"/>
+          <p:nvPr/>
+        </p:nvSpPr>
+        <p:spPr>
+          <a:xfrm>
+            <a:off x="10861186" y="6347964"/>
+            <a:ext cx="1330814" cy="246221"/>
+          </a:xfrm>
+          <a:prstGeom prst="rect">
+            <a:avLst/>
+          </a:prstGeom>
+          <a:noFill/>
+        </p:spPr>
+        <p:txBody>
+          <a:bodyPr wrap="none" rtlCol="0">
+            <a:spAutoFit/>
+          </a:bodyPr>
           <a:lstStyle/>
           <a:p>
-            <a:pPr marL="0" indent="0" algn="ctr">
-              <a:buNone/>
-            </a:pPr>
-            <a:r>
-              <a:rPr lang="en-US" b="1" dirty="0" smtClean="0"/>
-              <a:t>IS IT POSSIBLE TO PREDICT THE TIMEFRAME FOR THE HIGHEST </a:t>
-            </a:r>
-            <a:r>
-              <a:rPr lang="en-US" b="1" dirty="0" smtClean="0"/>
-              <a:t>CRIME RATE</a:t>
-            </a:r>
-            <a:r>
-              <a:rPr lang="en-US" b="1" dirty="0" smtClean="0"/>
-              <a:t> </a:t>
-            </a:r>
-            <a:r>
-              <a:rPr lang="en-US" b="1" dirty="0" smtClean="0"/>
-              <a:t>FOR 2015 IN DC?</a:t>
-            </a:r>
-          </a:p>
-          <a:p>
-            <a:pPr algn="ctr"/>
-            <a:endParaRPr lang="en-US" dirty="0"/>
+            <a:r>
+              <a:rPr lang="en-US" sz="1000" dirty="0" smtClean="0"/>
+              <a:t>Source: City-data.com</a:t>
+            </a:r>
+            <a:endParaRPr lang="en-US" sz="1000" dirty="0"/>
           </a:p>
         </p:txBody>
       </p:sp>
     </p:spTree>
     <p:extLst>
       <p:ext uri="{BB962C8B-B14F-4D97-AF65-F5344CB8AC3E}">
-        <p14:creationId xmlns:p14="http://schemas.microsoft.com/office/powerpoint/2010/main" val="2399117758"/>
+        <p14:creationId xmlns:p14="http://schemas.microsoft.com/office/powerpoint/2010/main" val="14028483"/>
       </p:ext>
     </p:extLst>
   </p:cSld>
@@ -3797,12 +5628,12 @@
           <a:lstStyle/>
           <a:p>
             <a:r>
-              <a:rPr lang="en-US" sz="3200" b="1" i="1" u="sng" dirty="0" smtClean="0">
-                <a:latin typeface="Constantia" panose="02030602050306030303" pitchFamily="18" charset="0"/>
-              </a:rPr>
-              <a:t>DATA HAS BEEN GATHERED FROM:</a:t>
-            </a:r>
-            <a:endParaRPr lang="en-US" sz="3200" b="1" i="1" u="sng" dirty="0">
+              <a:rPr lang="en-US" sz="2800" b="1" i="1" u="sng" dirty="0" smtClean="0">
+                <a:latin typeface="Constantia" panose="02030602050306030303" pitchFamily="18" charset="0"/>
+              </a:rPr>
+              <a:t>QUESTION:</a:t>
+            </a:r>
+            <a:endParaRPr lang="en-US" sz="2800" b="1" i="1" u="sng" dirty="0">
               <a:latin typeface="Constantia" panose="02030602050306030303" pitchFamily="18" charset="0"/>
             </a:endParaRPr>
           </a:p>
@@ -3818,198 +5649,40 @@
             <p:ph idx="1"/>
           </p:nvPr>
         </p:nvSpPr>
-        <p:spPr/>
-        <p:txBody>
-          <a:bodyPr>
-            <a:normAutofit fontScale="85000" lnSpcReduction="20000"/>
-          </a:bodyPr>
+        <p:spPr>
+          <a:xfrm>
+            <a:off x="838200" y="2562895"/>
+            <a:ext cx="10515600" cy="3614067"/>
+          </a:xfrm>
+        </p:spPr>
+        <p:txBody>
+          <a:bodyPr/>
           <a:lstStyle/>
           <a:p>
-            <a:r>
-              <a:rPr lang="en-US" sz="1800" dirty="0" smtClean="0">
-                <a:latin typeface="Constantia" panose="02030602050306030303" pitchFamily="18" charset="0"/>
-              </a:rPr>
-              <a:t>Crime Incidents 2012</a:t>
-            </a:r>
-          </a:p>
-          <a:p>
-            <a:r>
-              <a:rPr lang="en-US" sz="1800" dirty="0" smtClean="0">
-                <a:latin typeface="Constantia" panose="02030602050306030303" pitchFamily="18" charset="0"/>
-              </a:rPr>
-              <a:t>Crime Incidents 2013</a:t>
-            </a:r>
-          </a:p>
-          <a:p>
-            <a:r>
-              <a:rPr lang="en-US" sz="1800" dirty="0" smtClean="0">
-                <a:latin typeface="Constantia" panose="02030602050306030303" pitchFamily="18" charset="0"/>
-              </a:rPr>
-              <a:t>Crime Incidents 2014</a:t>
-            </a:r>
-          </a:p>
-          <a:p>
-            <a:pPr marL="0" indent="0">
+            <a:pPr marL="0" indent="0" algn="ctr">
               <a:buNone/>
             </a:pPr>
             <a:r>
-              <a:rPr lang="en-US" sz="1800" dirty="0">
-                <a:latin typeface="Constantia" panose="02030602050306030303" pitchFamily="18" charset="0"/>
-              </a:rPr>
-              <a:t>	</a:t>
-            </a:r>
-            <a:r>
-              <a:rPr lang="en-US" sz="1800" dirty="0" smtClean="0">
-                <a:latin typeface="Constantia" panose="02030602050306030303" pitchFamily="18" charset="0"/>
-              </a:rPr>
-              <a:t>These 3 datasets can be found through OCTO (download into a csv)</a:t>
-            </a:r>
-          </a:p>
-          <a:p>
-            <a:endParaRPr lang="en-US" sz="1800" dirty="0" smtClean="0">
-              <a:latin typeface="Constantia" panose="02030602050306030303" pitchFamily="18" charset="0"/>
-            </a:endParaRPr>
-          </a:p>
-          <a:p>
-            <a:r>
-              <a:rPr lang="en-US" sz="1800" dirty="0" smtClean="0">
-                <a:latin typeface="Constantia" panose="02030602050306030303" pitchFamily="18" charset="0"/>
-              </a:rPr>
-              <a:t>Employment </a:t>
-            </a:r>
-            <a:r>
-              <a:rPr lang="en-US" sz="1800" dirty="0" smtClean="0">
-                <a:latin typeface="Constantia" panose="02030602050306030303" pitchFamily="18" charset="0"/>
-              </a:rPr>
-              <a:t>Information 2012</a:t>
-            </a:r>
-          </a:p>
-          <a:p>
-            <a:r>
-              <a:rPr lang="en-US" sz="1800" dirty="0" smtClean="0">
-                <a:latin typeface="Constantia" panose="02030602050306030303" pitchFamily="18" charset="0"/>
-              </a:rPr>
-              <a:t>Employment Information 2013</a:t>
-            </a:r>
-          </a:p>
-          <a:p>
-            <a:r>
-              <a:rPr lang="en-US" sz="1800" dirty="0" smtClean="0">
-                <a:latin typeface="Constantia" panose="02030602050306030303" pitchFamily="18" charset="0"/>
-              </a:rPr>
-              <a:t>Employment information </a:t>
-            </a:r>
-            <a:r>
-              <a:rPr lang="en-US" sz="1800" dirty="0" smtClean="0">
-                <a:latin typeface="Constantia" panose="02030602050306030303" pitchFamily="18" charset="0"/>
-              </a:rPr>
-              <a:t>2014</a:t>
-            </a:r>
-          </a:p>
-          <a:p>
-            <a:pPr marL="0" indent="0">
-              <a:buNone/>
-            </a:pPr>
-            <a:r>
-              <a:rPr lang="en-US" sz="1800" dirty="0" smtClean="0">
-                <a:latin typeface="Constantia" panose="02030602050306030303" pitchFamily="18" charset="0"/>
-              </a:rPr>
-              <a:t>	Dataset </a:t>
-            </a:r>
-            <a:r>
-              <a:rPr lang="en-US" sz="1800" dirty="0">
-                <a:latin typeface="Constantia" panose="02030602050306030303" pitchFamily="18" charset="0"/>
-              </a:rPr>
-              <a:t>can be found at DOES.</a:t>
-            </a:r>
-          </a:p>
-          <a:p>
-            <a:pPr lvl="1"/>
-            <a:endParaRPr lang="en-US" sz="1800" dirty="0" smtClean="0">
-              <a:latin typeface="Constantia" panose="02030602050306030303" pitchFamily="18" charset="0"/>
-            </a:endParaRPr>
-          </a:p>
-          <a:p>
-            <a:r>
-              <a:rPr lang="en-US" sz="1800" dirty="0" err="1" smtClean="0">
-                <a:latin typeface="Constantia" panose="02030602050306030303" pitchFamily="18" charset="0"/>
-              </a:rPr>
-              <a:t>Fahreheit</a:t>
-            </a:r>
-            <a:r>
-              <a:rPr lang="en-US" sz="1800" dirty="0" smtClean="0">
-                <a:latin typeface="Constantia" panose="02030602050306030303" pitchFamily="18" charset="0"/>
-              </a:rPr>
-              <a:t> by day 2012</a:t>
-            </a:r>
-          </a:p>
-          <a:p>
-            <a:r>
-              <a:rPr lang="en-US" sz="1800" dirty="0" smtClean="0">
-                <a:latin typeface="Constantia" panose="02030602050306030303" pitchFamily="18" charset="0"/>
-              </a:rPr>
-              <a:t>Fahrenheit by day 2013</a:t>
-            </a:r>
-          </a:p>
-          <a:p>
-            <a:r>
-              <a:rPr lang="en-US" sz="1800" dirty="0" smtClean="0">
-                <a:latin typeface="Constantia" panose="02030602050306030303" pitchFamily="18" charset="0"/>
-              </a:rPr>
-              <a:t>Fahrenheit by day 2013</a:t>
-            </a:r>
-          </a:p>
-          <a:p>
-            <a:pPr marL="914400" lvl="2" indent="0">
-              <a:buNone/>
-            </a:pPr>
-            <a:r>
-              <a:rPr lang="en-US" sz="1800" dirty="0" smtClean="0">
-                <a:latin typeface="Constantia" panose="02030602050306030303" pitchFamily="18" charset="0"/>
-              </a:rPr>
-              <a:t>Data has been </a:t>
-            </a:r>
-            <a:r>
-              <a:rPr lang="en-US" sz="1800" dirty="0">
-                <a:latin typeface="Constantia" panose="02030602050306030303" pitchFamily="18" charset="0"/>
-              </a:rPr>
-              <a:t>collected from Dhttp://w2.weather.gov/.</a:t>
-            </a:r>
-          </a:p>
-          <a:p>
-            <a:pPr marL="914400" lvl="2" indent="0">
-              <a:buNone/>
-            </a:pPr>
-            <a:endParaRPr lang="en-US" sz="1000" dirty="0" smtClean="0">
-              <a:latin typeface="Constantia" panose="02030602050306030303" pitchFamily="18" charset="0"/>
-            </a:endParaRPr>
-          </a:p>
-          <a:p>
-            <a:pPr marL="457200" lvl="1" indent="0">
-              <a:buNone/>
-            </a:pPr>
-            <a:r>
-              <a:rPr lang="en-US" sz="1800" dirty="0">
-                <a:latin typeface="Constantia" panose="02030602050306030303" pitchFamily="18" charset="0"/>
-              </a:rPr>
-              <a:t>	</a:t>
-            </a:r>
-            <a:endParaRPr lang="en-US" sz="1800" dirty="0" smtClean="0">
-              <a:latin typeface="Constantia" panose="02030602050306030303" pitchFamily="18" charset="0"/>
-            </a:endParaRPr>
-          </a:p>
-          <a:p>
-            <a:pPr marL="457200" lvl="1" indent="0">
-              <a:buNone/>
-            </a:pPr>
-            <a:endParaRPr lang="en-US" sz="1800" dirty="0" smtClean="0">
-              <a:latin typeface="Constantia" panose="02030602050306030303" pitchFamily="18" charset="0"/>
-            </a:endParaRPr>
-          </a:p>
-          <a:p>
-            <a:pPr marL="457200" lvl="1" indent="0">
-              <a:buNone/>
-            </a:pPr>
+              <a:rPr lang="en-US" sz="2000" b="1" dirty="0" smtClean="0">
+                <a:latin typeface="Constantia" panose="02030602050306030303" pitchFamily="18" charset="0"/>
+              </a:rPr>
+              <a:t>IS IT POSSIBLE TO PREDICT </a:t>
+            </a:r>
+            <a:r>
+              <a:rPr lang="en-US" sz="2000" b="1" dirty="0" smtClean="0">
+                <a:latin typeface="Constantia" panose="02030602050306030303" pitchFamily="18" charset="0"/>
+              </a:rPr>
+              <a:t>CRIME </a:t>
+            </a:r>
+            <a:r>
+              <a:rPr lang="en-US" sz="2000" b="1" dirty="0" smtClean="0">
+                <a:latin typeface="Constantia" panose="02030602050306030303" pitchFamily="18" charset="0"/>
+              </a:rPr>
+              <a:t>RATE FOR 2015 IN DC?</a:t>
+            </a:r>
+          </a:p>
+          <a:p>
+            <a:pPr algn="ctr"/>
             <a:endParaRPr lang="en-US" dirty="0"/>
           </a:p>
         </p:txBody>
@@ -4017,7 +5690,7 @@
     </p:spTree>
     <p:extLst>
       <p:ext uri="{BB962C8B-B14F-4D97-AF65-F5344CB8AC3E}">
-        <p14:creationId xmlns:p14="http://schemas.microsoft.com/office/powerpoint/2010/main" val="3942647698"/>
+        <p14:creationId xmlns:p14="http://schemas.microsoft.com/office/powerpoint/2010/main" val="2399117758"/>
       </p:ext>
     </p:extLst>
   </p:cSld>
@@ -4069,12 +5742,12 @@
           <a:lstStyle/>
           <a:p>
             <a:r>
-              <a:rPr lang="en-US" sz="2000" b="1" i="1" u="sng" dirty="0" smtClean="0">
-                <a:latin typeface="Constantia" panose="02030602050306030303" pitchFamily="18" charset="0"/>
-              </a:rPr>
-              <a:t>DATA CLEANING AND EXPLORATION</a:t>
-            </a:r>
-            <a:endParaRPr lang="en-US" sz="2000" b="1" i="1" u="sng" dirty="0">
+              <a:rPr lang="en-US" sz="2800" b="1" i="1" u="sng" dirty="0" smtClean="0">
+                <a:latin typeface="Constantia" panose="02030602050306030303" pitchFamily="18" charset="0"/>
+              </a:rPr>
+              <a:t>DATA HAS BEEN GATHERED FROM:</a:t>
+            </a:r>
+            <a:endParaRPr lang="en-US" sz="2800" b="1" i="1" u="sng" dirty="0">
               <a:latin typeface="Constantia" panose="02030602050306030303" pitchFamily="18" charset="0"/>
             </a:endParaRPr>
           </a:p>
@@ -4093,91 +5766,200 @@
         <p:spPr/>
         <p:txBody>
           <a:bodyPr>
-            <a:normAutofit/>
+            <a:normAutofit fontScale="70000" lnSpcReduction="20000"/>
           </a:bodyPr>
           <a:lstStyle/>
           <a:p>
             <a:r>
-              <a:rPr lang="en-US" sz="1600" dirty="0" smtClean="0">
-                <a:latin typeface="Constantia" panose="02030602050306030303" pitchFamily="18" charset="0"/>
-              </a:rPr>
-              <a:t>Imported the Crime Incidents data</a:t>
-            </a:r>
-          </a:p>
-          <a:p>
-            <a:r>
-              <a:rPr lang="en-US" sz="1600" dirty="0" smtClean="0">
-                <a:latin typeface="Constantia" panose="02030602050306030303" pitchFamily="18" charset="0"/>
-              </a:rPr>
-              <a:t>Since the date was in y/m/d/t I split the column to just the year for now. (I might split it later down to m/d/y)</a:t>
-            </a:r>
-          </a:p>
-          <a:p>
-            <a:r>
-              <a:rPr lang="en-US" sz="1600" dirty="0" smtClean="0">
-                <a:latin typeface="Constantia" panose="02030602050306030303" pitchFamily="18" charset="0"/>
-              </a:rPr>
-              <a:t>I renamed the column that I know I want to work with.</a:t>
-            </a:r>
-          </a:p>
-          <a:p>
-            <a:r>
-              <a:rPr lang="en-US" sz="1600" dirty="0" smtClean="0">
-                <a:latin typeface="Constantia" panose="02030602050306030303" pitchFamily="18" charset="0"/>
-              </a:rPr>
-              <a:t>I combined the </a:t>
-            </a:r>
-            <a:r>
-              <a:rPr lang="en-US" sz="1600" dirty="0" err="1" smtClean="0">
-                <a:latin typeface="Constantia" panose="02030602050306030303" pitchFamily="18" charset="0"/>
-              </a:rPr>
-              <a:t>Crime_Incident</a:t>
-            </a:r>
-            <a:r>
-              <a:rPr lang="en-US" sz="1600" dirty="0" smtClean="0">
-                <a:latin typeface="Constantia" panose="02030602050306030303" pitchFamily="18" charset="0"/>
-              </a:rPr>
-              <a:t> 2012, 2013 and 2014</a:t>
-            </a:r>
-          </a:p>
-          <a:p>
-            <a:r>
-              <a:rPr lang="en-US" sz="1600" dirty="0" smtClean="0">
-                <a:latin typeface="Constantia" panose="02030602050306030303" pitchFamily="18" charset="0"/>
-              </a:rPr>
-              <a:t>Surprisingly Ward 4 had an increase over 700 crime incidents from 2012 to 2014, while Ward 8 crime incidents went down</a:t>
-            </a:r>
-          </a:p>
-          <a:p>
-            <a:r>
-              <a:rPr lang="en-US" sz="1600" dirty="0" smtClean="0">
-                <a:latin typeface="Constantia" panose="02030602050306030303" pitchFamily="18" charset="0"/>
-              </a:rPr>
-              <a:t>It appears that the evening shift has a higher crime rate, you can also see that the crime rate increased from 2012 to 2014 </a:t>
-            </a:r>
-          </a:p>
-          <a:p>
-            <a:r>
-              <a:rPr lang="en-US" sz="1600" dirty="0" smtClean="0">
-                <a:latin typeface="Constantia" panose="02030602050306030303" pitchFamily="18" charset="0"/>
-              </a:rPr>
-              <a:t>I combined Employment Data, added the year to each file.</a:t>
-            </a:r>
-          </a:p>
-          <a:p>
-            <a:r>
-              <a:rPr lang="en-US" sz="1600" dirty="0" smtClean="0">
-                <a:latin typeface="Constantia" panose="02030602050306030303" pitchFamily="18" charset="0"/>
-              </a:rPr>
-              <a:t>The Employment Data does give me the Ward information to join it with the crime incident data</a:t>
-            </a:r>
+              <a:rPr lang="en-US" sz="2300" dirty="0" smtClean="0">
+                <a:latin typeface="Constantia" panose="02030602050306030303" pitchFamily="18" charset="0"/>
+              </a:rPr>
+              <a:t>Crime Incidents 2012</a:t>
+            </a:r>
+          </a:p>
+          <a:p>
+            <a:r>
+              <a:rPr lang="en-US" sz="2300" dirty="0" smtClean="0">
+                <a:latin typeface="Constantia" panose="02030602050306030303" pitchFamily="18" charset="0"/>
+              </a:rPr>
+              <a:t>Crime Incidents 2013</a:t>
+            </a:r>
+          </a:p>
+          <a:p>
+            <a:r>
+              <a:rPr lang="en-US" sz="2300" dirty="0" smtClean="0">
+                <a:latin typeface="Constantia" panose="02030602050306030303" pitchFamily="18" charset="0"/>
+              </a:rPr>
+              <a:t>Crime Incidents 2014</a:t>
+            </a:r>
+          </a:p>
+          <a:p>
+            <a:pPr marL="0" indent="0">
+              <a:buNone/>
+            </a:pPr>
+            <a:r>
+              <a:rPr lang="en-US" sz="2300" dirty="0">
+                <a:latin typeface="Constantia" panose="02030602050306030303" pitchFamily="18" charset="0"/>
+              </a:rPr>
+              <a:t>	</a:t>
+            </a:r>
+            <a:r>
+              <a:rPr lang="en-US" sz="2300" dirty="0" smtClean="0">
+                <a:latin typeface="Constantia" panose="02030602050306030303" pitchFamily="18" charset="0"/>
+              </a:rPr>
+              <a:t>These 3 datasets can be found through OCTO (download into a csv)</a:t>
+            </a:r>
+          </a:p>
+          <a:p>
+            <a:endParaRPr lang="en-US" sz="2300" dirty="0" smtClean="0">
+              <a:latin typeface="Constantia" panose="02030602050306030303" pitchFamily="18" charset="0"/>
+            </a:endParaRPr>
+          </a:p>
+          <a:p>
+            <a:r>
+              <a:rPr lang="en-US" sz="2300" dirty="0" smtClean="0">
+                <a:latin typeface="Constantia" panose="02030602050306030303" pitchFamily="18" charset="0"/>
+              </a:rPr>
+              <a:t>Employment Information 2012</a:t>
+            </a:r>
+          </a:p>
+          <a:p>
+            <a:r>
+              <a:rPr lang="en-US" sz="2300" dirty="0" smtClean="0">
+                <a:latin typeface="Constantia" panose="02030602050306030303" pitchFamily="18" charset="0"/>
+              </a:rPr>
+              <a:t>Employment Information 2013</a:t>
+            </a:r>
+          </a:p>
+          <a:p>
+            <a:r>
+              <a:rPr lang="en-US" sz="2300" dirty="0" smtClean="0">
+                <a:latin typeface="Constantia" panose="02030602050306030303" pitchFamily="18" charset="0"/>
+              </a:rPr>
+              <a:t>Employment information 2014</a:t>
+            </a:r>
+          </a:p>
+          <a:p>
+            <a:pPr marL="0" indent="0">
+              <a:buNone/>
+            </a:pPr>
+            <a:r>
+              <a:rPr lang="en-US" sz="2300" dirty="0" smtClean="0">
+                <a:latin typeface="Constantia" panose="02030602050306030303" pitchFamily="18" charset="0"/>
+              </a:rPr>
+              <a:t>	Dataset </a:t>
+            </a:r>
+            <a:r>
+              <a:rPr lang="en-US" sz="2300" dirty="0">
+                <a:latin typeface="Constantia" panose="02030602050306030303" pitchFamily="18" charset="0"/>
+              </a:rPr>
+              <a:t>can be found at DOES.</a:t>
+            </a:r>
+          </a:p>
+          <a:p>
+            <a:pPr lvl="1"/>
+            <a:endParaRPr lang="en-US" sz="2300" dirty="0" smtClean="0">
+              <a:latin typeface="Constantia" panose="02030602050306030303" pitchFamily="18" charset="0"/>
+            </a:endParaRPr>
+          </a:p>
+          <a:p>
+            <a:r>
+              <a:rPr lang="en-US" sz="2300" dirty="0" smtClean="0">
+                <a:latin typeface="Constantia" panose="02030602050306030303" pitchFamily="18" charset="0"/>
+              </a:rPr>
+              <a:t>Fahrenheit </a:t>
+            </a:r>
+            <a:r>
+              <a:rPr lang="en-US" sz="2300" dirty="0" smtClean="0">
+                <a:latin typeface="Constantia" panose="02030602050306030303" pitchFamily="18" charset="0"/>
+              </a:rPr>
+              <a:t>by day 2012</a:t>
+            </a:r>
+          </a:p>
+          <a:p>
+            <a:r>
+              <a:rPr lang="en-US" sz="2300" dirty="0" smtClean="0">
+                <a:latin typeface="Constantia" panose="02030602050306030303" pitchFamily="18" charset="0"/>
+              </a:rPr>
+              <a:t>Fahrenheit by day 2013</a:t>
+            </a:r>
+          </a:p>
+          <a:p>
+            <a:r>
+              <a:rPr lang="en-US" sz="2300" dirty="0" smtClean="0">
+                <a:latin typeface="Constantia" panose="02030602050306030303" pitchFamily="18" charset="0"/>
+              </a:rPr>
+              <a:t>Fahrenheit by day </a:t>
+            </a:r>
+            <a:r>
+              <a:rPr lang="en-US" sz="2300" dirty="0" smtClean="0">
+                <a:latin typeface="Constantia" panose="02030602050306030303" pitchFamily="18" charset="0"/>
+              </a:rPr>
+              <a:t>2014</a:t>
+            </a:r>
+            <a:endParaRPr lang="en-US" sz="2300" dirty="0" smtClean="0">
+              <a:latin typeface="Constantia" panose="02030602050306030303" pitchFamily="18" charset="0"/>
+            </a:endParaRPr>
+          </a:p>
+          <a:p>
+            <a:pPr marL="914400" lvl="2" indent="0">
+              <a:buNone/>
+            </a:pPr>
+            <a:r>
+              <a:rPr lang="en-US" sz="2300" dirty="0" smtClean="0">
+                <a:latin typeface="Constantia" panose="02030602050306030303" pitchFamily="18" charset="0"/>
+              </a:rPr>
+              <a:t>Data has been </a:t>
+            </a:r>
+            <a:r>
+              <a:rPr lang="en-US" sz="2300" dirty="0">
+                <a:latin typeface="Constantia" panose="02030602050306030303" pitchFamily="18" charset="0"/>
+              </a:rPr>
+              <a:t>collected from Dhttp://w2.weather.gov/.</a:t>
+            </a:r>
+          </a:p>
+          <a:p>
+            <a:pPr marL="914400" lvl="2" indent="0">
+              <a:buNone/>
+            </a:pPr>
+            <a:endParaRPr lang="en-US" sz="1000" dirty="0" smtClean="0">
+              <a:latin typeface="Constantia" panose="02030602050306030303" pitchFamily="18" charset="0"/>
+            </a:endParaRPr>
+          </a:p>
+          <a:p>
+            <a:pPr marL="457200" lvl="1" indent="0">
+              <a:buNone/>
+            </a:pPr>
+            <a:r>
+              <a:rPr lang="en-US" sz="1800" dirty="0">
+                <a:latin typeface="Constantia" panose="02030602050306030303" pitchFamily="18" charset="0"/>
+              </a:rPr>
+              <a:t>	</a:t>
+            </a:r>
+            <a:endParaRPr lang="en-US" sz="1800" dirty="0" smtClean="0">
+              <a:latin typeface="Constantia" panose="02030602050306030303" pitchFamily="18" charset="0"/>
+            </a:endParaRPr>
+          </a:p>
+          <a:p>
+            <a:pPr marL="457200" lvl="1" indent="0">
+              <a:buNone/>
+            </a:pPr>
+            <a:endParaRPr lang="en-US" sz="1800" dirty="0" smtClean="0">
+              <a:latin typeface="Constantia" panose="02030602050306030303" pitchFamily="18" charset="0"/>
+            </a:endParaRPr>
+          </a:p>
+          <a:p>
+            <a:pPr marL="457200" lvl="1" indent="0">
+              <a:buNone/>
+            </a:pPr>
+            <a:endParaRPr lang="en-US" dirty="0"/>
           </a:p>
         </p:txBody>
       </p:sp>
     </p:spTree>
     <p:extLst>
       <p:ext uri="{BB962C8B-B14F-4D97-AF65-F5344CB8AC3E}">
-        <p14:creationId xmlns:p14="http://schemas.microsoft.com/office/powerpoint/2010/main" val="3975789529"/>
+        <p14:creationId xmlns:p14="http://schemas.microsoft.com/office/powerpoint/2010/main" val="3942647698"/>
       </p:ext>
     </p:extLst>
   </p:cSld>
@@ -4229,12 +6011,18 @@
           <a:lstStyle/>
           <a:p>
             <a:r>
-              <a:rPr lang="en-US" sz="2000" b="1" i="1" u="sng" dirty="0" smtClean="0">
-                <a:latin typeface="Constantia" panose="02030602050306030303" pitchFamily="18" charset="0"/>
-              </a:rPr>
-              <a:t>CRIME INCIDENTS BY WARD PER YEAR</a:t>
-            </a:r>
-            <a:endParaRPr lang="en-US" sz="2000" b="1" i="1" u="sng" dirty="0">
+              <a:rPr lang="en-US" sz="2800" b="1" i="1" u="sng" dirty="0" smtClean="0">
+                <a:latin typeface="Constantia" panose="02030602050306030303" pitchFamily="18" charset="0"/>
+              </a:rPr>
+              <a:t>Data Structure</a:t>
+            </a:r>
+            <a:r>
+              <a:rPr lang="en-US" sz="2800" b="1" i="1" dirty="0" smtClean="0">
+                <a:latin typeface="Constantia" panose="02030602050306030303" pitchFamily="18" charset="0"/>
+              </a:rPr>
+              <a:t>:</a:t>
+            </a:r>
+            <a:endParaRPr lang="en-US" sz="2800" b="1" i="1" dirty="0">
               <a:latin typeface="Constantia" panose="02030602050306030303" pitchFamily="18" charset="0"/>
             </a:endParaRPr>
           </a:p>
@@ -4242,7 +6030,7 @@
       </p:sp>
       <p:graphicFrame>
         <p:nvGraphicFramePr>
-          <p:cNvPr id="6" name="Content Placeholder 5"/>
+          <p:cNvPr id="4" name="Content Placeholder 3"/>
           <p:cNvGraphicFramePr>
             <a:graphicFrameLocks noGrp="1"/>
           </p:cNvGraphicFramePr>
@@ -4250,824 +6038,1221 @@
             <p:ph idx="1"/>
             <p:extLst>
               <p:ext uri="{D42A27DB-BD31-4B8C-83A1-F6EECF244321}">
-                <p14:modId xmlns:p14="http://schemas.microsoft.com/office/powerpoint/2010/main" val="1138181867"/>
+                <p14:modId xmlns:p14="http://schemas.microsoft.com/office/powerpoint/2010/main" val="463545288"/>
               </p:ext>
             </p:extLst>
           </p:nvPr>
         </p:nvGraphicFramePr>
         <p:xfrm>
-          <a:off x="838200" y="1221849"/>
-          <a:ext cx="9130048" cy="5486400"/>
+          <a:off x="10502537" y="2599514"/>
+          <a:ext cx="966652" cy="3226526"/>
         </p:xfrm>
         <a:graphic>
           <a:graphicData uri="http://schemas.openxmlformats.org/drawingml/2006/table">
             <a:tbl>
-              <a:tblPr firstRow="1" bandRow="1">
+              <a:tblPr>
                 <a:tableStyleId>{5C22544A-7EE6-4342-B048-85BDC9FD1C3A}</a:tableStyleId>
               </a:tblPr>
               <a:tblGrid>
-                <a:gridCol w="2282512"/>
-                <a:gridCol w="2282512"/>
-                <a:gridCol w="2282512"/>
-                <a:gridCol w="2282512"/>
+                <a:gridCol w="966652"/>
               </a:tblGrid>
-              <a:tr h="286862">
-                <a:tc>
-                  <a:txBody>
-                    <a:bodyPr/>
-                    <a:lstStyle/>
-                    <a:p>
-                      <a:r>
-                        <a:rPr lang="en-US" dirty="0" smtClean="0"/>
-                        <a:t>WARD</a:t>
-                      </a:r>
-                      <a:endParaRPr lang="en-US" dirty="0"/>
-                    </a:p>
-                  </a:txBody>
-                  <a:tcPr/>
-                </a:tc>
-                <a:tc>
-                  <a:txBody>
-                    <a:bodyPr/>
-                    <a:lstStyle/>
-                    <a:p>
-                      <a:r>
-                        <a:rPr lang="en-US" dirty="0" smtClean="0"/>
-                        <a:t>2012</a:t>
-                      </a:r>
-                      <a:endParaRPr lang="en-US" dirty="0"/>
-                    </a:p>
-                  </a:txBody>
-                  <a:tcPr/>
-                </a:tc>
-                <a:tc>
-                  <a:txBody>
-                    <a:bodyPr/>
-                    <a:lstStyle/>
-                    <a:p>
-                      <a:r>
-                        <a:rPr lang="en-US" dirty="0" smtClean="0"/>
-                        <a:t>2013</a:t>
-                      </a:r>
-                      <a:endParaRPr lang="en-US" dirty="0"/>
-                    </a:p>
-                  </a:txBody>
-                  <a:tcPr/>
-                </a:tc>
-                <a:tc>
-                  <a:txBody>
-                    <a:bodyPr/>
-                    <a:lstStyle/>
-                    <a:p>
-                      <a:r>
-                        <a:rPr lang="en-US" dirty="0" smtClean="0"/>
-                        <a:t>2014</a:t>
-                      </a:r>
-                      <a:endParaRPr lang="en-US" dirty="0"/>
-                    </a:p>
-                  </a:txBody>
-                  <a:tcPr/>
+              <a:tr h="229646">
+                <a:tc>
+                  <a:txBody>
+                    <a:bodyPr/>
+                    <a:lstStyle/>
+                    <a:p>
+                      <a:pPr algn="l" fontAlgn="b"/>
+                      <a:r>
+                        <a:rPr lang="en-US" sz="1100" u="none" strike="noStrike">
+                          <a:effectLst/>
+                        </a:rPr>
+                        <a:t>Day</a:t>
+                      </a:r>
+                      <a:endParaRPr lang="en-US" sz="1100" b="0" i="0" u="none" strike="noStrike">
+                        <a:solidFill>
+                          <a:srgbClr val="000000"/>
+                        </a:solidFill>
+                        <a:effectLst/>
+                        <a:latin typeface="Calibri" panose="020F0502020204030204" pitchFamily="34" charset="0"/>
+                      </a:endParaRPr>
+                    </a:p>
+                  </a:txBody>
+                  <a:tcPr marL="9525" marR="9525" marT="9525" marB="0" anchor="b"/>
                 </a:tc>
               </a:tr>
-              <a:tr h="502009">
-                <a:tc>
-                  <a:txBody>
-                    <a:bodyPr/>
-                    <a:lstStyle/>
-                    <a:p>
-                      <a:r>
-                        <a:rPr lang="en-US" dirty="0" smtClean="0"/>
-                        <a:t>1</a:t>
-                      </a:r>
-                      <a:endParaRPr lang="en-US" dirty="0"/>
-                    </a:p>
-                  </a:txBody>
-                  <a:tcPr/>
-                </a:tc>
-                <a:tc>
-                  <a:txBody>
-                    <a:bodyPr/>
-                    <a:lstStyle/>
-                    <a:p>
-                      <a:r>
-                        <a:rPr lang="en-US" dirty="0" smtClean="0"/>
-                        <a:t>5058</a:t>
-                      </a:r>
-                    </a:p>
-                  </a:txBody>
-                  <a:tcPr/>
-                </a:tc>
-                <a:tc>
-                  <a:txBody>
-                    <a:bodyPr/>
-                    <a:lstStyle/>
-                    <a:p>
-                      <a:r>
-                        <a:rPr lang="en-US" dirty="0" smtClean="0"/>
-                        <a:t> 5407</a:t>
-                      </a:r>
-                    </a:p>
-                  </a:txBody>
-                  <a:tcPr/>
-                </a:tc>
-                <a:tc>
-                  <a:txBody>
-                    <a:bodyPr/>
-                    <a:lstStyle/>
-                    <a:p>
-                      <a:pPr marL="0" marR="0" indent="0" algn="l" defTabSz="914400" rtl="0" eaLnBrk="1" fontAlgn="auto" latinLnBrk="0" hangingPunct="1">
-                        <a:lnSpc>
-                          <a:spcPct val="100000"/>
-                        </a:lnSpc>
-                        <a:spcBef>
-                          <a:spcPts val="0"/>
-                        </a:spcBef>
-                        <a:spcAft>
-                          <a:spcPts val="0"/>
-                        </a:spcAft>
-                        <a:buClrTx/>
-                        <a:buSzTx/>
-                        <a:buFontTx/>
-                        <a:buNone/>
-                        <a:tabLst/>
-                        <a:defRPr/>
-                      </a:pPr>
-                      <a:r>
-                        <a:rPr lang="en-US" dirty="0" smtClean="0"/>
-                        <a:t>5408</a:t>
-                      </a:r>
-                    </a:p>
-                    <a:p>
-                      <a:endParaRPr lang="en-US" dirty="0"/>
-                    </a:p>
-                  </a:txBody>
-                  <a:tcPr/>
+              <a:tr h="229646">
+                <a:tc>
+                  <a:txBody>
+                    <a:bodyPr/>
+                    <a:lstStyle/>
+                    <a:p>
+                      <a:pPr algn="l" fontAlgn="b"/>
+                      <a:r>
+                        <a:rPr lang="en-US" sz="1100" u="none" strike="noStrike" dirty="0">
+                          <a:effectLst/>
+                        </a:rPr>
+                        <a:t>Jan</a:t>
+                      </a:r>
+                      <a:endParaRPr lang="en-US" sz="1100" b="0" i="0" u="none" strike="noStrike" dirty="0">
+                        <a:solidFill>
+                          <a:srgbClr val="000000"/>
+                        </a:solidFill>
+                        <a:effectLst/>
+                        <a:latin typeface="Calibri" panose="020F0502020204030204" pitchFamily="34" charset="0"/>
+                      </a:endParaRPr>
+                    </a:p>
+                  </a:txBody>
+                  <a:tcPr marL="9525" marR="9525" marT="9525" marB="0" anchor="b"/>
                 </a:tc>
               </a:tr>
-              <a:tr h="502009">
-                <a:tc>
-                  <a:txBody>
-                    <a:bodyPr/>
-                    <a:lstStyle/>
-                    <a:p>
-                      <a:r>
-                        <a:rPr lang="en-US" dirty="0" smtClean="0"/>
-                        <a:t>2</a:t>
-                      </a:r>
-                      <a:endParaRPr lang="en-US" dirty="0"/>
-                    </a:p>
-                  </a:txBody>
-                  <a:tcPr/>
-                </a:tc>
-                <a:tc>
-                  <a:txBody>
-                    <a:bodyPr/>
-                    <a:lstStyle/>
-                    <a:p>
-                      <a:r>
-                        <a:rPr lang="en-US" dirty="0" smtClean="0"/>
-                        <a:t>6537</a:t>
-                      </a:r>
-                      <a:endParaRPr lang="en-US" dirty="0"/>
-                    </a:p>
-                  </a:txBody>
-                  <a:tcPr/>
-                </a:tc>
-                <a:tc>
-                  <a:txBody>
-                    <a:bodyPr/>
-                    <a:lstStyle/>
-                    <a:p>
-                      <a:pPr marL="0" marR="0" indent="0" algn="l" defTabSz="914400" rtl="0" eaLnBrk="1" fontAlgn="auto" latinLnBrk="0" hangingPunct="1">
-                        <a:lnSpc>
-                          <a:spcPct val="100000"/>
-                        </a:lnSpc>
-                        <a:spcBef>
-                          <a:spcPts val="0"/>
-                        </a:spcBef>
-                        <a:spcAft>
-                          <a:spcPts val="0"/>
-                        </a:spcAft>
-                        <a:buClrTx/>
-                        <a:buSzTx/>
-                        <a:buFontTx/>
-                        <a:buNone/>
-                        <a:tabLst/>
-                        <a:defRPr/>
-                      </a:pPr>
-                      <a:r>
-                        <a:rPr lang="en-US" dirty="0" smtClean="0"/>
-                        <a:t>5950</a:t>
-                      </a:r>
-                    </a:p>
-                    <a:p>
-                      <a:endParaRPr lang="en-US" dirty="0"/>
-                    </a:p>
-                  </a:txBody>
-                  <a:tcPr/>
-                </a:tc>
-                <a:tc>
-                  <a:txBody>
-                    <a:bodyPr/>
-                    <a:lstStyle/>
-                    <a:p>
-                      <a:r>
-                        <a:rPr lang="en-US" dirty="0" smtClean="0"/>
-                        <a:t>6775</a:t>
-                      </a:r>
-                    </a:p>
-                  </a:txBody>
-                  <a:tcPr/>
+              <a:tr h="229646">
+                <a:tc>
+                  <a:txBody>
+                    <a:bodyPr/>
+                    <a:lstStyle/>
+                    <a:p>
+                      <a:pPr algn="l" fontAlgn="b"/>
+                      <a:r>
+                        <a:rPr lang="en-US" sz="1100" u="none" strike="noStrike">
+                          <a:effectLst/>
+                        </a:rPr>
+                        <a:t>Feb</a:t>
+                      </a:r>
+                      <a:endParaRPr lang="en-US" sz="1100" b="0" i="0" u="none" strike="noStrike">
+                        <a:solidFill>
+                          <a:srgbClr val="000000"/>
+                        </a:solidFill>
+                        <a:effectLst/>
+                        <a:latin typeface="Calibri" panose="020F0502020204030204" pitchFamily="34" charset="0"/>
+                      </a:endParaRPr>
+                    </a:p>
+                  </a:txBody>
+                  <a:tcPr marL="9525" marR="9525" marT="9525" marB="0" anchor="b"/>
                 </a:tc>
               </a:tr>
-              <a:tr h="502009">
-                <a:tc>
-                  <a:txBody>
-                    <a:bodyPr/>
-                    <a:lstStyle/>
-                    <a:p>
-                      <a:r>
-                        <a:rPr lang="en-US" dirty="0" smtClean="0"/>
-                        <a:t>3</a:t>
-                      </a:r>
-                      <a:endParaRPr lang="en-US" dirty="0"/>
-                    </a:p>
-                  </a:txBody>
-                  <a:tcPr/>
-                </a:tc>
-                <a:tc>
-                  <a:txBody>
-                    <a:bodyPr/>
-                    <a:lstStyle/>
-                    <a:p>
-                      <a:pPr marL="0" marR="0" indent="0" algn="l" defTabSz="914400" rtl="0" eaLnBrk="1" fontAlgn="auto" latinLnBrk="0" hangingPunct="1">
-                        <a:lnSpc>
-                          <a:spcPct val="100000"/>
-                        </a:lnSpc>
-                        <a:spcBef>
-                          <a:spcPts val="0"/>
-                        </a:spcBef>
-                        <a:spcAft>
-                          <a:spcPts val="0"/>
-                        </a:spcAft>
-                        <a:buClrTx/>
-                        <a:buSzTx/>
-                        <a:buFontTx/>
-                        <a:buNone/>
-                        <a:tabLst/>
-                        <a:defRPr/>
-                      </a:pPr>
-                      <a:r>
-                        <a:rPr lang="en-US" dirty="0" smtClean="0"/>
-                        <a:t>1781</a:t>
-                      </a:r>
-                    </a:p>
-                  </a:txBody>
-                  <a:tcPr/>
-                </a:tc>
-                <a:tc>
-                  <a:txBody>
-                    <a:bodyPr/>
-                    <a:lstStyle/>
-                    <a:p>
-                      <a:pPr marL="0" marR="0" indent="0" algn="l" defTabSz="914400" rtl="0" eaLnBrk="1" fontAlgn="auto" latinLnBrk="0" hangingPunct="1">
-                        <a:lnSpc>
-                          <a:spcPct val="100000"/>
-                        </a:lnSpc>
-                        <a:spcBef>
-                          <a:spcPts val="0"/>
-                        </a:spcBef>
-                        <a:spcAft>
-                          <a:spcPts val="0"/>
-                        </a:spcAft>
-                        <a:buClrTx/>
-                        <a:buSzTx/>
-                        <a:buFontTx/>
-                        <a:buNone/>
-                        <a:tabLst/>
-                        <a:defRPr/>
-                      </a:pPr>
-                      <a:r>
-                        <a:rPr lang="en-US" dirty="0" smtClean="0"/>
-                        <a:t>1934</a:t>
-                      </a:r>
-                    </a:p>
-                    <a:p>
-                      <a:endParaRPr lang="en-US" dirty="0"/>
-                    </a:p>
-                  </a:txBody>
-                  <a:tcPr/>
-                </a:tc>
-                <a:tc>
-                  <a:txBody>
-                    <a:bodyPr/>
-                    <a:lstStyle/>
-                    <a:p>
-                      <a:r>
-                        <a:rPr lang="en-US" dirty="0" smtClean="0"/>
-                        <a:t>1824</a:t>
-                      </a:r>
-                    </a:p>
-                  </a:txBody>
-                  <a:tcPr/>
+              <a:tr h="229646">
+                <a:tc>
+                  <a:txBody>
+                    <a:bodyPr/>
+                    <a:lstStyle/>
+                    <a:p>
+                      <a:pPr algn="l" fontAlgn="b"/>
+                      <a:r>
+                        <a:rPr lang="en-US" sz="1100" u="none" strike="noStrike">
+                          <a:effectLst/>
+                        </a:rPr>
+                        <a:t>Mar</a:t>
+                      </a:r>
+                      <a:endParaRPr lang="en-US" sz="1100" b="0" i="0" u="none" strike="noStrike">
+                        <a:solidFill>
+                          <a:srgbClr val="000000"/>
+                        </a:solidFill>
+                        <a:effectLst/>
+                        <a:latin typeface="Calibri" panose="020F0502020204030204" pitchFamily="34" charset="0"/>
+                      </a:endParaRPr>
+                    </a:p>
+                  </a:txBody>
+                  <a:tcPr marL="9525" marR="9525" marT="9525" marB="0" anchor="b"/>
                 </a:tc>
               </a:tr>
-              <a:tr h="502009">
-                <a:tc>
-                  <a:txBody>
-                    <a:bodyPr/>
-                    <a:lstStyle/>
-                    <a:p>
-                      <a:r>
-                        <a:rPr lang="en-US" dirty="0" smtClean="0"/>
-                        <a:t>4</a:t>
-                      </a:r>
-                      <a:endParaRPr lang="en-US" dirty="0"/>
-                    </a:p>
-                  </a:txBody>
-                  <a:tcPr/>
-                </a:tc>
-                <a:tc>
-                  <a:txBody>
-                    <a:bodyPr/>
-                    <a:lstStyle/>
-                    <a:p>
-                      <a:pPr marL="0" marR="0" indent="0" algn="l" defTabSz="914400" rtl="0" eaLnBrk="1" fontAlgn="auto" latinLnBrk="0" hangingPunct="1">
-                        <a:lnSpc>
-                          <a:spcPct val="100000"/>
-                        </a:lnSpc>
-                        <a:spcBef>
-                          <a:spcPts val="0"/>
-                        </a:spcBef>
-                        <a:spcAft>
-                          <a:spcPts val="0"/>
-                        </a:spcAft>
-                        <a:buClrTx/>
-                        <a:buSzTx/>
-                        <a:buFontTx/>
-                        <a:buNone/>
-                        <a:tabLst/>
-                        <a:defRPr/>
-                      </a:pPr>
-                      <a:r>
-                        <a:rPr lang="en-US" dirty="0" smtClean="0"/>
-                        <a:t>3001</a:t>
-                      </a:r>
-                    </a:p>
-                  </a:txBody>
-                  <a:tcPr/>
-                </a:tc>
-                <a:tc>
-                  <a:txBody>
-                    <a:bodyPr/>
-                    <a:lstStyle/>
-                    <a:p>
-                      <a:r>
-                        <a:rPr lang="en-US" dirty="0" smtClean="0"/>
-                        <a:t>3262</a:t>
-                      </a:r>
-                      <a:endParaRPr lang="en-US" dirty="0"/>
-                    </a:p>
-                  </a:txBody>
-                  <a:tcPr/>
-                </a:tc>
-                <a:tc>
-                  <a:txBody>
-                    <a:bodyPr/>
-                    <a:lstStyle/>
-                    <a:p>
-                      <a:pPr marL="0" marR="0" indent="0" algn="l" defTabSz="914400" rtl="0" eaLnBrk="1" fontAlgn="auto" latinLnBrk="0" hangingPunct="1">
-                        <a:lnSpc>
-                          <a:spcPct val="100000"/>
-                        </a:lnSpc>
-                        <a:spcBef>
-                          <a:spcPts val="0"/>
-                        </a:spcBef>
-                        <a:spcAft>
-                          <a:spcPts val="0"/>
-                        </a:spcAft>
-                        <a:buClrTx/>
-                        <a:buSzTx/>
-                        <a:buFontTx/>
-                        <a:buNone/>
-                        <a:tabLst/>
-                        <a:defRPr/>
-                      </a:pPr>
-                      <a:r>
-                        <a:rPr lang="en-US" dirty="0" smtClean="0"/>
-                        <a:t>3796</a:t>
-                      </a:r>
-                    </a:p>
-                    <a:p>
-                      <a:endParaRPr lang="en-US" dirty="0"/>
-                    </a:p>
-                  </a:txBody>
-                  <a:tcPr/>
+              <a:tr h="229646">
+                <a:tc>
+                  <a:txBody>
+                    <a:bodyPr/>
+                    <a:lstStyle/>
+                    <a:p>
+                      <a:pPr algn="l" fontAlgn="b"/>
+                      <a:r>
+                        <a:rPr lang="en-US" sz="1100" u="none" strike="noStrike">
+                          <a:effectLst/>
+                        </a:rPr>
+                        <a:t>Apr</a:t>
+                      </a:r>
+                      <a:endParaRPr lang="en-US" sz="1100" b="0" i="0" u="none" strike="noStrike">
+                        <a:solidFill>
+                          <a:srgbClr val="000000"/>
+                        </a:solidFill>
+                        <a:effectLst/>
+                        <a:latin typeface="Calibri" panose="020F0502020204030204" pitchFamily="34" charset="0"/>
+                      </a:endParaRPr>
+                    </a:p>
+                  </a:txBody>
+                  <a:tcPr marL="9525" marR="9525" marT="9525" marB="0" anchor="b"/>
                 </a:tc>
               </a:tr>
-              <a:tr h="502009">
-                <a:tc>
-                  <a:txBody>
-                    <a:bodyPr/>
-                    <a:lstStyle/>
-                    <a:p>
-                      <a:r>
-                        <a:rPr lang="en-US" dirty="0" smtClean="0"/>
-                        <a:t>5</a:t>
-                      </a:r>
-                      <a:endParaRPr lang="en-US" dirty="0"/>
-                    </a:p>
-                  </a:txBody>
-                  <a:tcPr/>
-                </a:tc>
-                <a:tc>
-                  <a:txBody>
-                    <a:bodyPr/>
-                    <a:lstStyle/>
-                    <a:p>
-                      <a:pPr marL="0" marR="0" indent="0" algn="l" defTabSz="914400" rtl="0" eaLnBrk="1" fontAlgn="auto" latinLnBrk="0" hangingPunct="1">
-                        <a:lnSpc>
-                          <a:spcPct val="100000"/>
-                        </a:lnSpc>
-                        <a:spcBef>
-                          <a:spcPts val="0"/>
-                        </a:spcBef>
-                        <a:spcAft>
-                          <a:spcPts val="0"/>
-                        </a:spcAft>
-                        <a:buClrTx/>
-                        <a:buSzTx/>
-                        <a:buFontTx/>
-                        <a:buNone/>
-                        <a:tabLst/>
-                        <a:defRPr/>
-                      </a:pPr>
-                      <a:r>
-                        <a:rPr lang="en-US" dirty="0" smtClean="0"/>
-                        <a:t>4795</a:t>
-                      </a:r>
-                    </a:p>
-                  </a:txBody>
-                  <a:tcPr/>
-                </a:tc>
-                <a:tc>
-                  <a:txBody>
-                    <a:bodyPr/>
-                    <a:lstStyle/>
-                    <a:p>
-                      <a:pPr marL="0" marR="0" indent="0" algn="l" defTabSz="914400" rtl="0" eaLnBrk="1" fontAlgn="auto" latinLnBrk="0" hangingPunct="1">
-                        <a:lnSpc>
-                          <a:spcPct val="100000"/>
-                        </a:lnSpc>
-                        <a:spcBef>
-                          <a:spcPts val="0"/>
-                        </a:spcBef>
-                        <a:spcAft>
-                          <a:spcPts val="0"/>
-                        </a:spcAft>
-                        <a:buClrTx/>
-                        <a:buSzTx/>
-                        <a:buFontTx/>
-                        <a:buNone/>
-                        <a:tabLst/>
-                        <a:defRPr/>
-                      </a:pPr>
-                      <a:r>
-                        <a:rPr lang="en-US" dirty="0" smtClean="0"/>
-                        <a:t>4611</a:t>
-                      </a:r>
-                    </a:p>
-                    <a:p>
-                      <a:endParaRPr lang="en-US" dirty="0"/>
-                    </a:p>
-                  </a:txBody>
-                  <a:tcPr/>
-                </a:tc>
-                <a:tc>
-                  <a:txBody>
-                    <a:bodyPr/>
-                    <a:lstStyle/>
-                    <a:p>
-                      <a:pPr marL="0" marR="0" indent="0" algn="l" defTabSz="914400" rtl="0" eaLnBrk="1" fontAlgn="auto" latinLnBrk="0" hangingPunct="1">
-                        <a:lnSpc>
-                          <a:spcPct val="100000"/>
-                        </a:lnSpc>
-                        <a:spcBef>
-                          <a:spcPts val="0"/>
-                        </a:spcBef>
-                        <a:spcAft>
-                          <a:spcPts val="0"/>
-                        </a:spcAft>
-                        <a:buClrTx/>
-                        <a:buSzTx/>
-                        <a:buFontTx/>
-                        <a:buNone/>
-                        <a:tabLst/>
-                        <a:defRPr/>
-                      </a:pPr>
-                      <a:r>
-                        <a:rPr lang="en-US" dirty="0" smtClean="0"/>
-                        <a:t>5379</a:t>
-                      </a:r>
-                    </a:p>
-                    <a:p>
-                      <a:endParaRPr lang="en-US" dirty="0"/>
-                    </a:p>
-                  </a:txBody>
-                  <a:tcPr/>
+              <a:tr h="229646">
+                <a:tc>
+                  <a:txBody>
+                    <a:bodyPr/>
+                    <a:lstStyle/>
+                    <a:p>
+                      <a:pPr algn="l" fontAlgn="b"/>
+                      <a:r>
+                        <a:rPr lang="en-US" sz="1100" u="none" strike="noStrike">
+                          <a:effectLst/>
+                        </a:rPr>
+                        <a:t>May</a:t>
+                      </a:r>
+                      <a:endParaRPr lang="en-US" sz="1100" b="0" i="0" u="none" strike="noStrike">
+                        <a:solidFill>
+                          <a:srgbClr val="000000"/>
+                        </a:solidFill>
+                        <a:effectLst/>
+                        <a:latin typeface="Calibri" panose="020F0502020204030204" pitchFamily="34" charset="0"/>
+                      </a:endParaRPr>
+                    </a:p>
+                  </a:txBody>
+                  <a:tcPr marL="9525" marR="9525" marT="9525" marB="0" anchor="b"/>
                 </a:tc>
               </a:tr>
-              <a:tr h="502009">
-                <a:tc>
-                  <a:txBody>
-                    <a:bodyPr/>
-                    <a:lstStyle/>
-                    <a:p>
-                      <a:r>
-                        <a:rPr lang="en-US" dirty="0" smtClean="0"/>
-                        <a:t>6</a:t>
-                      </a:r>
-                      <a:endParaRPr lang="en-US" dirty="0"/>
-                    </a:p>
-                  </a:txBody>
-                  <a:tcPr/>
-                </a:tc>
-                <a:tc>
-                  <a:txBody>
-                    <a:bodyPr/>
-                    <a:lstStyle/>
-                    <a:p>
-                      <a:pPr marL="0" marR="0" indent="0" algn="l" defTabSz="914400" rtl="0" eaLnBrk="1" fontAlgn="auto" latinLnBrk="0" hangingPunct="1">
-                        <a:lnSpc>
-                          <a:spcPct val="100000"/>
-                        </a:lnSpc>
-                        <a:spcBef>
-                          <a:spcPts val="0"/>
-                        </a:spcBef>
-                        <a:spcAft>
-                          <a:spcPts val="0"/>
-                        </a:spcAft>
-                        <a:buClrTx/>
-                        <a:buSzTx/>
-                        <a:buFontTx/>
-                        <a:buNone/>
-                        <a:tabLst/>
-                        <a:defRPr/>
-                      </a:pPr>
-                      <a:r>
-                        <a:rPr lang="en-US" dirty="0" smtClean="0"/>
-                        <a:t>5512</a:t>
-                      </a:r>
-                    </a:p>
-                  </a:txBody>
-                  <a:tcPr/>
-                </a:tc>
-                <a:tc>
-                  <a:txBody>
-                    <a:bodyPr/>
-                    <a:lstStyle/>
-                    <a:p>
-                      <a:r>
-                        <a:rPr lang="en-US" dirty="0" smtClean="0"/>
-                        <a:t>5669</a:t>
-                      </a:r>
-                    </a:p>
-                  </a:txBody>
-                  <a:tcPr/>
-                </a:tc>
-                <a:tc>
-                  <a:txBody>
-                    <a:bodyPr/>
-                    <a:lstStyle/>
-                    <a:p>
-                      <a:pPr marL="0" marR="0" indent="0" algn="l" defTabSz="914400" rtl="0" eaLnBrk="1" fontAlgn="auto" latinLnBrk="0" hangingPunct="1">
-                        <a:lnSpc>
-                          <a:spcPct val="100000"/>
-                        </a:lnSpc>
-                        <a:spcBef>
-                          <a:spcPts val="0"/>
-                        </a:spcBef>
-                        <a:spcAft>
-                          <a:spcPts val="0"/>
-                        </a:spcAft>
-                        <a:buClrTx/>
-                        <a:buSzTx/>
-                        <a:buFontTx/>
-                        <a:buNone/>
-                        <a:tabLst/>
-                        <a:defRPr/>
-                      </a:pPr>
-                      <a:r>
-                        <a:rPr lang="en-US" dirty="0" smtClean="0"/>
-                        <a:t>6023</a:t>
-                      </a:r>
-                    </a:p>
-                    <a:p>
-                      <a:endParaRPr lang="en-US" dirty="0"/>
-                    </a:p>
-                  </a:txBody>
-                  <a:tcPr/>
+              <a:tr h="229646">
+                <a:tc>
+                  <a:txBody>
+                    <a:bodyPr/>
+                    <a:lstStyle/>
+                    <a:p>
+                      <a:pPr algn="l" fontAlgn="b"/>
+                      <a:r>
+                        <a:rPr lang="en-US" sz="1100" u="none" strike="noStrike">
+                          <a:effectLst/>
+                        </a:rPr>
+                        <a:t>June</a:t>
+                      </a:r>
+                      <a:endParaRPr lang="en-US" sz="1100" b="0" i="0" u="none" strike="noStrike">
+                        <a:solidFill>
+                          <a:srgbClr val="000000"/>
+                        </a:solidFill>
+                        <a:effectLst/>
+                        <a:latin typeface="Calibri" panose="020F0502020204030204" pitchFamily="34" charset="0"/>
+                      </a:endParaRPr>
+                    </a:p>
+                  </a:txBody>
+                  <a:tcPr marL="9525" marR="9525" marT="9525" marB="0" anchor="b"/>
                 </a:tc>
               </a:tr>
-              <a:tr h="502009">
-                <a:tc>
-                  <a:txBody>
-                    <a:bodyPr/>
-                    <a:lstStyle/>
-                    <a:p>
-                      <a:r>
-                        <a:rPr lang="en-US" dirty="0" smtClean="0"/>
-                        <a:t>7</a:t>
-                      </a:r>
-                      <a:endParaRPr lang="en-US" dirty="0"/>
-                    </a:p>
-                  </a:txBody>
-                  <a:tcPr/>
-                </a:tc>
-                <a:tc>
-                  <a:txBody>
-                    <a:bodyPr/>
-                    <a:lstStyle/>
-                    <a:p>
-                      <a:r>
-                        <a:rPr lang="en-US" dirty="0" smtClean="0"/>
-                        <a:t>4344</a:t>
-                      </a:r>
-                    </a:p>
-                  </a:txBody>
-                  <a:tcPr/>
-                </a:tc>
-                <a:tc>
-                  <a:txBody>
-                    <a:bodyPr/>
-                    <a:lstStyle/>
-                    <a:p>
-                      <a:r>
-                        <a:rPr lang="en-US" dirty="0" smtClean="0"/>
-                        <a:t>4613</a:t>
-                      </a:r>
-                      <a:endParaRPr lang="en-US" dirty="0"/>
-                    </a:p>
-                  </a:txBody>
-                  <a:tcPr/>
-                </a:tc>
-                <a:tc>
-                  <a:txBody>
-                    <a:bodyPr/>
-                    <a:lstStyle/>
-                    <a:p>
-                      <a:pPr marL="0" marR="0" indent="0" algn="l" defTabSz="914400" rtl="0" eaLnBrk="1" fontAlgn="auto" latinLnBrk="0" hangingPunct="1">
-                        <a:lnSpc>
-                          <a:spcPct val="100000"/>
-                        </a:lnSpc>
-                        <a:spcBef>
-                          <a:spcPts val="0"/>
-                        </a:spcBef>
-                        <a:spcAft>
-                          <a:spcPts val="0"/>
-                        </a:spcAft>
-                        <a:buClrTx/>
-                        <a:buSzTx/>
-                        <a:buFontTx/>
-                        <a:buNone/>
-                        <a:tabLst/>
-                        <a:defRPr/>
-                      </a:pPr>
-                      <a:r>
-                        <a:rPr lang="en-US" dirty="0" smtClean="0"/>
-                        <a:t>5108</a:t>
-                      </a:r>
-                    </a:p>
-                    <a:p>
-                      <a:endParaRPr lang="en-US" dirty="0"/>
-                    </a:p>
-                  </a:txBody>
-                  <a:tcPr/>
+              <a:tr h="229646">
+                <a:tc>
+                  <a:txBody>
+                    <a:bodyPr/>
+                    <a:lstStyle/>
+                    <a:p>
+                      <a:pPr algn="l" fontAlgn="b"/>
+                      <a:r>
+                        <a:rPr lang="en-US" sz="1100" u="none" strike="noStrike">
+                          <a:effectLst/>
+                        </a:rPr>
+                        <a:t>July</a:t>
+                      </a:r>
+                      <a:endParaRPr lang="en-US" sz="1100" b="0" i="0" u="none" strike="noStrike">
+                        <a:solidFill>
+                          <a:srgbClr val="000000"/>
+                        </a:solidFill>
+                        <a:effectLst/>
+                        <a:latin typeface="Calibri" panose="020F0502020204030204" pitchFamily="34" charset="0"/>
+                      </a:endParaRPr>
+                    </a:p>
+                  </a:txBody>
+                  <a:tcPr marL="9525" marR="9525" marT="9525" marB="0" anchor="b"/>
                 </a:tc>
               </a:tr>
-              <a:tr h="0">
-                <a:tc>
-                  <a:txBody>
-                    <a:bodyPr/>
-                    <a:lstStyle/>
-                    <a:p>
-                      <a:r>
-                        <a:rPr lang="en-US" dirty="0" smtClean="0"/>
-                        <a:t>8</a:t>
-                      </a:r>
-                      <a:endParaRPr lang="en-US" dirty="0"/>
-                    </a:p>
-                  </a:txBody>
-                  <a:tcPr/>
-                </a:tc>
-                <a:tc>
-                  <a:txBody>
-                    <a:bodyPr/>
-                    <a:lstStyle/>
-                    <a:p>
-                      <a:pPr marL="0" marR="0" indent="0" algn="l" defTabSz="914400" rtl="0" eaLnBrk="1" fontAlgn="auto" latinLnBrk="0" hangingPunct="1">
-                        <a:lnSpc>
-                          <a:spcPct val="100000"/>
-                        </a:lnSpc>
-                        <a:spcBef>
-                          <a:spcPts val="0"/>
-                        </a:spcBef>
-                        <a:spcAft>
-                          <a:spcPts val="0"/>
-                        </a:spcAft>
-                        <a:buClrTx/>
-                        <a:buSzTx/>
-                        <a:buFontTx/>
-                        <a:buNone/>
-                        <a:tabLst/>
-                        <a:defRPr/>
-                      </a:pPr>
-                      <a:r>
-                        <a:rPr lang="en-US" dirty="0" smtClean="0"/>
-                        <a:t>4398</a:t>
-                      </a:r>
-                    </a:p>
-                    <a:p>
-                      <a:endParaRPr lang="en-US" dirty="0"/>
-                    </a:p>
-                  </a:txBody>
-                  <a:tcPr/>
-                </a:tc>
-                <a:tc>
-                  <a:txBody>
-                    <a:bodyPr/>
-                    <a:lstStyle/>
-                    <a:p>
-                      <a:pPr marL="0" marR="0" indent="0" algn="l" defTabSz="914400" rtl="0" eaLnBrk="1" fontAlgn="auto" latinLnBrk="0" hangingPunct="1">
-                        <a:lnSpc>
-                          <a:spcPct val="100000"/>
-                        </a:lnSpc>
-                        <a:spcBef>
-                          <a:spcPts val="0"/>
-                        </a:spcBef>
-                        <a:spcAft>
-                          <a:spcPts val="0"/>
-                        </a:spcAft>
-                        <a:buClrTx/>
-                        <a:buSzTx/>
-                        <a:buFontTx/>
-                        <a:buNone/>
-                        <a:tabLst/>
-                        <a:defRPr/>
-                      </a:pPr>
-                      <a:r>
-                        <a:rPr lang="en-US" dirty="0" smtClean="0"/>
-                        <a:t>4433</a:t>
-                      </a:r>
-                    </a:p>
-                    <a:p>
-                      <a:endParaRPr lang="en-US" dirty="0"/>
-                    </a:p>
-                  </a:txBody>
-                  <a:tcPr/>
-                </a:tc>
-                <a:tc>
-                  <a:txBody>
-                    <a:bodyPr/>
-                    <a:lstStyle/>
-                    <a:p>
-                      <a:pPr marL="0" marR="0" indent="0" algn="l" defTabSz="914400" rtl="0" eaLnBrk="1" fontAlgn="auto" latinLnBrk="0" hangingPunct="1">
-                        <a:lnSpc>
-                          <a:spcPct val="100000"/>
-                        </a:lnSpc>
-                        <a:spcBef>
-                          <a:spcPts val="0"/>
-                        </a:spcBef>
-                        <a:spcAft>
-                          <a:spcPts val="0"/>
-                        </a:spcAft>
-                        <a:buClrTx/>
-                        <a:buSzTx/>
-                        <a:buFontTx/>
-                        <a:buNone/>
-                        <a:tabLst/>
-                        <a:defRPr/>
-                      </a:pPr>
-                      <a:r>
-                        <a:rPr lang="en-US" dirty="0" smtClean="0"/>
-                        <a:t>4074</a:t>
-                      </a:r>
-                    </a:p>
-                    <a:p>
-                      <a:endParaRPr lang="en-US" dirty="0"/>
-                    </a:p>
-                  </a:txBody>
-                  <a:tcPr/>
+              <a:tr h="229646">
+                <a:tc>
+                  <a:txBody>
+                    <a:bodyPr/>
+                    <a:lstStyle/>
+                    <a:p>
+                      <a:pPr algn="l" fontAlgn="b"/>
+                      <a:r>
+                        <a:rPr lang="en-US" sz="1100" u="none" strike="noStrike">
+                          <a:effectLst/>
+                        </a:rPr>
+                        <a:t>Aug</a:t>
+                      </a:r>
+                      <a:endParaRPr lang="en-US" sz="1100" b="0" i="0" u="none" strike="noStrike">
+                        <a:solidFill>
+                          <a:srgbClr val="000000"/>
+                        </a:solidFill>
+                        <a:effectLst/>
+                        <a:latin typeface="Calibri" panose="020F0502020204030204" pitchFamily="34" charset="0"/>
+                      </a:endParaRPr>
+                    </a:p>
+                  </a:txBody>
+                  <a:tcPr marL="9525" marR="9525" marT="9525" marB="0" anchor="b"/>
+                </a:tc>
+              </a:tr>
+              <a:tr h="229646">
+                <a:tc>
+                  <a:txBody>
+                    <a:bodyPr/>
+                    <a:lstStyle/>
+                    <a:p>
+                      <a:pPr algn="l" fontAlgn="b"/>
+                      <a:r>
+                        <a:rPr lang="en-US" sz="1100" u="none" strike="noStrike">
+                          <a:effectLst/>
+                        </a:rPr>
+                        <a:t>Sept</a:t>
+                      </a:r>
+                      <a:endParaRPr lang="en-US" sz="1100" b="0" i="0" u="none" strike="noStrike">
+                        <a:solidFill>
+                          <a:srgbClr val="000000"/>
+                        </a:solidFill>
+                        <a:effectLst/>
+                        <a:latin typeface="Calibri" panose="020F0502020204030204" pitchFamily="34" charset="0"/>
+                      </a:endParaRPr>
+                    </a:p>
+                  </a:txBody>
+                  <a:tcPr marL="9525" marR="9525" marT="9525" marB="0" anchor="b"/>
+                </a:tc>
+              </a:tr>
+              <a:tr h="229646">
+                <a:tc>
+                  <a:txBody>
+                    <a:bodyPr/>
+                    <a:lstStyle/>
+                    <a:p>
+                      <a:pPr algn="l" fontAlgn="b"/>
+                      <a:r>
+                        <a:rPr lang="en-US" sz="1100" u="none" strike="noStrike">
+                          <a:effectLst/>
+                        </a:rPr>
+                        <a:t>Oct</a:t>
+                      </a:r>
+                      <a:endParaRPr lang="en-US" sz="1100" b="0" i="0" u="none" strike="noStrike">
+                        <a:solidFill>
+                          <a:srgbClr val="000000"/>
+                        </a:solidFill>
+                        <a:effectLst/>
+                        <a:latin typeface="Calibri" panose="020F0502020204030204" pitchFamily="34" charset="0"/>
+                      </a:endParaRPr>
+                    </a:p>
+                  </a:txBody>
+                  <a:tcPr marL="9525" marR="9525" marT="9525" marB="0" anchor="b"/>
+                </a:tc>
+              </a:tr>
+              <a:tr h="229646">
+                <a:tc>
+                  <a:txBody>
+                    <a:bodyPr/>
+                    <a:lstStyle/>
+                    <a:p>
+                      <a:pPr algn="l" fontAlgn="b"/>
+                      <a:r>
+                        <a:rPr lang="en-US" sz="1100" u="none" strike="noStrike">
+                          <a:effectLst/>
+                        </a:rPr>
+                        <a:t>Nov</a:t>
+                      </a:r>
+                      <a:endParaRPr lang="en-US" sz="1100" b="0" i="0" u="none" strike="noStrike">
+                        <a:solidFill>
+                          <a:srgbClr val="000000"/>
+                        </a:solidFill>
+                        <a:effectLst/>
+                        <a:latin typeface="Calibri" panose="020F0502020204030204" pitchFamily="34" charset="0"/>
+                      </a:endParaRPr>
+                    </a:p>
+                  </a:txBody>
+                  <a:tcPr marL="9525" marR="9525" marT="9525" marB="0" anchor="b"/>
+                </a:tc>
+              </a:tr>
+              <a:tr h="229646">
+                <a:tc>
+                  <a:txBody>
+                    <a:bodyPr/>
+                    <a:lstStyle/>
+                    <a:p>
+                      <a:pPr algn="l" fontAlgn="b"/>
+                      <a:r>
+                        <a:rPr lang="en-US" sz="1100" u="none" strike="noStrike">
+                          <a:effectLst/>
+                        </a:rPr>
+                        <a:t>Dec</a:t>
+                      </a:r>
+                      <a:endParaRPr lang="en-US" sz="1100" b="0" i="0" u="none" strike="noStrike">
+                        <a:solidFill>
+                          <a:srgbClr val="000000"/>
+                        </a:solidFill>
+                        <a:effectLst/>
+                        <a:latin typeface="Calibri" panose="020F0502020204030204" pitchFamily="34" charset="0"/>
+                      </a:endParaRPr>
+                    </a:p>
+                  </a:txBody>
+                  <a:tcPr marL="9525" marR="9525" marT="9525" marB="0" anchor="b"/>
+                </a:tc>
+              </a:tr>
+              <a:tr h="241128">
+                <a:tc>
+                  <a:txBody>
+                    <a:bodyPr/>
+                    <a:lstStyle/>
+                    <a:p>
+                      <a:pPr algn="l" fontAlgn="b"/>
+                      <a:r>
+                        <a:rPr lang="en-US" sz="1100" u="none" strike="noStrike" dirty="0">
+                          <a:effectLst/>
+                        </a:rPr>
+                        <a:t>YEAR</a:t>
+                      </a:r>
+                      <a:endParaRPr lang="en-US" sz="1100" b="0" i="0" u="none" strike="noStrike" dirty="0">
+                        <a:solidFill>
+                          <a:srgbClr val="000000"/>
+                        </a:solidFill>
+                        <a:effectLst/>
+                        <a:latin typeface="Calibri" panose="020F0502020204030204" pitchFamily="34" charset="0"/>
+                      </a:endParaRPr>
+                    </a:p>
+                  </a:txBody>
+                  <a:tcPr marL="9525" marR="9525" marT="9525" marB="0" anchor="b"/>
                 </a:tc>
               </a:tr>
             </a:tbl>
           </a:graphicData>
         </a:graphic>
       </p:graphicFrame>
+      <p:graphicFrame>
+        <p:nvGraphicFramePr>
+          <p:cNvPr id="5" name="Table 4"/>
+          <p:cNvGraphicFramePr>
+            <a:graphicFrameLocks noGrp="1"/>
+          </p:cNvGraphicFramePr>
+          <p:nvPr>
+            <p:extLst>
+              <p:ext uri="{D42A27DB-BD31-4B8C-83A1-F6EECF244321}">
+                <p14:modId xmlns:p14="http://schemas.microsoft.com/office/powerpoint/2010/main" val="2968136474"/>
+              </p:ext>
+            </p:extLst>
+          </p:nvPr>
+        </p:nvGraphicFramePr>
+        <p:xfrm>
+          <a:off x="6479177" y="2534191"/>
+          <a:ext cx="1436914" cy="2103122"/>
+        </p:xfrm>
+        <a:graphic>
+          <a:graphicData uri="http://schemas.openxmlformats.org/drawingml/2006/table">
+            <a:tbl>
+              <a:tblPr>
+                <a:tableStyleId>{5C22544A-7EE6-4342-B048-85BDC9FD1C3A}</a:tableStyleId>
+              </a:tblPr>
+              <a:tblGrid>
+                <a:gridCol w="1436914"/>
+              </a:tblGrid>
+              <a:tr h="300446">
+                <a:tc>
+                  <a:txBody>
+                    <a:bodyPr/>
+                    <a:lstStyle/>
+                    <a:p>
+                      <a:pPr algn="l" fontAlgn="b"/>
+                      <a:r>
+                        <a:rPr lang="en-US" sz="1100" u="none" strike="noStrike" dirty="0">
+                          <a:effectLst/>
+                        </a:rPr>
+                        <a:t>Ward</a:t>
+                      </a:r>
+                      <a:endParaRPr lang="en-US" sz="1100" b="0" i="0" u="none" strike="noStrike" dirty="0">
+                        <a:solidFill>
+                          <a:srgbClr val="000000"/>
+                        </a:solidFill>
+                        <a:effectLst/>
+                        <a:latin typeface="Calibri" panose="020F0502020204030204" pitchFamily="34" charset="0"/>
+                      </a:endParaRPr>
+                    </a:p>
+                  </a:txBody>
+                  <a:tcPr marL="9525" marR="9525" marT="9525" marB="0" anchor="b"/>
+                </a:tc>
+              </a:tr>
+              <a:tr h="300446">
+                <a:tc>
+                  <a:txBody>
+                    <a:bodyPr/>
+                    <a:lstStyle/>
+                    <a:p>
+                      <a:pPr algn="l" fontAlgn="b"/>
+                      <a:r>
+                        <a:rPr lang="en-US" sz="1100" u="none" strike="noStrike">
+                          <a:effectLst/>
+                        </a:rPr>
+                        <a:t>LaborForce</a:t>
+                      </a:r>
+                      <a:endParaRPr lang="en-US" sz="1100" b="0" i="0" u="none" strike="noStrike">
+                        <a:solidFill>
+                          <a:srgbClr val="000000"/>
+                        </a:solidFill>
+                        <a:effectLst/>
+                        <a:latin typeface="Calibri" panose="020F0502020204030204" pitchFamily="34" charset="0"/>
+                      </a:endParaRPr>
+                    </a:p>
+                  </a:txBody>
+                  <a:tcPr marL="9525" marR="9525" marT="9525" marB="0" anchor="b"/>
+                </a:tc>
+              </a:tr>
+              <a:tr h="300446">
+                <a:tc>
+                  <a:txBody>
+                    <a:bodyPr/>
+                    <a:lstStyle/>
+                    <a:p>
+                      <a:pPr algn="l" fontAlgn="b"/>
+                      <a:r>
+                        <a:rPr lang="en-US" sz="1100" u="none" strike="noStrike">
+                          <a:effectLst/>
+                        </a:rPr>
+                        <a:t>Employment</a:t>
+                      </a:r>
+                      <a:endParaRPr lang="en-US" sz="1100" b="0" i="0" u="none" strike="noStrike">
+                        <a:solidFill>
+                          <a:srgbClr val="000000"/>
+                        </a:solidFill>
+                        <a:effectLst/>
+                        <a:latin typeface="Calibri" panose="020F0502020204030204" pitchFamily="34" charset="0"/>
+                      </a:endParaRPr>
+                    </a:p>
+                  </a:txBody>
+                  <a:tcPr marL="9525" marR="9525" marT="9525" marB="0" anchor="b"/>
+                </a:tc>
+              </a:tr>
+              <a:tr h="300446">
+                <a:tc>
+                  <a:txBody>
+                    <a:bodyPr/>
+                    <a:lstStyle/>
+                    <a:p>
+                      <a:pPr algn="l" fontAlgn="b"/>
+                      <a:r>
+                        <a:rPr lang="en-US" sz="1100" u="none" strike="noStrike">
+                          <a:effectLst/>
+                        </a:rPr>
+                        <a:t>Unemployment</a:t>
+                      </a:r>
+                      <a:endParaRPr lang="en-US" sz="1100" b="0" i="0" u="none" strike="noStrike">
+                        <a:solidFill>
+                          <a:srgbClr val="000000"/>
+                        </a:solidFill>
+                        <a:effectLst/>
+                        <a:latin typeface="Calibri" panose="020F0502020204030204" pitchFamily="34" charset="0"/>
+                      </a:endParaRPr>
+                    </a:p>
+                  </a:txBody>
+                  <a:tcPr marL="9525" marR="9525" marT="9525" marB="0" anchor="b"/>
+                </a:tc>
+              </a:tr>
+              <a:tr h="300446">
+                <a:tc>
+                  <a:txBody>
+                    <a:bodyPr/>
+                    <a:lstStyle/>
+                    <a:p>
+                      <a:pPr algn="l" fontAlgn="b"/>
+                      <a:r>
+                        <a:rPr lang="en-US" sz="1100" u="none" strike="noStrike">
+                          <a:effectLst/>
+                        </a:rPr>
+                        <a:t>Rate</a:t>
+                      </a:r>
+                      <a:endParaRPr lang="en-US" sz="1100" b="0" i="0" u="none" strike="noStrike">
+                        <a:solidFill>
+                          <a:srgbClr val="000000"/>
+                        </a:solidFill>
+                        <a:effectLst/>
+                        <a:latin typeface="Calibri" panose="020F0502020204030204" pitchFamily="34" charset="0"/>
+                      </a:endParaRPr>
+                    </a:p>
+                  </a:txBody>
+                  <a:tcPr marL="9525" marR="9525" marT="9525" marB="0" anchor="b"/>
+                </a:tc>
+              </a:tr>
+              <a:tr h="300446">
+                <a:tc>
+                  <a:txBody>
+                    <a:bodyPr/>
+                    <a:lstStyle/>
+                    <a:p>
+                      <a:pPr algn="l" fontAlgn="b"/>
+                      <a:r>
+                        <a:rPr lang="en-US" sz="1100" u="none" strike="noStrike">
+                          <a:effectLst/>
+                        </a:rPr>
+                        <a:t>Month</a:t>
+                      </a:r>
+                      <a:endParaRPr lang="en-US" sz="1100" b="0" i="0" u="none" strike="noStrike">
+                        <a:solidFill>
+                          <a:srgbClr val="000000"/>
+                        </a:solidFill>
+                        <a:effectLst/>
+                        <a:latin typeface="Calibri" panose="020F0502020204030204" pitchFamily="34" charset="0"/>
+                      </a:endParaRPr>
+                    </a:p>
+                  </a:txBody>
+                  <a:tcPr marL="9525" marR="9525" marT="9525" marB="0" anchor="b"/>
+                </a:tc>
+              </a:tr>
+              <a:tr h="300446">
+                <a:tc>
+                  <a:txBody>
+                    <a:bodyPr/>
+                    <a:lstStyle/>
+                    <a:p>
+                      <a:pPr algn="l" fontAlgn="b"/>
+                      <a:r>
+                        <a:rPr lang="en-US" sz="1100" u="none" strike="noStrike" dirty="0">
+                          <a:effectLst/>
+                        </a:rPr>
+                        <a:t>YEAR</a:t>
+                      </a:r>
+                      <a:endParaRPr lang="en-US" sz="1100" b="0" i="0" u="none" strike="noStrike" dirty="0">
+                        <a:solidFill>
+                          <a:srgbClr val="000000"/>
+                        </a:solidFill>
+                        <a:effectLst/>
+                        <a:latin typeface="Calibri" panose="020F0502020204030204" pitchFamily="34" charset="0"/>
+                      </a:endParaRPr>
+                    </a:p>
+                  </a:txBody>
+                  <a:tcPr marL="9525" marR="9525" marT="9525" marB="0" anchor="b"/>
+                </a:tc>
+              </a:tr>
+            </a:tbl>
+          </a:graphicData>
+        </a:graphic>
+      </p:graphicFrame>
+      <p:graphicFrame>
+        <p:nvGraphicFramePr>
+          <p:cNvPr id="7" name="Table 6"/>
+          <p:cNvGraphicFramePr>
+            <a:graphicFrameLocks noGrp="1"/>
+          </p:cNvGraphicFramePr>
+          <p:nvPr>
+            <p:extLst>
+              <p:ext uri="{D42A27DB-BD31-4B8C-83A1-F6EECF244321}">
+                <p14:modId xmlns:p14="http://schemas.microsoft.com/office/powerpoint/2010/main" val="3172311765"/>
+              </p:ext>
+            </p:extLst>
+          </p:nvPr>
+        </p:nvGraphicFramePr>
+        <p:xfrm>
+          <a:off x="1110344" y="2495008"/>
+          <a:ext cx="2834640" cy="4245434"/>
+        </p:xfrm>
+        <a:graphic>
+          <a:graphicData uri="http://schemas.openxmlformats.org/drawingml/2006/table">
+            <a:tbl>
+              <a:tblPr>
+                <a:tableStyleId>{5C22544A-7EE6-4342-B048-85BDC9FD1C3A}</a:tableStyleId>
+              </a:tblPr>
+              <a:tblGrid>
+                <a:gridCol w="2834640"/>
+              </a:tblGrid>
+              <a:tr h="208362">
+                <a:tc>
+                  <a:txBody>
+                    <a:bodyPr/>
+                    <a:lstStyle/>
+                    <a:p>
+                      <a:pPr algn="l" fontAlgn="ctr"/>
+                      <a:r>
+                        <a:rPr lang="en-US" sz="1100" u="none" strike="noStrike" dirty="0">
+                          <a:effectLst/>
+                        </a:rPr>
+                        <a:t>CCN</a:t>
+                      </a:r>
+                      <a:endParaRPr lang="en-US" sz="1100" b="0" i="0" u="none" strike="noStrike" dirty="0">
+                        <a:solidFill>
+                          <a:srgbClr val="000000"/>
+                        </a:solidFill>
+                        <a:effectLst/>
+                        <a:latin typeface="Calibri" panose="020F0502020204030204" pitchFamily="34" charset="0"/>
+                      </a:endParaRPr>
+                    </a:p>
+                  </a:txBody>
+                  <a:tcPr marL="9525" marR="9525" marT="9525" marB="0" anchor="ctr"/>
+                </a:tc>
+              </a:tr>
+              <a:tr h="208362">
+                <a:tc>
+                  <a:txBody>
+                    <a:bodyPr/>
+                    <a:lstStyle/>
+                    <a:p>
+                      <a:pPr algn="l" fontAlgn="ctr"/>
+                      <a:r>
+                        <a:rPr lang="en-US" sz="1100" u="none" strike="noStrike">
+                          <a:effectLst/>
+                        </a:rPr>
+                        <a:t>REPORTDATETime</a:t>
+                      </a:r>
+                      <a:endParaRPr lang="en-US" sz="1100" b="0" i="0" u="none" strike="noStrike">
+                        <a:solidFill>
+                          <a:srgbClr val="000000"/>
+                        </a:solidFill>
+                        <a:effectLst/>
+                        <a:latin typeface="Calibri" panose="020F0502020204030204" pitchFamily="34" charset="0"/>
+                      </a:endParaRPr>
+                    </a:p>
+                  </a:txBody>
+                  <a:tcPr marL="9525" marR="9525" marT="9525" marB="0" anchor="ctr"/>
+                </a:tc>
+              </a:tr>
+              <a:tr h="208362">
+                <a:tc>
+                  <a:txBody>
+                    <a:bodyPr/>
+                    <a:lstStyle/>
+                    <a:p>
+                      <a:pPr algn="l" fontAlgn="ctr"/>
+                      <a:r>
+                        <a:rPr lang="en-US" sz="1100" u="none" strike="noStrike">
+                          <a:effectLst/>
+                        </a:rPr>
+                        <a:t>SHIFT</a:t>
+                      </a:r>
+                      <a:endParaRPr lang="en-US" sz="1100" b="0" i="0" u="none" strike="noStrike">
+                        <a:solidFill>
+                          <a:srgbClr val="000000"/>
+                        </a:solidFill>
+                        <a:effectLst/>
+                        <a:latin typeface="Calibri" panose="020F0502020204030204" pitchFamily="34" charset="0"/>
+                      </a:endParaRPr>
+                    </a:p>
+                  </a:txBody>
+                  <a:tcPr marL="9525" marR="9525" marT="9525" marB="0" anchor="ctr"/>
+                </a:tc>
+              </a:tr>
+              <a:tr h="208362">
+                <a:tc>
+                  <a:txBody>
+                    <a:bodyPr/>
+                    <a:lstStyle/>
+                    <a:p>
+                      <a:pPr algn="l" fontAlgn="ctr"/>
+                      <a:r>
+                        <a:rPr lang="en-US" sz="1100" u="none" strike="noStrike">
+                          <a:effectLst/>
+                        </a:rPr>
+                        <a:t>OFFENSE/METHODE</a:t>
+                      </a:r>
+                      <a:endParaRPr lang="en-US" sz="1100" b="0" i="0" u="none" strike="noStrike">
+                        <a:solidFill>
+                          <a:srgbClr val="000000"/>
+                        </a:solidFill>
+                        <a:effectLst/>
+                        <a:latin typeface="Calibri" panose="020F0502020204030204" pitchFamily="34" charset="0"/>
+                      </a:endParaRPr>
+                    </a:p>
+                  </a:txBody>
+                  <a:tcPr marL="9525" marR="9525" marT="9525" marB="0" anchor="ctr"/>
+                </a:tc>
+              </a:tr>
+              <a:tr h="208362">
+                <a:tc>
+                  <a:txBody>
+                    <a:bodyPr/>
+                    <a:lstStyle/>
+                    <a:p>
+                      <a:pPr algn="l" fontAlgn="ctr"/>
+                      <a:r>
+                        <a:rPr lang="en-US" sz="1100" u="none" strike="noStrike" dirty="0">
+                          <a:effectLst/>
+                        </a:rPr>
+                        <a:t>LASTMODIFIEDDATE</a:t>
+                      </a:r>
+                      <a:endParaRPr lang="en-US" sz="1100" b="0" i="0" u="none" strike="noStrike" dirty="0">
+                        <a:solidFill>
+                          <a:srgbClr val="000000"/>
+                        </a:solidFill>
+                        <a:effectLst/>
+                        <a:latin typeface="Calibri" panose="020F0502020204030204" pitchFamily="34" charset="0"/>
+                      </a:endParaRPr>
+                    </a:p>
+                  </a:txBody>
+                  <a:tcPr marL="9525" marR="9525" marT="9525" marB="0" anchor="ctr"/>
+                </a:tc>
+              </a:tr>
+              <a:tr h="208362">
+                <a:tc>
+                  <a:txBody>
+                    <a:bodyPr/>
+                    <a:lstStyle/>
+                    <a:p>
+                      <a:pPr algn="l" fontAlgn="ctr"/>
+                      <a:r>
+                        <a:rPr lang="en-US" sz="1100" u="none" strike="noStrike">
+                          <a:effectLst/>
+                        </a:rPr>
+                        <a:t>BLOCKSITEADDRESS</a:t>
+                      </a:r>
+                      <a:endParaRPr lang="en-US" sz="1100" b="0" i="0" u="none" strike="noStrike">
+                        <a:solidFill>
+                          <a:srgbClr val="000000"/>
+                        </a:solidFill>
+                        <a:effectLst/>
+                        <a:latin typeface="Calibri" panose="020F0502020204030204" pitchFamily="34" charset="0"/>
+                      </a:endParaRPr>
+                    </a:p>
+                  </a:txBody>
+                  <a:tcPr marL="9525" marR="9525" marT="9525" marB="0" anchor="ctr"/>
+                </a:tc>
+              </a:tr>
+              <a:tr h="208362">
+                <a:tc>
+                  <a:txBody>
+                    <a:bodyPr/>
+                    <a:lstStyle/>
+                    <a:p>
+                      <a:pPr algn="l" fontAlgn="ctr"/>
+                      <a:r>
+                        <a:rPr lang="en-US" sz="1100" u="none" strike="noStrike">
+                          <a:effectLst/>
+                        </a:rPr>
+                        <a:t>BLOCKXCOORD</a:t>
+                      </a:r>
+                      <a:endParaRPr lang="en-US" sz="1100" b="0" i="0" u="none" strike="noStrike">
+                        <a:solidFill>
+                          <a:srgbClr val="000000"/>
+                        </a:solidFill>
+                        <a:effectLst/>
+                        <a:latin typeface="Calibri" panose="020F0502020204030204" pitchFamily="34" charset="0"/>
+                      </a:endParaRPr>
+                    </a:p>
+                  </a:txBody>
+                  <a:tcPr marL="9525" marR="9525" marT="9525" marB="0" anchor="ctr"/>
+                </a:tc>
+              </a:tr>
+              <a:tr h="208362">
+                <a:tc>
+                  <a:txBody>
+                    <a:bodyPr/>
+                    <a:lstStyle/>
+                    <a:p>
+                      <a:pPr algn="l" fontAlgn="ctr"/>
+                      <a:r>
+                        <a:rPr lang="en-US" sz="1100" u="none" strike="noStrike">
+                          <a:effectLst/>
+                        </a:rPr>
+                        <a:t>BLOCKYCOORD</a:t>
+                      </a:r>
+                      <a:endParaRPr lang="en-US" sz="1100" b="0" i="0" u="none" strike="noStrike">
+                        <a:solidFill>
+                          <a:srgbClr val="000000"/>
+                        </a:solidFill>
+                        <a:effectLst/>
+                        <a:latin typeface="Calibri" panose="020F0502020204030204" pitchFamily="34" charset="0"/>
+                      </a:endParaRPr>
+                    </a:p>
+                  </a:txBody>
+                  <a:tcPr marL="9525" marR="9525" marT="9525" marB="0" anchor="ctr"/>
+                </a:tc>
+              </a:tr>
+              <a:tr h="208362">
+                <a:tc>
+                  <a:txBody>
+                    <a:bodyPr/>
+                    <a:lstStyle/>
+                    <a:p>
+                      <a:pPr algn="l" fontAlgn="ctr"/>
+                      <a:r>
+                        <a:rPr lang="en-US" sz="1100" u="none" strike="noStrike">
+                          <a:effectLst/>
+                        </a:rPr>
+                        <a:t>WARD</a:t>
+                      </a:r>
+                      <a:endParaRPr lang="en-US" sz="1100" b="0" i="0" u="none" strike="noStrike">
+                        <a:solidFill>
+                          <a:srgbClr val="000000"/>
+                        </a:solidFill>
+                        <a:effectLst/>
+                        <a:latin typeface="Calibri" panose="020F0502020204030204" pitchFamily="34" charset="0"/>
+                      </a:endParaRPr>
+                    </a:p>
+                  </a:txBody>
+                  <a:tcPr marL="9525" marR="9525" marT="9525" marB="0" anchor="ctr"/>
+                </a:tc>
+              </a:tr>
+              <a:tr h="208362">
+                <a:tc>
+                  <a:txBody>
+                    <a:bodyPr/>
+                    <a:lstStyle/>
+                    <a:p>
+                      <a:pPr algn="l" fontAlgn="ctr"/>
+                      <a:r>
+                        <a:rPr lang="en-US" sz="1100" u="none" strike="noStrike">
+                          <a:effectLst/>
+                        </a:rPr>
+                        <a:t>ANC</a:t>
+                      </a:r>
+                      <a:endParaRPr lang="en-US" sz="1100" b="0" i="0" u="none" strike="noStrike">
+                        <a:solidFill>
+                          <a:srgbClr val="000000"/>
+                        </a:solidFill>
+                        <a:effectLst/>
+                        <a:latin typeface="Calibri" panose="020F0502020204030204" pitchFamily="34" charset="0"/>
+                      </a:endParaRPr>
+                    </a:p>
+                  </a:txBody>
+                  <a:tcPr marL="9525" marR="9525" marT="9525" marB="0" anchor="ctr"/>
+                </a:tc>
+              </a:tr>
+              <a:tr h="208362">
+                <a:tc>
+                  <a:txBody>
+                    <a:bodyPr/>
+                    <a:lstStyle/>
+                    <a:p>
+                      <a:pPr algn="l" fontAlgn="ctr"/>
+                      <a:r>
+                        <a:rPr lang="en-US" sz="1100" u="none" strike="noStrike">
+                          <a:effectLst/>
+                        </a:rPr>
+                        <a:t>DISTRICT</a:t>
+                      </a:r>
+                      <a:endParaRPr lang="en-US" sz="1100" b="0" i="0" u="none" strike="noStrike">
+                        <a:solidFill>
+                          <a:srgbClr val="000000"/>
+                        </a:solidFill>
+                        <a:effectLst/>
+                        <a:latin typeface="Calibri" panose="020F0502020204030204" pitchFamily="34" charset="0"/>
+                      </a:endParaRPr>
+                    </a:p>
+                  </a:txBody>
+                  <a:tcPr marL="9525" marR="9525" marT="9525" marB="0" anchor="ctr"/>
+                </a:tc>
+              </a:tr>
+              <a:tr h="208362">
+                <a:tc>
+                  <a:txBody>
+                    <a:bodyPr/>
+                    <a:lstStyle/>
+                    <a:p>
+                      <a:pPr algn="l" fontAlgn="ctr"/>
+                      <a:r>
+                        <a:rPr lang="en-US" sz="1100" u="none" strike="noStrike">
+                          <a:effectLst/>
+                        </a:rPr>
+                        <a:t>PSA</a:t>
+                      </a:r>
+                      <a:endParaRPr lang="en-US" sz="1100" b="0" i="0" u="none" strike="noStrike">
+                        <a:solidFill>
+                          <a:srgbClr val="000000"/>
+                        </a:solidFill>
+                        <a:effectLst/>
+                        <a:latin typeface="Calibri" panose="020F0502020204030204" pitchFamily="34" charset="0"/>
+                      </a:endParaRPr>
+                    </a:p>
+                  </a:txBody>
+                  <a:tcPr marL="9525" marR="9525" marT="9525" marB="0" anchor="ctr"/>
+                </a:tc>
+              </a:tr>
+              <a:tr h="208362">
+                <a:tc>
+                  <a:txBody>
+                    <a:bodyPr/>
+                    <a:lstStyle/>
+                    <a:p>
+                      <a:pPr algn="l" fontAlgn="ctr"/>
+                      <a:r>
+                        <a:rPr lang="en-US" sz="1100" u="none" strike="noStrike">
+                          <a:effectLst/>
+                        </a:rPr>
+                        <a:t>NEIGHBORHOODCLUSTER</a:t>
+                      </a:r>
+                      <a:endParaRPr lang="en-US" sz="1100" b="0" i="0" u="none" strike="noStrike">
+                        <a:solidFill>
+                          <a:srgbClr val="000000"/>
+                        </a:solidFill>
+                        <a:effectLst/>
+                        <a:latin typeface="Calibri" panose="020F0502020204030204" pitchFamily="34" charset="0"/>
+                      </a:endParaRPr>
+                    </a:p>
+                  </a:txBody>
+                  <a:tcPr marL="9525" marR="9525" marT="9525" marB="0" anchor="ctr"/>
+                </a:tc>
+              </a:tr>
+              <a:tr h="286556">
+                <a:tc>
+                  <a:txBody>
+                    <a:bodyPr/>
+                    <a:lstStyle/>
+                    <a:p>
+                      <a:pPr algn="l" fontAlgn="ctr"/>
+                      <a:r>
+                        <a:rPr lang="en-US" sz="1100" u="none" strike="noStrike">
+                          <a:effectLst/>
+                        </a:rPr>
+                        <a:t>BUSINESSIMPROVEMENTDISTRICT</a:t>
+                      </a:r>
+                      <a:endParaRPr lang="en-US" sz="1100" b="0" i="0" u="none" strike="noStrike">
+                        <a:solidFill>
+                          <a:srgbClr val="000000"/>
+                        </a:solidFill>
+                        <a:effectLst/>
+                        <a:latin typeface="Calibri" panose="020F0502020204030204" pitchFamily="34" charset="0"/>
+                      </a:endParaRPr>
+                    </a:p>
+                  </a:txBody>
+                  <a:tcPr marL="9525" marR="9525" marT="9525" marB="0" anchor="ctr"/>
+                </a:tc>
+              </a:tr>
+              <a:tr h="208362">
+                <a:tc>
+                  <a:txBody>
+                    <a:bodyPr/>
+                    <a:lstStyle/>
+                    <a:p>
+                      <a:pPr algn="l" fontAlgn="ctr"/>
+                      <a:r>
+                        <a:rPr lang="en-US" sz="1100" u="none" strike="noStrike">
+                          <a:effectLst/>
+                        </a:rPr>
+                        <a:t>BLOCK_GROUP</a:t>
+                      </a:r>
+                      <a:endParaRPr lang="en-US" sz="1100" b="0" i="0" u="none" strike="noStrike">
+                        <a:solidFill>
+                          <a:srgbClr val="000000"/>
+                        </a:solidFill>
+                        <a:effectLst/>
+                        <a:latin typeface="Calibri" panose="020F0502020204030204" pitchFamily="34" charset="0"/>
+                      </a:endParaRPr>
+                    </a:p>
+                  </a:txBody>
+                  <a:tcPr marL="9525" marR="9525" marT="9525" marB="0" anchor="ctr"/>
+                </a:tc>
+              </a:tr>
+              <a:tr h="208362">
+                <a:tc>
+                  <a:txBody>
+                    <a:bodyPr/>
+                    <a:lstStyle/>
+                    <a:p>
+                      <a:pPr algn="l" fontAlgn="ctr"/>
+                      <a:r>
+                        <a:rPr lang="en-US" sz="1100" u="none" strike="noStrike">
+                          <a:effectLst/>
+                        </a:rPr>
+                        <a:t>CENSUS_TRACT</a:t>
+                      </a:r>
+                      <a:endParaRPr lang="en-US" sz="1100" b="0" i="0" u="none" strike="noStrike">
+                        <a:solidFill>
+                          <a:srgbClr val="000000"/>
+                        </a:solidFill>
+                        <a:effectLst/>
+                        <a:latin typeface="Calibri" panose="020F0502020204030204" pitchFamily="34" charset="0"/>
+                      </a:endParaRPr>
+                    </a:p>
+                  </a:txBody>
+                  <a:tcPr marL="9525" marR="9525" marT="9525" marB="0" anchor="ctr"/>
+                </a:tc>
+              </a:tr>
+              <a:tr h="208362">
+                <a:tc>
+                  <a:txBody>
+                    <a:bodyPr/>
+                    <a:lstStyle/>
+                    <a:p>
+                      <a:pPr algn="l" fontAlgn="ctr"/>
+                      <a:r>
+                        <a:rPr lang="en-US" sz="1100" u="none" strike="noStrike">
+                          <a:effectLst/>
+                        </a:rPr>
+                        <a:t>VOTING_PRECINCT</a:t>
+                      </a:r>
+                      <a:endParaRPr lang="en-US" sz="1100" b="0" i="0" u="none" strike="noStrike">
+                        <a:solidFill>
+                          <a:srgbClr val="000000"/>
+                        </a:solidFill>
+                        <a:effectLst/>
+                        <a:latin typeface="Calibri" panose="020F0502020204030204" pitchFamily="34" charset="0"/>
+                      </a:endParaRPr>
+                    </a:p>
+                  </a:txBody>
+                  <a:tcPr marL="9525" marR="9525" marT="9525" marB="0" anchor="ctr"/>
+                </a:tc>
+              </a:tr>
+              <a:tr h="208362">
+                <a:tc>
+                  <a:txBody>
+                    <a:bodyPr/>
+                    <a:lstStyle/>
+                    <a:p>
+                      <a:pPr algn="l" fontAlgn="ctr"/>
+                      <a:r>
+                        <a:rPr lang="en-US" sz="1100" u="none" strike="noStrike">
+                          <a:effectLst/>
+                        </a:rPr>
+                        <a:t>START_DATE</a:t>
+                      </a:r>
+                      <a:endParaRPr lang="en-US" sz="1100" b="0" i="0" u="none" strike="noStrike">
+                        <a:solidFill>
+                          <a:srgbClr val="000000"/>
+                        </a:solidFill>
+                        <a:effectLst/>
+                        <a:latin typeface="Calibri" panose="020F0502020204030204" pitchFamily="34" charset="0"/>
+                      </a:endParaRPr>
+                    </a:p>
+                  </a:txBody>
+                  <a:tcPr marL="9525" marR="9525" marT="9525" marB="0" anchor="ctr"/>
+                </a:tc>
+              </a:tr>
+              <a:tr h="208362">
+                <a:tc>
+                  <a:txBody>
+                    <a:bodyPr/>
+                    <a:lstStyle/>
+                    <a:p>
+                      <a:pPr algn="l" fontAlgn="ctr"/>
+                      <a:r>
+                        <a:rPr lang="en-US" sz="1100" u="none" strike="noStrike">
+                          <a:effectLst/>
+                        </a:rPr>
+                        <a:t>ESRI_OID</a:t>
+                      </a:r>
+                      <a:endParaRPr lang="en-US" sz="1100" b="0" i="0" u="none" strike="noStrike">
+                        <a:solidFill>
+                          <a:srgbClr val="000000"/>
+                        </a:solidFill>
+                        <a:effectLst/>
+                        <a:latin typeface="Calibri" panose="020F0502020204030204" pitchFamily="34" charset="0"/>
+                      </a:endParaRPr>
+                    </a:p>
+                  </a:txBody>
+                  <a:tcPr marL="9525" marR="9525" marT="9525" marB="0" anchor="ctr"/>
+                </a:tc>
+              </a:tr>
+              <a:tr h="208362">
+                <a:tc>
+                  <a:txBody>
+                    <a:bodyPr/>
+                    <a:lstStyle/>
+                    <a:p>
+                      <a:pPr algn="l" fontAlgn="ctr"/>
+                      <a:r>
+                        <a:rPr lang="en-US" sz="1100" u="none" strike="noStrike" dirty="0">
+                          <a:effectLst/>
+                        </a:rPr>
+                        <a:t>END_DATE</a:t>
+                      </a:r>
+                      <a:endParaRPr lang="en-US" sz="1100" b="0" i="0" u="none" strike="noStrike" dirty="0">
+                        <a:solidFill>
+                          <a:srgbClr val="000000"/>
+                        </a:solidFill>
+                        <a:effectLst/>
+                        <a:latin typeface="Calibri" panose="020F0502020204030204" pitchFamily="34" charset="0"/>
+                      </a:endParaRPr>
+                    </a:p>
+                  </a:txBody>
+                  <a:tcPr marL="9525" marR="9525" marT="9525" marB="0" anchor="ctr"/>
+                </a:tc>
+              </a:tr>
+            </a:tbl>
+          </a:graphicData>
+        </a:graphic>
+      </p:graphicFrame>
+      <p:sp>
+        <p:nvSpPr>
+          <p:cNvPr id="8" name="TextBox 7"/>
+          <p:cNvSpPr txBox="1"/>
+          <p:nvPr/>
+        </p:nvSpPr>
+        <p:spPr>
+          <a:xfrm>
+            <a:off x="1084217" y="1985554"/>
+            <a:ext cx="2821577" cy="369332"/>
+          </a:xfrm>
+          <a:prstGeom prst="rect">
+            <a:avLst/>
+          </a:prstGeom>
+          <a:noFill/>
+        </p:spPr>
+        <p:txBody>
+          <a:bodyPr wrap="square" rtlCol="0">
+            <a:spAutoFit/>
+          </a:bodyPr>
+          <a:lstStyle/>
+          <a:p>
+            <a:r>
+              <a:rPr lang="en-US" dirty="0" smtClean="0">
+                <a:latin typeface="Constantia" panose="02030602050306030303" pitchFamily="18" charset="0"/>
+              </a:rPr>
+              <a:t>Crime Data 2012-2014</a:t>
+            </a:r>
+            <a:endParaRPr lang="en-US" dirty="0">
+              <a:latin typeface="Constantia" panose="02030602050306030303" pitchFamily="18" charset="0"/>
+            </a:endParaRPr>
+          </a:p>
+        </p:txBody>
+      </p:sp>
+      <p:sp>
+        <p:nvSpPr>
+          <p:cNvPr id="9" name="TextBox 8"/>
+          <p:cNvSpPr txBox="1"/>
+          <p:nvPr/>
+        </p:nvSpPr>
+        <p:spPr>
+          <a:xfrm>
+            <a:off x="5826034" y="1985554"/>
+            <a:ext cx="2560320" cy="369332"/>
+          </a:xfrm>
+          <a:prstGeom prst="rect">
+            <a:avLst/>
+          </a:prstGeom>
+          <a:noFill/>
+        </p:spPr>
+        <p:txBody>
+          <a:bodyPr wrap="square" rtlCol="0">
+            <a:spAutoFit/>
+          </a:bodyPr>
+          <a:lstStyle/>
+          <a:p>
+            <a:r>
+              <a:rPr lang="en-US" dirty="0" smtClean="0">
+                <a:latin typeface="Constantia" panose="02030602050306030303" pitchFamily="18" charset="0"/>
+              </a:rPr>
+              <a:t>Employment 2012-2014</a:t>
+            </a:r>
+            <a:endParaRPr lang="en-US" dirty="0">
+              <a:latin typeface="Constantia" panose="02030602050306030303" pitchFamily="18" charset="0"/>
+            </a:endParaRPr>
+          </a:p>
+        </p:txBody>
+      </p:sp>
+      <p:sp>
+        <p:nvSpPr>
+          <p:cNvPr id="10" name="TextBox 9"/>
+          <p:cNvSpPr txBox="1"/>
+          <p:nvPr/>
+        </p:nvSpPr>
+        <p:spPr>
+          <a:xfrm>
+            <a:off x="9692640" y="1985554"/>
+            <a:ext cx="2499360" cy="369332"/>
+          </a:xfrm>
+          <a:prstGeom prst="rect">
+            <a:avLst/>
+          </a:prstGeom>
+          <a:noFill/>
+        </p:spPr>
+        <p:txBody>
+          <a:bodyPr wrap="square" rtlCol="0">
+            <a:spAutoFit/>
+          </a:bodyPr>
+          <a:lstStyle/>
+          <a:p>
+            <a:r>
+              <a:rPr lang="en-US" dirty="0" smtClean="0">
+                <a:latin typeface="Constantia" panose="02030602050306030303" pitchFamily="18" charset="0"/>
+              </a:rPr>
+              <a:t>Temperature 2012-2014</a:t>
+            </a:r>
+            <a:endParaRPr lang="en-US" dirty="0">
+              <a:latin typeface="Constantia" panose="02030602050306030303" pitchFamily="18" charset="0"/>
+            </a:endParaRPr>
+          </a:p>
+        </p:txBody>
+      </p:sp>
     </p:spTree>
     <p:extLst>
       <p:ext uri="{BB962C8B-B14F-4D97-AF65-F5344CB8AC3E}">
-        <p14:creationId xmlns:p14="http://schemas.microsoft.com/office/powerpoint/2010/main" val="1245156256"/>
+        <p14:creationId xmlns:p14="http://schemas.microsoft.com/office/powerpoint/2010/main" val="2228755907"/>
       </p:ext>
     </p:extLst>
   </p:cSld>
@@ -5122,7 +7307,7 @@
               <a:rPr lang="en-US" sz="2000" b="1" i="1" u="sng" dirty="0" smtClean="0">
                 <a:latin typeface="Constantia" panose="02030602050306030303" pitchFamily="18" charset="0"/>
               </a:rPr>
-              <a:t>CRIME INCIDENTS IN A SHIFT PER YEAR</a:t>
+              <a:t>DATA CLEANING AND EXPLORATION</a:t>
             </a:r>
             <a:endParaRPr lang="en-US" sz="2000" b="1" i="1" u="sng" dirty="0">
               <a:latin typeface="Constantia" panose="02030602050306030303" pitchFamily="18" charset="0"/>
@@ -5130,368 +7315,171 @@
           </a:p>
         </p:txBody>
       </p:sp>
-      <p:graphicFrame>
-        <p:nvGraphicFramePr>
-          <p:cNvPr id="4" name="Content Placeholder 3"/>
-          <p:cNvGraphicFramePr>
-            <a:graphicFrameLocks noGrp="1"/>
-          </p:cNvGraphicFramePr>
+      <p:sp>
+        <p:nvSpPr>
+          <p:cNvPr id="3" name="Content Placeholder 2"/>
+          <p:cNvSpPr>
+            <a:spLocks noGrp="1"/>
+          </p:cNvSpPr>
           <p:nvPr>
             <p:ph idx="1"/>
-            <p:extLst>
-              <p:ext uri="{D42A27DB-BD31-4B8C-83A1-F6EECF244321}">
-                <p14:modId xmlns:p14="http://schemas.microsoft.com/office/powerpoint/2010/main" val="2904908456"/>
-              </p:ext>
-            </p:extLst>
-          </p:nvPr>
-        </p:nvGraphicFramePr>
-        <p:xfrm>
-          <a:off x="838200" y="1825625"/>
-          <a:ext cx="10515600" cy="2236372"/>
-        </p:xfrm>
-        <a:graphic>
-          <a:graphicData uri="http://schemas.openxmlformats.org/drawingml/2006/table">
-            <a:tbl>
-              <a:tblPr firstRow="1" bandRow="1">
-                <a:tableStyleId>{5C22544A-7EE6-4342-B048-85BDC9FD1C3A}</a:tableStyleId>
-              </a:tblPr>
-              <a:tblGrid>
-                <a:gridCol w="2628900"/>
-                <a:gridCol w="2628900"/>
-                <a:gridCol w="2628900"/>
-                <a:gridCol w="2628900"/>
-              </a:tblGrid>
-              <a:tr h="333653">
-                <a:tc>
-                  <a:txBody>
-                    <a:bodyPr/>
-                    <a:lstStyle/>
-                    <a:p>
-                      <a:r>
-                        <a:rPr lang="en-US" dirty="0" smtClean="0"/>
-                        <a:t>SHIFT</a:t>
-                      </a:r>
-                      <a:endParaRPr lang="en-US" dirty="0"/>
-                    </a:p>
-                  </a:txBody>
-                  <a:tcPr/>
-                </a:tc>
-                <a:tc>
-                  <a:txBody>
-                    <a:bodyPr/>
-                    <a:lstStyle/>
-                    <a:p>
-                      <a:r>
-                        <a:rPr lang="en-US" dirty="0" smtClean="0"/>
-                        <a:t>2012</a:t>
-                      </a:r>
-                      <a:endParaRPr lang="en-US" dirty="0"/>
-                    </a:p>
-                  </a:txBody>
-                  <a:tcPr/>
-                </a:tc>
-                <a:tc>
-                  <a:txBody>
-                    <a:bodyPr/>
-                    <a:lstStyle/>
-                    <a:p>
-                      <a:r>
-                        <a:rPr lang="en-US" dirty="0" smtClean="0"/>
-                        <a:t>2013</a:t>
-                      </a:r>
-                      <a:endParaRPr lang="en-US" dirty="0"/>
-                    </a:p>
-                  </a:txBody>
-                  <a:tcPr/>
-                </a:tc>
-                <a:tc>
-                  <a:txBody>
-                    <a:bodyPr/>
-                    <a:lstStyle/>
-                    <a:p>
-                      <a:r>
-                        <a:rPr lang="en-US" dirty="0" smtClean="0"/>
-                        <a:t>2104</a:t>
-                      </a:r>
-                      <a:endParaRPr lang="en-US" dirty="0"/>
-                    </a:p>
-                  </a:txBody>
-                  <a:tcPr/>
-                </a:tc>
-              </a:tr>
-              <a:tr h="590452">
-                <a:tc>
-                  <a:txBody>
-                    <a:bodyPr/>
-                    <a:lstStyle/>
-                    <a:p>
-                      <a:r>
-                        <a:rPr lang="en-US" dirty="0" smtClean="0"/>
-                        <a:t>Evening</a:t>
-                      </a:r>
-                      <a:endParaRPr lang="en-US" dirty="0"/>
-                    </a:p>
-                  </a:txBody>
-                  <a:tcPr/>
-                </a:tc>
-                <a:tc>
-                  <a:txBody>
-                    <a:bodyPr/>
-                    <a:lstStyle/>
-                    <a:p>
-                      <a:r>
-                        <a:rPr lang="en-US" dirty="0" smtClean="0"/>
-                        <a:t>14686</a:t>
-                      </a:r>
-                    </a:p>
-                  </a:txBody>
-                  <a:tcPr/>
-                </a:tc>
-                <a:tc>
-                  <a:txBody>
-                    <a:bodyPr/>
-                    <a:lstStyle/>
-                    <a:p>
-                      <a:r>
-                        <a:rPr lang="en-US" dirty="0" smtClean="0"/>
-                        <a:t>15154</a:t>
-                      </a:r>
-                    </a:p>
-                  </a:txBody>
-                  <a:tcPr/>
-                </a:tc>
-                <a:tc>
-                  <a:txBody>
-                    <a:bodyPr/>
-                    <a:lstStyle/>
-                    <a:p>
-                      <a:r>
-                        <a:rPr lang="en-US" dirty="0" smtClean="0"/>
-                        <a:t>16279</a:t>
-                      </a:r>
-                    </a:p>
-                  </a:txBody>
-                  <a:tcPr/>
-                </a:tc>
-              </a:tr>
-              <a:tr h="575895">
-                <a:tc>
-                  <a:txBody>
-                    <a:bodyPr/>
-                    <a:lstStyle/>
-                    <a:p>
-                      <a:r>
-                        <a:rPr lang="en-US" dirty="0" smtClean="0"/>
-                        <a:t>Day</a:t>
-                      </a:r>
-                      <a:endParaRPr lang="en-US" dirty="0"/>
-                    </a:p>
-                  </a:txBody>
-                  <a:tcPr/>
-                </a:tc>
-                <a:tc>
-                  <a:txBody>
-                    <a:bodyPr/>
-                    <a:lstStyle/>
-                    <a:p>
-                      <a:pPr marL="0" marR="0" indent="0" algn="l" defTabSz="914400" rtl="0" eaLnBrk="1" fontAlgn="auto" latinLnBrk="0" hangingPunct="1">
-                        <a:lnSpc>
-                          <a:spcPct val="100000"/>
-                        </a:lnSpc>
-                        <a:spcBef>
-                          <a:spcPts val="0"/>
-                        </a:spcBef>
-                        <a:spcAft>
-                          <a:spcPts val="0"/>
-                        </a:spcAft>
-                        <a:buClrTx/>
-                        <a:buSzTx/>
-                        <a:buFontTx/>
-                        <a:buNone/>
-                        <a:tabLst/>
-                        <a:defRPr/>
-                      </a:pPr>
-                      <a:r>
-                        <a:rPr lang="en-US" dirty="0" smtClean="0"/>
-                        <a:t>14436</a:t>
-                      </a:r>
-                    </a:p>
-                    <a:p>
-                      <a:endParaRPr lang="en-US" dirty="0"/>
-                    </a:p>
-                  </a:txBody>
-                  <a:tcPr/>
-                </a:tc>
-                <a:tc>
-                  <a:txBody>
-                    <a:bodyPr/>
-                    <a:lstStyle/>
-                    <a:p>
-                      <a:r>
-                        <a:rPr lang="en-US" dirty="0" smtClean="0"/>
-                        <a:t>14092</a:t>
-                      </a:r>
-                    </a:p>
-                  </a:txBody>
-                  <a:tcPr/>
-                </a:tc>
-                <a:tc>
-                  <a:txBody>
-                    <a:bodyPr/>
-                    <a:lstStyle/>
-                    <a:p>
-                      <a:pPr marL="0" marR="0" indent="0" algn="l" defTabSz="914400" rtl="0" eaLnBrk="1" fontAlgn="auto" latinLnBrk="0" hangingPunct="1">
-                        <a:lnSpc>
-                          <a:spcPct val="100000"/>
-                        </a:lnSpc>
-                        <a:spcBef>
-                          <a:spcPts val="0"/>
-                        </a:spcBef>
-                        <a:spcAft>
-                          <a:spcPts val="0"/>
-                        </a:spcAft>
-                        <a:buClrTx/>
-                        <a:buSzTx/>
-                        <a:buFontTx/>
-                        <a:buNone/>
-                        <a:tabLst/>
-                        <a:defRPr/>
-                      </a:pPr>
-                      <a:r>
-                        <a:rPr lang="en-US" dirty="0" smtClean="0"/>
-                        <a:t>15248</a:t>
-                      </a:r>
-                    </a:p>
-                    <a:p>
-                      <a:endParaRPr lang="en-US" dirty="0"/>
-                    </a:p>
-                  </a:txBody>
-                  <a:tcPr/>
-                </a:tc>
-              </a:tr>
-              <a:tr h="575895">
-                <a:tc>
-                  <a:txBody>
-                    <a:bodyPr/>
-                    <a:lstStyle/>
-                    <a:p>
-                      <a:r>
-                        <a:rPr lang="en-US" dirty="0" smtClean="0"/>
-                        <a:t>Midnight</a:t>
-                      </a:r>
-                      <a:endParaRPr lang="en-US" dirty="0"/>
-                    </a:p>
-                  </a:txBody>
-                  <a:tcPr/>
-                </a:tc>
-                <a:tc>
-                  <a:txBody>
-                    <a:bodyPr/>
-                    <a:lstStyle/>
-                    <a:p>
-                      <a:pPr marL="0" marR="0" indent="0" algn="l" defTabSz="914400" rtl="0" eaLnBrk="1" fontAlgn="auto" latinLnBrk="0" hangingPunct="1">
-                        <a:lnSpc>
-                          <a:spcPct val="100000"/>
-                        </a:lnSpc>
-                        <a:spcBef>
-                          <a:spcPts val="0"/>
-                        </a:spcBef>
-                        <a:spcAft>
-                          <a:spcPts val="0"/>
-                        </a:spcAft>
-                        <a:buClrTx/>
-                        <a:buSzTx/>
-                        <a:buFontTx/>
-                        <a:buNone/>
-                        <a:tabLst/>
-                        <a:defRPr/>
-                      </a:pPr>
-                      <a:r>
-                        <a:rPr lang="en-US" dirty="0" smtClean="0"/>
-                        <a:t>6307</a:t>
-                      </a:r>
-                    </a:p>
-                    <a:p>
-                      <a:endParaRPr lang="en-US" dirty="0"/>
-                    </a:p>
-                  </a:txBody>
-                  <a:tcPr/>
-                </a:tc>
-                <a:tc>
-                  <a:txBody>
-                    <a:bodyPr/>
-                    <a:lstStyle/>
-                    <a:p>
-                      <a:pPr marL="0" marR="0" indent="0" algn="l" defTabSz="914400" rtl="0" eaLnBrk="1" fontAlgn="auto" latinLnBrk="0" hangingPunct="1">
-                        <a:lnSpc>
-                          <a:spcPct val="100000"/>
-                        </a:lnSpc>
-                        <a:spcBef>
-                          <a:spcPts val="0"/>
-                        </a:spcBef>
-                        <a:spcAft>
-                          <a:spcPts val="0"/>
-                        </a:spcAft>
-                        <a:buClrTx/>
-                        <a:buSzTx/>
-                        <a:buFontTx/>
-                        <a:buNone/>
-                        <a:tabLst/>
-                        <a:defRPr/>
-                      </a:pPr>
-                      <a:r>
-                        <a:rPr lang="en-US" dirty="0" smtClean="0"/>
-                        <a:t>6636</a:t>
-                      </a:r>
-                    </a:p>
-                    <a:p>
-                      <a:endParaRPr lang="en-US" dirty="0"/>
-                    </a:p>
-                  </a:txBody>
-                  <a:tcPr/>
-                </a:tc>
-                <a:tc>
-                  <a:txBody>
-                    <a:bodyPr/>
-                    <a:lstStyle/>
-                    <a:p>
-                      <a:pPr marL="0" marR="0" indent="0" algn="l" defTabSz="914400" rtl="0" eaLnBrk="1" fontAlgn="auto" latinLnBrk="0" hangingPunct="1">
-                        <a:lnSpc>
-                          <a:spcPct val="100000"/>
-                        </a:lnSpc>
-                        <a:spcBef>
-                          <a:spcPts val="0"/>
-                        </a:spcBef>
-                        <a:spcAft>
-                          <a:spcPts val="0"/>
-                        </a:spcAft>
-                        <a:buClrTx/>
-                        <a:buSzTx/>
-                        <a:buFontTx/>
-                        <a:buNone/>
-                        <a:tabLst/>
-                        <a:defRPr/>
-                      </a:pPr>
-                      <a:r>
-                        <a:rPr lang="en-US" dirty="0" smtClean="0"/>
-                        <a:t>6861</a:t>
-                      </a:r>
-                    </a:p>
-                    <a:p>
-                      <a:endParaRPr lang="en-US" dirty="0"/>
-                    </a:p>
-                  </a:txBody>
-                  <a:tcPr/>
-                </a:tc>
-              </a:tr>
-            </a:tbl>
-          </a:graphicData>
-        </a:graphic>
-      </p:graphicFrame>
+          </p:nvPr>
+        </p:nvSpPr>
+        <p:spPr/>
+        <p:txBody>
+          <a:bodyPr>
+            <a:normAutofit/>
+          </a:bodyPr>
+          <a:lstStyle/>
+          <a:p>
+            <a:r>
+              <a:rPr lang="en-US" sz="1600" dirty="0" smtClean="0">
+                <a:latin typeface="Constantia" panose="02030602050306030303" pitchFamily="18" charset="0"/>
+              </a:rPr>
+              <a:t>Imported the Crime Incidents </a:t>
+            </a:r>
+            <a:r>
+              <a:rPr lang="en-US" sz="1600" dirty="0" smtClean="0">
+                <a:latin typeface="Constantia" panose="02030602050306030303" pitchFamily="18" charset="0"/>
+              </a:rPr>
+              <a:t>data</a:t>
+            </a:r>
+          </a:p>
+          <a:p>
+            <a:r>
+              <a:rPr lang="en-US" sz="1600" dirty="0" smtClean="0">
+                <a:latin typeface="Constantia" panose="02030602050306030303" pitchFamily="18" charset="0"/>
+              </a:rPr>
+              <a:t>Since </a:t>
+            </a:r>
+            <a:r>
+              <a:rPr lang="en-US" sz="1600" dirty="0" smtClean="0">
+                <a:latin typeface="Constantia" panose="02030602050306030303" pitchFamily="18" charset="0"/>
+              </a:rPr>
+              <a:t>the date was in </a:t>
+            </a:r>
+            <a:r>
+              <a:rPr lang="en-US" sz="1600" dirty="0" smtClean="0">
+                <a:latin typeface="Constantia" panose="02030602050306030303" pitchFamily="18" charset="0"/>
+              </a:rPr>
+              <a:t>y/m/d/t, I </a:t>
+            </a:r>
+            <a:r>
+              <a:rPr lang="en-US" sz="1600" dirty="0" smtClean="0">
+                <a:latin typeface="Constantia" panose="02030602050306030303" pitchFamily="18" charset="0"/>
+              </a:rPr>
+              <a:t>split the column to just </a:t>
+            </a:r>
+            <a:r>
+              <a:rPr lang="en-US" sz="1600" dirty="0" smtClean="0">
+                <a:latin typeface="Constantia" panose="02030602050306030303" pitchFamily="18" charset="0"/>
+              </a:rPr>
+              <a:t>the year as well as m/d/y.</a:t>
+            </a:r>
+          </a:p>
+          <a:p>
+            <a:r>
+              <a:rPr lang="en-US" sz="1600" dirty="0" smtClean="0">
+                <a:latin typeface="Constantia" panose="02030602050306030303" pitchFamily="18" charset="0"/>
+              </a:rPr>
+              <a:t>I </a:t>
+            </a:r>
+            <a:r>
+              <a:rPr lang="en-US" sz="1600" dirty="0" smtClean="0">
+                <a:latin typeface="Constantia" panose="02030602050306030303" pitchFamily="18" charset="0"/>
+              </a:rPr>
+              <a:t>renamed the column that I know I want to work with.</a:t>
+            </a:r>
+          </a:p>
+          <a:p>
+            <a:r>
+              <a:rPr lang="en-US" sz="1600" dirty="0" smtClean="0">
+                <a:latin typeface="Constantia" panose="02030602050306030303" pitchFamily="18" charset="0"/>
+              </a:rPr>
+              <a:t>I combined the </a:t>
+            </a:r>
+            <a:r>
+              <a:rPr lang="en-US" sz="1600" dirty="0" err="1" smtClean="0">
+                <a:latin typeface="Constantia" panose="02030602050306030303" pitchFamily="18" charset="0"/>
+              </a:rPr>
+              <a:t>Crime_Incident</a:t>
+            </a:r>
+            <a:r>
+              <a:rPr lang="en-US" sz="1600" dirty="0" smtClean="0">
+                <a:latin typeface="Constantia" panose="02030602050306030303" pitchFamily="18" charset="0"/>
+              </a:rPr>
+              <a:t> 2012, 2013 and </a:t>
+            </a:r>
+            <a:r>
+              <a:rPr lang="en-US" sz="1600" dirty="0" smtClean="0">
+                <a:latin typeface="Constantia" panose="02030602050306030303" pitchFamily="18" charset="0"/>
+              </a:rPr>
+              <a:t>2014</a:t>
+            </a:r>
+          </a:p>
+          <a:p>
+            <a:r>
+              <a:rPr lang="en-US" sz="1600" dirty="0" smtClean="0">
+                <a:latin typeface="Constantia" panose="02030602050306030303" pitchFamily="18" charset="0"/>
+              </a:rPr>
+              <a:t>All 3 Employmen</a:t>
+            </a:r>
+            <a:r>
+              <a:rPr lang="en-US" sz="1600" dirty="0" smtClean="0">
+                <a:latin typeface="Constantia" panose="02030602050306030303" pitchFamily="18" charset="0"/>
+              </a:rPr>
+              <a:t>t data sets were combines</a:t>
+            </a:r>
+          </a:p>
+          <a:p>
+            <a:r>
+              <a:rPr lang="en-US" sz="1600" dirty="0" smtClean="0">
+                <a:latin typeface="Constantia" panose="02030602050306030303" pitchFamily="18" charset="0"/>
+              </a:rPr>
+              <a:t>Pulled the temperature data for 2012-2014, added a field that combined m/d/y</a:t>
+            </a:r>
+          </a:p>
+          <a:p>
+            <a:r>
+              <a:rPr lang="en-US" sz="1600" dirty="0" smtClean="0">
+                <a:latin typeface="Constantia" panose="02030602050306030303" pitchFamily="18" charset="0"/>
+              </a:rPr>
+              <a:t>I joined all fines on the m/d/y criteria and on the ward</a:t>
+            </a:r>
+            <a:endParaRPr lang="en-US" sz="1600" dirty="0" smtClean="0">
+              <a:latin typeface="Constantia" panose="02030602050306030303" pitchFamily="18" charset="0"/>
+            </a:endParaRPr>
+          </a:p>
+          <a:p>
+            <a:r>
+              <a:rPr lang="en-US" sz="1600" dirty="0" smtClean="0">
+                <a:latin typeface="Constantia" panose="02030602050306030303" pitchFamily="18" charset="0"/>
+              </a:rPr>
+              <a:t>Surprisingly Ward 4 had an increase over 700 crime incidents from 2012 to 2014, while Ward 8 crime incidents went down</a:t>
+            </a:r>
+          </a:p>
+          <a:p>
+            <a:r>
+              <a:rPr lang="en-US" sz="1600" dirty="0" smtClean="0">
+                <a:latin typeface="Constantia" panose="02030602050306030303" pitchFamily="18" charset="0"/>
+              </a:rPr>
+              <a:t>It appears that the evening shift has a higher crime rate, you can also see that the crime rate increased from 2012 to 2014 </a:t>
+            </a:r>
+          </a:p>
+          <a:p>
+            <a:pPr marL="0" indent="0">
+              <a:buNone/>
+            </a:pPr>
+            <a:endParaRPr lang="en-US" sz="1600" dirty="0" smtClean="0">
+              <a:latin typeface="Constantia" panose="02030602050306030303" pitchFamily="18" charset="0"/>
+            </a:endParaRPr>
+          </a:p>
+        </p:txBody>
+      </p:sp>
     </p:spTree>
     <p:extLst>
       <p:ext uri="{BB962C8B-B14F-4D97-AF65-F5344CB8AC3E}">
-        <p14:creationId xmlns:p14="http://schemas.microsoft.com/office/powerpoint/2010/main" val="2788804694"/>
+        <p14:creationId xmlns:p14="http://schemas.microsoft.com/office/powerpoint/2010/main" val="3975789529"/>
       </p:ext>
     </p:extLst>
   </p:cSld>
@@ -5535,12 +7523,7 @@
             <p:ph type="title"/>
           </p:nvPr>
         </p:nvSpPr>
-        <p:spPr>
-          <a:xfrm>
-            <a:off x="838200" y="365125"/>
-            <a:ext cx="10515600" cy="746223"/>
-          </a:xfrm>
-        </p:spPr>
+        <p:spPr/>
         <p:txBody>
           <a:bodyPr>
             <a:normAutofit/>
@@ -5551,7 +7534,7 @@
               <a:rPr lang="en-US" sz="2000" b="1" i="1" u="sng" dirty="0" smtClean="0">
                 <a:latin typeface="Constantia" panose="02030602050306030303" pitchFamily="18" charset="0"/>
               </a:rPr>
-              <a:t>Crime Offenses in a Year</a:t>
+              <a:t>CRIME INCIDENTS BY WARD PER YEAR</a:t>
             </a:r>
             <a:endParaRPr lang="en-US" sz="2000" b="1" i="1" u="sng" dirty="0">
               <a:latin typeface="Constantia" panose="02030602050306030303" pitchFamily="18" charset="0"/>
@@ -5561,7 +7544,7 @@
       </p:sp>
       <p:graphicFrame>
         <p:nvGraphicFramePr>
-          <p:cNvPr id="4" name="Content Placeholder 3"/>
+          <p:cNvPr id="6" name="Content Placeholder 5"/>
           <p:cNvGraphicFramePr>
             <a:graphicFrameLocks noGrp="1"/>
           </p:cNvGraphicFramePr>
@@ -5569,14 +7552,14 @@
             <p:ph idx="1"/>
             <p:extLst>
               <p:ext uri="{D42A27DB-BD31-4B8C-83A1-F6EECF244321}">
-                <p14:modId xmlns:p14="http://schemas.microsoft.com/office/powerpoint/2010/main" val="609437837"/>
+                <p14:modId xmlns:p14="http://schemas.microsoft.com/office/powerpoint/2010/main" val="1138181867"/>
               </p:ext>
             </p:extLst>
           </p:nvPr>
         </p:nvGraphicFramePr>
         <p:xfrm>
-          <a:off x="838200" y="1012873"/>
-          <a:ext cx="10515600" cy="5303520"/>
+          <a:off x="838200" y="1221849"/>
+          <a:ext cx="9130048" cy="5486400"/>
         </p:xfrm>
         <a:graphic>
           <a:graphicData uri="http://schemas.openxmlformats.org/drawingml/2006/table">
@@ -5585,78 +7568,105 @@
                 <a:tableStyleId>{5C22544A-7EE6-4342-B048-85BDC9FD1C3A}</a:tableStyleId>
               </a:tblPr>
               <a:tblGrid>
-                <a:gridCol w="2763129"/>
-                <a:gridCol w="2494671"/>
-                <a:gridCol w="2628900"/>
-                <a:gridCol w="2628900"/>
+                <a:gridCol w="2282512"/>
+                <a:gridCol w="2282512"/>
+                <a:gridCol w="2282512"/>
+                <a:gridCol w="2282512"/>
               </a:tblGrid>
-              <a:tr h="327953">
-                <a:tc>
-                  <a:txBody>
-                    <a:bodyPr/>
-                    <a:lstStyle/>
-                    <a:p>
-                      <a:r>
-                        <a:rPr lang="en-US" sz="1600" dirty="0" smtClean="0"/>
-                        <a:t>OFFENSE</a:t>
-                      </a:r>
-                      <a:endParaRPr lang="en-US" sz="1600" dirty="0"/>
-                    </a:p>
-                  </a:txBody>
-                  <a:tcPr/>
-                </a:tc>
-                <a:tc>
-                  <a:txBody>
-                    <a:bodyPr/>
-                    <a:lstStyle/>
-                    <a:p>
-                      <a:r>
-                        <a:rPr lang="en-US" sz="1600" dirty="0" smtClean="0"/>
+              <a:tr h="286862">
+                <a:tc>
+                  <a:txBody>
+                    <a:bodyPr/>
+                    <a:lstStyle/>
+                    <a:p>
+                      <a:r>
+                        <a:rPr lang="en-US" dirty="0" smtClean="0"/>
+                        <a:t>WARD</a:t>
+                      </a:r>
+                      <a:endParaRPr lang="en-US" dirty="0"/>
+                    </a:p>
+                  </a:txBody>
+                  <a:tcPr/>
+                </a:tc>
+                <a:tc>
+                  <a:txBody>
+                    <a:bodyPr/>
+                    <a:lstStyle/>
+                    <a:p>
+                      <a:r>
+                        <a:rPr lang="en-US" dirty="0" smtClean="0"/>
                         <a:t>2012</a:t>
                       </a:r>
-                      <a:endParaRPr lang="en-US" sz="1600" dirty="0"/>
-                    </a:p>
-                  </a:txBody>
-                  <a:tcPr/>
-                </a:tc>
-                <a:tc>
-                  <a:txBody>
-                    <a:bodyPr/>
-                    <a:lstStyle/>
-                    <a:p>
-                      <a:r>
-                        <a:rPr lang="en-US" sz="1600" dirty="0" smtClean="0"/>
+                      <a:endParaRPr lang="en-US" dirty="0"/>
+                    </a:p>
+                  </a:txBody>
+                  <a:tcPr/>
+                </a:tc>
+                <a:tc>
+                  <a:txBody>
+                    <a:bodyPr/>
+                    <a:lstStyle/>
+                    <a:p>
+                      <a:r>
+                        <a:rPr lang="en-US" dirty="0" smtClean="0"/>
                         <a:t>2013</a:t>
                       </a:r>
-                      <a:endParaRPr lang="en-US" sz="1600" dirty="0"/>
-                    </a:p>
-                  </a:txBody>
-                  <a:tcPr/>
-                </a:tc>
-                <a:tc>
-                  <a:txBody>
-                    <a:bodyPr/>
-                    <a:lstStyle/>
-                    <a:p>
-                      <a:r>
-                        <a:rPr lang="en-US" sz="1600" dirty="0" smtClean="0"/>
+                      <a:endParaRPr lang="en-US" dirty="0"/>
+                    </a:p>
+                  </a:txBody>
+                  <a:tcPr/>
+                </a:tc>
+                <a:tc>
+                  <a:txBody>
+                    <a:bodyPr/>
+                    <a:lstStyle/>
+                    <a:p>
+                      <a:r>
+                        <a:rPr lang="en-US" dirty="0" smtClean="0"/>
                         <a:t>2014</a:t>
                       </a:r>
-                      <a:endParaRPr lang="en-US" sz="1600" dirty="0"/>
+                      <a:endParaRPr lang="en-US" dirty="0"/>
                     </a:p>
                   </a:txBody>
                   <a:tcPr/>
                 </a:tc>
               </a:tr>
-              <a:tr h="573918">
-                <a:tc>
-                  <a:txBody>
-                    <a:bodyPr/>
-                    <a:lstStyle/>
-                    <a:p>
-                      <a:r>
-                        <a:rPr lang="en-US" sz="1600" dirty="0" smtClean="0"/>
-                        <a:t>THEFT/OTHER</a:t>
+              <a:tr h="502009">
+                <a:tc>
+                  <a:txBody>
+                    <a:bodyPr/>
+                    <a:lstStyle/>
+                    <a:p>
+                      <a:r>
+                        <a:rPr lang="en-US" dirty="0" smtClean="0"/>
+                        <a:t>1</a:t>
+                      </a:r>
+                      <a:endParaRPr lang="en-US" dirty="0"/>
+                    </a:p>
+                  </a:txBody>
+                  <a:tcPr/>
+                </a:tc>
+                <a:tc>
+                  <a:txBody>
+                    <a:bodyPr/>
+                    <a:lstStyle/>
+                    <a:p>
+                      <a:r>
+                        <a:rPr lang="en-US" dirty="0" smtClean="0"/>
+                        <a:t>5058</a:t>
+                      </a:r>
+                    </a:p>
+                  </a:txBody>
+                  <a:tcPr/>
+                </a:tc>
+                <a:tc>
+                  <a:txBody>
+                    <a:bodyPr/>
+                    <a:lstStyle/>
+                    <a:p>
+                      <a:r>
+                        <a:rPr lang="en-US" dirty="0" smtClean="0"/>
+                        <a:t> 5407</a:t>
                       </a:r>
                     </a:p>
                   </a:txBody>
@@ -5685,67 +7695,42 @@
                         <a:defRPr/>
                       </a:pPr>
                       <a:r>
-                        <a:rPr lang="en-US" sz="1600" dirty="0" smtClean="0"/>
-                        <a:t>12480</a:t>
-                      </a:r>
-                    </a:p>
-                    <a:p>
-                      <a:endParaRPr lang="en-US" sz="1600" dirty="0"/>
-                    </a:p>
-                  </a:txBody>
-                  <a:tcPr/>
-                </a:tc>
-                <a:tc>
-                  <a:txBody>
-                    <a:bodyPr/>
-                    <a:lstStyle/>
-                    <a:p>
-                      <a:r>
-                        <a:rPr lang="en-US" sz="1600" dirty="0" smtClean="0"/>
-                        <a:t>12888</a:t>
-                      </a:r>
-                    </a:p>
-                  </a:txBody>
-                  <a:tcPr/>
-                </a:tc>
-                <a:tc>
-                  <a:txBody>
-                    <a:bodyPr/>
-                    <a:lstStyle/>
-                    <a:p>
-                      <a:r>
-                        <a:rPr lang="en-US" sz="1600" dirty="0" smtClean="0"/>
-                        <a:t>14628</a:t>
-                      </a:r>
+                        <a:rPr lang="en-US" dirty="0" smtClean="0"/>
+                        <a:t>5408</a:t>
+                      </a:r>
+                    </a:p>
+                    <a:p>
+                      <a:endParaRPr lang="en-US" dirty="0"/>
                     </a:p>
                   </a:txBody>
                   <a:tcPr/>
                 </a:tc>
               </a:tr>
-              <a:tr h="573918">
-                <a:tc>
-                  <a:txBody>
-                    <a:bodyPr/>
-                    <a:lstStyle/>
-                    <a:p>
-                      <a:r>
-                        <a:rPr lang="en-US" sz="1600" dirty="0" smtClean="0"/>
-                        <a:t> THEFT F/AUTO</a:t>
-                      </a:r>
-                      <a:endParaRPr lang="en-US" sz="1600" dirty="0"/>
-                    </a:p>
-                  </a:txBody>
-                  <a:tcPr/>
-                </a:tc>
-                <a:tc>
-                  <a:txBody>
-                    <a:bodyPr/>
-                    <a:lstStyle/>
-                    <a:p>
-                      <a:r>
-                        <a:rPr lang="en-US" sz="1600" dirty="0" smtClean="0"/>
-                        <a:t>9463</a:t>
-                      </a:r>
+              <a:tr h="502009">
+                <a:tc>
+                  <a:txBody>
+                    <a:bodyPr/>
+                    <a:lstStyle/>
+                    <a:p>
+                      <a:r>
+                        <a:rPr lang="en-US" dirty="0" smtClean="0"/>
+                        <a:t>2</a:t>
+                      </a:r>
+                      <a:endParaRPr lang="en-US" dirty="0"/>
+                    </a:p>
+                  </a:txBody>
+                  <a:tcPr/>
+                </a:tc>
+                <a:tc>
+                  <a:txBody>
+                    <a:bodyPr/>
+                    <a:lstStyle/>
+                    <a:p>
+                      <a:r>
+                        <a:rPr lang="en-US" dirty="0" smtClean="0"/>
+                        <a:t>6537</a:t>
+                      </a:r>
+                      <a:endParaRPr lang="en-US" dirty="0"/>
                     </a:p>
                   </a:txBody>
                   <a:tcPr/>
@@ -5773,41 +7758,41 @@
                         <a:defRPr/>
                       </a:pPr>
                       <a:r>
-                        <a:rPr lang="en-US" sz="1600" dirty="0" smtClean="0"/>
-                        <a:t>10131</a:t>
-                      </a:r>
-                    </a:p>
-                    <a:p>
-                      <a:endParaRPr lang="en-US" sz="1600" dirty="0"/>
-                    </a:p>
-                  </a:txBody>
-                  <a:tcPr/>
-                </a:tc>
-                <a:tc>
-                  <a:txBody>
-                    <a:bodyPr/>
-                    <a:lstStyle/>
-                    <a:p>
-                      <a:r>
-                        <a:rPr lang="en-US" sz="1600" dirty="0" smtClean="0"/>
-                        <a:t>11285</a:t>
+                        <a:rPr lang="en-US" dirty="0" smtClean="0"/>
+                        <a:t>5950</a:t>
+                      </a:r>
+                    </a:p>
+                    <a:p>
+                      <a:endParaRPr lang="en-US" dirty="0"/>
+                    </a:p>
+                  </a:txBody>
+                  <a:tcPr/>
+                </a:tc>
+                <a:tc>
+                  <a:txBody>
+                    <a:bodyPr/>
+                    <a:lstStyle/>
+                    <a:p>
+                      <a:r>
+                        <a:rPr lang="en-US" dirty="0" smtClean="0"/>
+                        <a:t>6775</a:t>
                       </a:r>
                     </a:p>
                   </a:txBody>
                   <a:tcPr/>
                 </a:tc>
               </a:tr>
-              <a:tr h="573918">
-                <a:tc>
-                  <a:txBody>
-                    <a:bodyPr/>
-                    <a:lstStyle/>
-                    <a:p>
-                      <a:r>
-                        <a:rPr lang="en-US" sz="1600" dirty="0" smtClean="0"/>
-                        <a:t> ROBBERY </a:t>
-                      </a:r>
-                      <a:endParaRPr lang="en-US" sz="1600" dirty="0"/>
+              <a:tr h="502009">
+                <a:tc>
+                  <a:txBody>
+                    <a:bodyPr/>
+                    <a:lstStyle/>
+                    <a:p>
+                      <a:r>
+                        <a:rPr lang="en-US" dirty="0" smtClean="0"/>
+                        <a:t>3</a:t>
+                      </a:r>
+                      <a:endParaRPr lang="en-US" dirty="0"/>
                     </a:p>
                   </a:txBody>
                   <a:tcPr/>
@@ -5835,8 +7820,8 @@
                         <a:defRPr/>
                       </a:pPr>
                       <a:r>
-                        <a:rPr lang="en-US" sz="1600" dirty="0" smtClean="0"/>
-                        <a:t>4268</a:t>
+                        <a:rPr lang="en-US" dirty="0" smtClean="0"/>
+                        <a:t>1781</a:t>
                       </a:r>
                     </a:p>
                   </a:txBody>
@@ -5865,41 +7850,41 @@
                         <a:defRPr/>
                       </a:pPr>
                       <a:r>
-                        <a:rPr lang="en-US" sz="1600" dirty="0" smtClean="0"/>
-                        <a:t>4071</a:t>
-                      </a:r>
-                    </a:p>
-                    <a:p>
-                      <a:endParaRPr lang="en-US" sz="1600" dirty="0"/>
-                    </a:p>
-                  </a:txBody>
-                  <a:tcPr/>
-                </a:tc>
-                <a:tc>
-                  <a:txBody>
-                    <a:bodyPr/>
-                    <a:lstStyle/>
-                    <a:p>
-                      <a:r>
-                        <a:rPr lang="en-US" sz="1600" dirty="0" smtClean="0"/>
-                        <a:t>3333</a:t>
+                        <a:rPr lang="en-US" dirty="0" smtClean="0"/>
+                        <a:t>1934</a:t>
+                      </a:r>
+                    </a:p>
+                    <a:p>
+                      <a:endParaRPr lang="en-US" dirty="0"/>
+                    </a:p>
+                  </a:txBody>
+                  <a:tcPr/>
+                </a:tc>
+                <a:tc>
+                  <a:txBody>
+                    <a:bodyPr/>
+                    <a:lstStyle/>
+                    <a:p>
+                      <a:r>
+                        <a:rPr lang="en-US" dirty="0" smtClean="0"/>
+                        <a:t>1824</a:t>
                       </a:r>
                     </a:p>
                   </a:txBody>
                   <a:tcPr/>
                 </a:tc>
               </a:tr>
-              <a:tr h="471269">
-                <a:tc>
-                  <a:txBody>
-                    <a:bodyPr/>
-                    <a:lstStyle/>
-                    <a:p>
-                      <a:r>
-                        <a:rPr lang="en-US" sz="1600" dirty="0" smtClean="0"/>
-                        <a:t>BURGLARY </a:t>
-                      </a:r>
-                      <a:endParaRPr lang="en-US" sz="1600" dirty="0"/>
+              <a:tr h="502009">
+                <a:tc>
+                  <a:txBody>
+                    <a:bodyPr/>
+                    <a:lstStyle/>
+                    <a:p>
+                      <a:r>
+                        <a:rPr lang="en-US" dirty="0" smtClean="0"/>
+                        <a:t>4</a:t>
+                      </a:r>
+                      <a:endParaRPr lang="en-US" dirty="0"/>
                     </a:p>
                   </a:txBody>
                   <a:tcPr/>
@@ -5927,9 +7912,23 @@
                         <a:defRPr/>
                       </a:pPr>
                       <a:r>
-                        <a:rPr lang="en-US" sz="1600" dirty="0" smtClean="0"/>
-                        <a:t>3680</a:t>
-                      </a:r>
+                        <a:rPr lang="en-US" dirty="0" smtClean="0"/>
+                        <a:t>3001</a:t>
+                      </a:r>
+                    </a:p>
+                  </a:txBody>
+                  <a:tcPr/>
+                </a:tc>
+                <a:tc>
+                  <a:txBody>
+                    <a:bodyPr/>
+                    <a:lstStyle/>
+                    <a:p>
+                      <a:r>
+                        <a:rPr lang="en-US" dirty="0" smtClean="0"/>
+                        <a:t>3262</a:t>
+                      </a:r>
+                      <a:endParaRPr lang="en-US" dirty="0"/>
                     </a:p>
                   </a:txBody>
                   <a:tcPr/>
@@ -5957,12 +7956,28 @@
                         <a:defRPr/>
                       </a:pPr>
                       <a:r>
-                        <a:rPr lang="en-US" sz="1600" dirty="0" smtClean="0"/>
-                        <a:t>3369</a:t>
-                      </a:r>
-                    </a:p>
-                    <a:p>
-                      <a:endParaRPr lang="en-US" sz="1600" dirty="0"/>
+                        <a:rPr lang="en-US" dirty="0" smtClean="0"/>
+                        <a:t>3796</a:t>
+                      </a:r>
+                    </a:p>
+                    <a:p>
+                      <a:endParaRPr lang="en-US" dirty="0"/>
+                    </a:p>
+                  </a:txBody>
+                  <a:tcPr/>
+                </a:tc>
+              </a:tr>
+              <a:tr h="502009">
+                <a:tc>
+                  <a:txBody>
+                    <a:bodyPr/>
+                    <a:lstStyle/>
+                    <a:p>
+                      <a:r>
+                        <a:rPr lang="en-US" dirty="0" smtClean="0"/>
+                        <a:t>5</a:t>
+                      </a:r>
+                      <a:endParaRPr lang="en-US" dirty="0"/>
                     </a:p>
                   </a:txBody>
                   <a:tcPr/>
@@ -5990,42 +8005,9 @@
                         <a:defRPr/>
                       </a:pPr>
                       <a:r>
-                        <a:rPr lang="en-US" sz="1600" dirty="0" smtClean="0"/>
-                        <a:t>3184</a:t>
-                      </a:r>
-                    </a:p>
-                    <a:p>
-                      <a:endParaRPr lang="en-US" sz="1600" dirty="0"/>
-                    </a:p>
-                  </a:txBody>
-                  <a:tcPr/>
-                </a:tc>
-              </a:tr>
-              <a:tr h="573918">
-                <a:tc>
-                  <a:txBody>
-                    <a:bodyPr/>
-                    <a:lstStyle/>
-                    <a:p>
-                      <a:r>
-                        <a:rPr lang="en-US" sz="1600" dirty="0" smtClean="0"/>
-                        <a:t>MOTOR VEHICLE THEFT </a:t>
-                      </a:r>
-                      <a:endParaRPr lang="en-US" sz="1600" dirty="0"/>
-                    </a:p>
-                  </a:txBody>
-                  <a:tcPr/>
-                </a:tc>
-                <a:tc>
-                  <a:txBody>
-                    <a:bodyPr/>
-                    <a:lstStyle/>
-                    <a:p>
-                      <a:r>
-                        <a:rPr lang="en-US" sz="1600" dirty="0" smtClean="0"/>
-                        <a:t>2863</a:t>
-                      </a:r>
-                      <a:endParaRPr lang="en-US" sz="1600" dirty="0"/>
+                        <a:rPr lang="en-US" dirty="0" smtClean="0"/>
+                        <a:t>4795</a:t>
+                      </a:r>
                     </a:p>
                   </a:txBody>
                   <a:tcPr/>
@@ -6053,12 +8035,12 @@
                         <a:defRPr/>
                       </a:pPr>
                       <a:r>
-                        <a:rPr lang="en-US" sz="1600" dirty="0" smtClean="0"/>
-                        <a:t>2675</a:t>
-                      </a:r>
-                    </a:p>
-                    <a:p>
-                      <a:endParaRPr lang="en-US" sz="1600" dirty="0"/>
+                        <a:rPr lang="en-US" dirty="0" smtClean="0"/>
+                        <a:t>4611</a:t>
+                      </a:r>
+                    </a:p>
+                    <a:p>
+                      <a:endParaRPr lang="en-US" dirty="0"/>
                     </a:p>
                   </a:txBody>
                   <a:tcPr/>
@@ -6086,42 +8068,28 @@
                         <a:defRPr/>
                       </a:pPr>
                       <a:r>
-                        <a:rPr lang="en-US" sz="1600" dirty="0" smtClean="0"/>
-                        <a:t>3119</a:t>
-                      </a:r>
-                    </a:p>
-                    <a:p>
-                      <a:endParaRPr lang="en-US" sz="1600" dirty="0"/>
+                        <a:rPr lang="en-US" dirty="0" smtClean="0"/>
+                        <a:t>5379</a:t>
+                      </a:r>
+                    </a:p>
+                    <a:p>
+                      <a:endParaRPr lang="en-US" dirty="0"/>
                     </a:p>
                   </a:txBody>
                   <a:tcPr/>
                 </a:tc>
               </a:tr>
-              <a:tr h="573918">
-                <a:tc>
-                  <a:txBody>
-                    <a:bodyPr/>
-                    <a:lstStyle/>
-                    <a:p>
-                      <a:r>
-                        <a:rPr lang="en-US" sz="1600" dirty="0" smtClean="0"/>
-                        <a:t>ASSAULT W/DANGEROUS WEAPON </a:t>
-                      </a:r>
-                      <a:endParaRPr lang="en-US" sz="1600" dirty="0"/>
-                    </a:p>
-                  </a:txBody>
-                  <a:tcPr/>
-                </a:tc>
-                <a:tc>
-                  <a:txBody>
-                    <a:bodyPr/>
-                    <a:lstStyle/>
-                    <a:p>
-                      <a:r>
-                        <a:rPr lang="en-US" sz="1600" dirty="0" smtClean="0"/>
-                        <a:t>2295</a:t>
-                      </a:r>
-                      <a:endParaRPr lang="en-US" sz="1600" dirty="0"/>
+              <a:tr h="502009">
+                <a:tc>
+                  <a:txBody>
+                    <a:bodyPr/>
+                    <a:lstStyle/>
+                    <a:p>
+                      <a:r>
+                        <a:rPr lang="en-US" dirty="0" smtClean="0"/>
+                        <a:t>6</a:t>
+                      </a:r>
+                      <a:endParaRPr lang="en-US" dirty="0"/>
                     </a:p>
                   </a:txBody>
                   <a:tcPr/>
@@ -6149,8 +8117,21 @@
                         <a:defRPr/>
                       </a:pPr>
                       <a:r>
-                        <a:rPr lang="en-US" sz="1600" dirty="0" smtClean="0"/>
-                        <a:t>2310</a:t>
+                        <a:rPr lang="en-US" dirty="0" smtClean="0"/>
+                        <a:t>5512</a:t>
+                      </a:r>
+                    </a:p>
+                  </a:txBody>
+                  <a:tcPr/>
+                </a:tc>
+                <a:tc>
+                  <a:txBody>
+                    <a:bodyPr/>
+                    <a:lstStyle/>
+                    <a:p>
+                      <a:r>
+                        <a:rPr lang="en-US" dirty="0" smtClean="0"/>
+                        <a:t>5669</a:t>
                       </a:r>
                     </a:p>
                   </a:txBody>
@@ -6179,55 +8160,55 @@
                         <a:defRPr/>
                       </a:pPr>
                       <a:r>
-                        <a:rPr lang="en-US" sz="1600" dirty="0" smtClean="0"/>
-                        <a:t>2398</a:t>
-                      </a:r>
-                    </a:p>
-                    <a:p>
-                      <a:endParaRPr lang="en-US" sz="1600" dirty="0"/>
+                        <a:rPr lang="en-US" dirty="0" smtClean="0"/>
+                        <a:t>6023</a:t>
+                      </a:r>
+                    </a:p>
+                    <a:p>
+                      <a:endParaRPr lang="en-US" dirty="0"/>
                     </a:p>
                   </a:txBody>
                   <a:tcPr/>
                 </a:tc>
               </a:tr>
-              <a:tr h="573918">
-                <a:tc>
-                  <a:txBody>
-                    <a:bodyPr/>
-                    <a:lstStyle/>
-                    <a:p>
-                      <a:r>
-                        <a:rPr lang="en-US" sz="1600" dirty="0" smtClean="0"/>
-                        <a:t>SEX ABUSE</a:t>
-                      </a:r>
-                      <a:endParaRPr lang="en-US" sz="1600" dirty="0"/>
-                    </a:p>
-                  </a:txBody>
-                  <a:tcPr/>
-                </a:tc>
-                <a:tc>
-                  <a:txBody>
-                    <a:bodyPr/>
-                    <a:lstStyle/>
-                    <a:p>
-                      <a:r>
-                        <a:rPr lang="en-US" sz="1600" dirty="0" smtClean="0"/>
-                        <a:t>257</a:t>
-                      </a:r>
-                      <a:endParaRPr lang="en-US" sz="1600" dirty="0"/>
-                    </a:p>
-                  </a:txBody>
-                  <a:tcPr/>
-                </a:tc>
-                <a:tc>
-                  <a:txBody>
-                    <a:bodyPr/>
-                    <a:lstStyle/>
-                    <a:p>
-                      <a:r>
-                        <a:rPr lang="en-US" sz="1600" dirty="0" smtClean="0"/>
-                        <a:t>299</a:t>
-                      </a:r>
+              <a:tr h="502009">
+                <a:tc>
+                  <a:txBody>
+                    <a:bodyPr/>
+                    <a:lstStyle/>
+                    <a:p>
+                      <a:r>
+                        <a:rPr lang="en-US" dirty="0" smtClean="0"/>
+                        <a:t>7</a:t>
+                      </a:r>
+                      <a:endParaRPr lang="en-US" dirty="0"/>
+                    </a:p>
+                  </a:txBody>
+                  <a:tcPr/>
+                </a:tc>
+                <a:tc>
+                  <a:txBody>
+                    <a:bodyPr/>
+                    <a:lstStyle/>
+                    <a:p>
+                      <a:r>
+                        <a:rPr lang="en-US" dirty="0" smtClean="0"/>
+                        <a:t>4344</a:t>
+                      </a:r>
+                    </a:p>
+                  </a:txBody>
+                  <a:tcPr/>
+                </a:tc>
+                <a:tc>
+                  <a:txBody>
+                    <a:bodyPr/>
+                    <a:lstStyle/>
+                    <a:p>
+                      <a:r>
+                        <a:rPr lang="en-US" dirty="0" smtClean="0"/>
+                        <a:t>4613</a:t>
+                      </a:r>
+                      <a:endParaRPr lang="en-US" dirty="0"/>
                     </a:p>
                   </a:txBody>
                   <a:tcPr/>
@@ -6255,42 +8236,28 @@
                         <a:defRPr/>
                       </a:pPr>
                       <a:r>
-                        <a:rPr lang="en-US" sz="1600" dirty="0" smtClean="0"/>
-                        <a:t>309</a:t>
-                      </a:r>
-                    </a:p>
-                    <a:p>
-                      <a:endParaRPr lang="en-US" sz="1600" dirty="0"/>
+                        <a:rPr lang="en-US" dirty="0" smtClean="0"/>
+                        <a:t>5108</a:t>
+                      </a:r>
+                    </a:p>
+                    <a:p>
+                      <a:endParaRPr lang="en-US" dirty="0"/>
                     </a:p>
                   </a:txBody>
                   <a:tcPr/>
                 </a:tc>
               </a:tr>
-              <a:tr h="573918">
-                <a:tc>
-                  <a:txBody>
-                    <a:bodyPr/>
-                    <a:lstStyle/>
-                    <a:p>
-                      <a:r>
-                        <a:rPr lang="en-US" sz="1600" dirty="0" smtClean="0"/>
-                        <a:t>HOMICIDE</a:t>
-                      </a:r>
-                      <a:endParaRPr lang="en-US" sz="1600" dirty="0"/>
-                    </a:p>
-                  </a:txBody>
-                  <a:tcPr/>
-                </a:tc>
-                <a:tc>
-                  <a:txBody>
-                    <a:bodyPr/>
-                    <a:lstStyle/>
-                    <a:p>
-                      <a:r>
-                        <a:rPr lang="en-US" sz="1600" dirty="0" smtClean="0"/>
-                        <a:t>88</a:t>
-                      </a:r>
-                      <a:endParaRPr lang="en-US" sz="1600" dirty="0"/>
+              <a:tr h="0">
+                <a:tc>
+                  <a:txBody>
+                    <a:bodyPr/>
+                    <a:lstStyle/>
+                    <a:p>
+                      <a:r>
+                        <a:rPr lang="en-US" dirty="0" smtClean="0"/>
+                        <a:t>8</a:t>
+                      </a:r>
+                      <a:endParaRPr lang="en-US" dirty="0"/>
                     </a:p>
                   </a:txBody>
                   <a:tcPr/>
@@ -6318,12 +8285,12 @@
                         <a:defRPr/>
                       </a:pPr>
                       <a:r>
-                        <a:rPr lang="en-US" sz="1600" dirty="0" smtClean="0"/>
-                        <a:t>104</a:t>
-                      </a:r>
-                    </a:p>
-                    <a:p>
-                      <a:endParaRPr lang="en-US" sz="1600" dirty="0"/>
+                        <a:rPr lang="en-US" dirty="0" smtClean="0"/>
+                        <a:t>4398</a:t>
+                      </a:r>
+                    </a:p>
+                    <a:p>
+                      <a:endParaRPr lang="en-US" dirty="0"/>
                     </a:p>
                   </a:txBody>
                   <a:tcPr/>
@@ -6351,70 +8318,45 @@
                         <a:defRPr/>
                       </a:pPr>
                       <a:r>
-                        <a:rPr lang="en-US" sz="1600" dirty="0" smtClean="0"/>
-                        <a:t>106</a:t>
-                      </a:r>
-                    </a:p>
-                    <a:p>
-                      <a:endParaRPr lang="en-US" sz="1600" dirty="0"/>
-                    </a:p>
-                  </a:txBody>
-                  <a:tcPr/>
-                </a:tc>
-              </a:tr>
-              <a:tr h="327953">
-                <a:tc>
-                  <a:txBody>
-                    <a:bodyPr/>
-                    <a:lstStyle/>
-                    <a:p>
-                      <a:r>
-                        <a:rPr lang="en-US" sz="1600" dirty="0" smtClean="0"/>
-                        <a:t>ARSON</a:t>
-                      </a:r>
-                      <a:endParaRPr lang="en-US" sz="1600" dirty="0"/>
-                    </a:p>
-                  </a:txBody>
-                  <a:tcPr/>
-                </a:tc>
-                <a:tc>
-                  <a:txBody>
-                    <a:bodyPr/>
-                    <a:lstStyle/>
-                    <a:p>
-                      <a:r>
-                        <a:rPr lang="en-US" sz="1600" dirty="0" smtClean="0"/>
-                        <a:t>35</a:t>
-                      </a:r>
-                      <a:endParaRPr lang="en-US" sz="1600" dirty="0"/>
-                    </a:p>
-                  </a:txBody>
-                  <a:tcPr/>
-                </a:tc>
-                <a:tc>
-                  <a:txBody>
-                    <a:bodyPr/>
-                    <a:lstStyle/>
-                    <a:p>
-                      <a:r>
-                        <a:rPr lang="en-US" sz="1600" dirty="0" smtClean="0"/>
-                        <a:t>35</a:t>
-                      </a:r>
-                      <a:endParaRPr lang="en-US" sz="1600" dirty="0"/>
-                    </a:p>
-                  </a:txBody>
-                  <a:tcPr/>
-                </a:tc>
-                <a:tc>
-                  <a:txBody>
-                    <a:bodyPr/>
-                    <a:lstStyle/>
-                    <a:p>
-                      <a:r>
-                        <a:rPr lang="en-US" sz="1600" dirty="0" smtClean="0"/>
-                        <a:t>26</a:t>
-                      </a:r>
-                      <a:endParaRPr lang="en-US" sz="1600" dirty="0"/>
+                        <a:rPr lang="en-US" dirty="0" smtClean="0"/>
+                        <a:t>4433</a:t>
+                      </a:r>
+                    </a:p>
+                    <a:p>
+                      <a:endParaRPr lang="en-US" dirty="0"/>
+                    </a:p>
+                  </a:txBody>
+                  <a:tcPr/>
+                </a:tc>
+                <a:tc>
+                  <a:txBody>
+                    <a:bodyPr/>
+                    <a:lstStyle/>
+                    <a:p>
+                      <a:pPr marL="0" marR="0" indent="0" algn="l" defTabSz="914400" rtl="0" eaLnBrk="1" fontAlgn="auto" latinLnBrk="0" hangingPunct="1">
+                        <a:lnSpc>
+                          <a:spcPct val="100000"/>
+                        </a:lnSpc>
+                        <a:spcBef>
+                          <a:spcPts val="0"/>
+                        </a:spcBef>
+                        <a:spcAft>
+                          <a:spcPts val="0"/>
+                        </a:spcAft>
+                        <a:buClrTx/>
+                        <a:buSzTx/>
+                        <a:buFontTx/>
+                        <a:buNone/>
+                        <a:tabLst/>
+                        <a:defRPr/>
+                      </a:pPr>
+                      <a:r>
+                        <a:rPr lang="en-US" dirty="0" smtClean="0"/>
+                        <a:t>4074</a:t>
+                      </a:r>
+                    </a:p>
+                    <a:p>
+                      <a:endParaRPr lang="en-US" dirty="0"/>
                     </a:p>
                   </a:txBody>
                   <a:tcPr/>
@@ -6427,7 +8369,7 @@
     </p:spTree>
     <p:extLst>
       <p:ext uri="{BB962C8B-B14F-4D97-AF65-F5344CB8AC3E}">
-        <p14:creationId xmlns:p14="http://schemas.microsoft.com/office/powerpoint/2010/main" val="642341944"/>
+        <p14:creationId xmlns:p14="http://schemas.microsoft.com/office/powerpoint/2010/main" val="1245156256"/>
       </p:ext>
     </p:extLst>
   </p:cSld>
@@ -6482,7 +8424,7 @@
               <a:rPr lang="en-US" sz="2000" b="1" i="1" u="sng" dirty="0" smtClean="0">
                 <a:latin typeface="Constantia" panose="02030602050306030303" pitchFamily="18" charset="0"/>
               </a:rPr>
-              <a:t>UNEMPLOYMENT RATE BY YEAR</a:t>
+              <a:t>CRIME INCIDENTS IN A SHIFT PER YEAR</a:t>
             </a:r>
             <a:endParaRPr lang="en-US" sz="2000" b="1" i="1" u="sng" dirty="0">
               <a:latin typeface="Constantia" panose="02030602050306030303" pitchFamily="18" charset="0"/>
@@ -6490,36 +8432,368 @@
           </a:p>
         </p:txBody>
       </p:sp>
-      <p:pic>
-        <p:nvPicPr>
+      <p:graphicFrame>
+        <p:nvGraphicFramePr>
           <p:cNvPr id="4" name="Content Placeholder 3"/>
-          <p:cNvPicPr>
-            <a:picLocks noGrp="1" noChangeAspect="1"/>
-          </p:cNvPicPr>
+          <p:cNvGraphicFramePr>
+            <a:graphicFrameLocks noGrp="1"/>
+          </p:cNvGraphicFramePr>
           <p:nvPr>
             <p:ph idx="1"/>
-          </p:nvPr>
-        </p:nvPicPr>
-        <p:blipFill>
-          <a:blip r:embed="rId2"/>
-          <a:stretch>
-            <a:fillRect/>
-          </a:stretch>
-        </p:blipFill>
-        <p:spPr>
-          <a:xfrm>
-            <a:off x="2446020" y="1920080"/>
-            <a:ext cx="5597043" cy="3931920"/>
-          </a:xfrm>
-          <a:prstGeom prst="rect">
-            <a:avLst/>
-          </a:prstGeom>
-        </p:spPr>
-      </p:pic>
+            <p:extLst>
+              <p:ext uri="{D42A27DB-BD31-4B8C-83A1-F6EECF244321}">
+                <p14:modId xmlns:p14="http://schemas.microsoft.com/office/powerpoint/2010/main" val="2904908456"/>
+              </p:ext>
+            </p:extLst>
+          </p:nvPr>
+        </p:nvGraphicFramePr>
+        <p:xfrm>
+          <a:off x="838200" y="1825625"/>
+          <a:ext cx="10515600" cy="2236372"/>
+        </p:xfrm>
+        <a:graphic>
+          <a:graphicData uri="http://schemas.openxmlformats.org/drawingml/2006/table">
+            <a:tbl>
+              <a:tblPr firstRow="1" bandRow="1">
+                <a:tableStyleId>{5C22544A-7EE6-4342-B048-85BDC9FD1C3A}</a:tableStyleId>
+              </a:tblPr>
+              <a:tblGrid>
+                <a:gridCol w="2628900"/>
+                <a:gridCol w="2628900"/>
+                <a:gridCol w="2628900"/>
+                <a:gridCol w="2628900"/>
+              </a:tblGrid>
+              <a:tr h="333653">
+                <a:tc>
+                  <a:txBody>
+                    <a:bodyPr/>
+                    <a:lstStyle/>
+                    <a:p>
+                      <a:r>
+                        <a:rPr lang="en-US" dirty="0" smtClean="0"/>
+                        <a:t>SHIFT</a:t>
+                      </a:r>
+                      <a:endParaRPr lang="en-US" dirty="0"/>
+                    </a:p>
+                  </a:txBody>
+                  <a:tcPr/>
+                </a:tc>
+                <a:tc>
+                  <a:txBody>
+                    <a:bodyPr/>
+                    <a:lstStyle/>
+                    <a:p>
+                      <a:r>
+                        <a:rPr lang="en-US" dirty="0" smtClean="0"/>
+                        <a:t>2012</a:t>
+                      </a:r>
+                      <a:endParaRPr lang="en-US" dirty="0"/>
+                    </a:p>
+                  </a:txBody>
+                  <a:tcPr/>
+                </a:tc>
+                <a:tc>
+                  <a:txBody>
+                    <a:bodyPr/>
+                    <a:lstStyle/>
+                    <a:p>
+                      <a:r>
+                        <a:rPr lang="en-US" dirty="0" smtClean="0"/>
+                        <a:t>2013</a:t>
+                      </a:r>
+                      <a:endParaRPr lang="en-US" dirty="0"/>
+                    </a:p>
+                  </a:txBody>
+                  <a:tcPr/>
+                </a:tc>
+                <a:tc>
+                  <a:txBody>
+                    <a:bodyPr/>
+                    <a:lstStyle/>
+                    <a:p>
+                      <a:r>
+                        <a:rPr lang="en-US" dirty="0" smtClean="0"/>
+                        <a:t>2104</a:t>
+                      </a:r>
+                      <a:endParaRPr lang="en-US" dirty="0"/>
+                    </a:p>
+                  </a:txBody>
+                  <a:tcPr/>
+                </a:tc>
+              </a:tr>
+              <a:tr h="590452">
+                <a:tc>
+                  <a:txBody>
+                    <a:bodyPr/>
+                    <a:lstStyle/>
+                    <a:p>
+                      <a:r>
+                        <a:rPr lang="en-US" dirty="0" smtClean="0"/>
+                        <a:t>Evening</a:t>
+                      </a:r>
+                      <a:endParaRPr lang="en-US" dirty="0"/>
+                    </a:p>
+                  </a:txBody>
+                  <a:tcPr/>
+                </a:tc>
+                <a:tc>
+                  <a:txBody>
+                    <a:bodyPr/>
+                    <a:lstStyle/>
+                    <a:p>
+                      <a:r>
+                        <a:rPr lang="en-US" dirty="0" smtClean="0"/>
+                        <a:t>14686</a:t>
+                      </a:r>
+                    </a:p>
+                  </a:txBody>
+                  <a:tcPr/>
+                </a:tc>
+                <a:tc>
+                  <a:txBody>
+                    <a:bodyPr/>
+                    <a:lstStyle/>
+                    <a:p>
+                      <a:r>
+                        <a:rPr lang="en-US" dirty="0" smtClean="0"/>
+                        <a:t>15154</a:t>
+                      </a:r>
+                    </a:p>
+                  </a:txBody>
+                  <a:tcPr/>
+                </a:tc>
+                <a:tc>
+                  <a:txBody>
+                    <a:bodyPr/>
+                    <a:lstStyle/>
+                    <a:p>
+                      <a:r>
+                        <a:rPr lang="en-US" dirty="0" smtClean="0"/>
+                        <a:t>16279</a:t>
+                      </a:r>
+                    </a:p>
+                  </a:txBody>
+                  <a:tcPr/>
+                </a:tc>
+              </a:tr>
+              <a:tr h="575895">
+                <a:tc>
+                  <a:txBody>
+                    <a:bodyPr/>
+                    <a:lstStyle/>
+                    <a:p>
+                      <a:r>
+                        <a:rPr lang="en-US" dirty="0" smtClean="0"/>
+                        <a:t>Day</a:t>
+                      </a:r>
+                      <a:endParaRPr lang="en-US" dirty="0"/>
+                    </a:p>
+                  </a:txBody>
+                  <a:tcPr/>
+                </a:tc>
+                <a:tc>
+                  <a:txBody>
+                    <a:bodyPr/>
+                    <a:lstStyle/>
+                    <a:p>
+                      <a:pPr marL="0" marR="0" indent="0" algn="l" defTabSz="914400" rtl="0" eaLnBrk="1" fontAlgn="auto" latinLnBrk="0" hangingPunct="1">
+                        <a:lnSpc>
+                          <a:spcPct val="100000"/>
+                        </a:lnSpc>
+                        <a:spcBef>
+                          <a:spcPts val="0"/>
+                        </a:spcBef>
+                        <a:spcAft>
+                          <a:spcPts val="0"/>
+                        </a:spcAft>
+                        <a:buClrTx/>
+                        <a:buSzTx/>
+                        <a:buFontTx/>
+                        <a:buNone/>
+                        <a:tabLst/>
+                        <a:defRPr/>
+                      </a:pPr>
+                      <a:r>
+                        <a:rPr lang="en-US" dirty="0" smtClean="0"/>
+                        <a:t>14436</a:t>
+                      </a:r>
+                    </a:p>
+                    <a:p>
+                      <a:endParaRPr lang="en-US" dirty="0"/>
+                    </a:p>
+                  </a:txBody>
+                  <a:tcPr/>
+                </a:tc>
+                <a:tc>
+                  <a:txBody>
+                    <a:bodyPr/>
+                    <a:lstStyle/>
+                    <a:p>
+                      <a:r>
+                        <a:rPr lang="en-US" dirty="0" smtClean="0"/>
+                        <a:t>14092</a:t>
+                      </a:r>
+                    </a:p>
+                  </a:txBody>
+                  <a:tcPr/>
+                </a:tc>
+                <a:tc>
+                  <a:txBody>
+                    <a:bodyPr/>
+                    <a:lstStyle/>
+                    <a:p>
+                      <a:pPr marL="0" marR="0" indent="0" algn="l" defTabSz="914400" rtl="0" eaLnBrk="1" fontAlgn="auto" latinLnBrk="0" hangingPunct="1">
+                        <a:lnSpc>
+                          <a:spcPct val="100000"/>
+                        </a:lnSpc>
+                        <a:spcBef>
+                          <a:spcPts val="0"/>
+                        </a:spcBef>
+                        <a:spcAft>
+                          <a:spcPts val="0"/>
+                        </a:spcAft>
+                        <a:buClrTx/>
+                        <a:buSzTx/>
+                        <a:buFontTx/>
+                        <a:buNone/>
+                        <a:tabLst/>
+                        <a:defRPr/>
+                      </a:pPr>
+                      <a:r>
+                        <a:rPr lang="en-US" dirty="0" smtClean="0"/>
+                        <a:t>15248</a:t>
+                      </a:r>
+                    </a:p>
+                    <a:p>
+                      <a:endParaRPr lang="en-US" dirty="0"/>
+                    </a:p>
+                  </a:txBody>
+                  <a:tcPr/>
+                </a:tc>
+              </a:tr>
+              <a:tr h="575895">
+                <a:tc>
+                  <a:txBody>
+                    <a:bodyPr/>
+                    <a:lstStyle/>
+                    <a:p>
+                      <a:r>
+                        <a:rPr lang="en-US" dirty="0" smtClean="0"/>
+                        <a:t>Midnight</a:t>
+                      </a:r>
+                      <a:endParaRPr lang="en-US" dirty="0"/>
+                    </a:p>
+                  </a:txBody>
+                  <a:tcPr/>
+                </a:tc>
+                <a:tc>
+                  <a:txBody>
+                    <a:bodyPr/>
+                    <a:lstStyle/>
+                    <a:p>
+                      <a:pPr marL="0" marR="0" indent="0" algn="l" defTabSz="914400" rtl="0" eaLnBrk="1" fontAlgn="auto" latinLnBrk="0" hangingPunct="1">
+                        <a:lnSpc>
+                          <a:spcPct val="100000"/>
+                        </a:lnSpc>
+                        <a:spcBef>
+                          <a:spcPts val="0"/>
+                        </a:spcBef>
+                        <a:spcAft>
+                          <a:spcPts val="0"/>
+                        </a:spcAft>
+                        <a:buClrTx/>
+                        <a:buSzTx/>
+                        <a:buFontTx/>
+                        <a:buNone/>
+                        <a:tabLst/>
+                        <a:defRPr/>
+                      </a:pPr>
+                      <a:r>
+                        <a:rPr lang="en-US" dirty="0" smtClean="0"/>
+                        <a:t>6307</a:t>
+                      </a:r>
+                    </a:p>
+                    <a:p>
+                      <a:endParaRPr lang="en-US" dirty="0"/>
+                    </a:p>
+                  </a:txBody>
+                  <a:tcPr/>
+                </a:tc>
+                <a:tc>
+                  <a:txBody>
+                    <a:bodyPr/>
+                    <a:lstStyle/>
+                    <a:p>
+                      <a:pPr marL="0" marR="0" indent="0" algn="l" defTabSz="914400" rtl="0" eaLnBrk="1" fontAlgn="auto" latinLnBrk="0" hangingPunct="1">
+                        <a:lnSpc>
+                          <a:spcPct val="100000"/>
+                        </a:lnSpc>
+                        <a:spcBef>
+                          <a:spcPts val="0"/>
+                        </a:spcBef>
+                        <a:spcAft>
+                          <a:spcPts val="0"/>
+                        </a:spcAft>
+                        <a:buClrTx/>
+                        <a:buSzTx/>
+                        <a:buFontTx/>
+                        <a:buNone/>
+                        <a:tabLst/>
+                        <a:defRPr/>
+                      </a:pPr>
+                      <a:r>
+                        <a:rPr lang="en-US" dirty="0" smtClean="0"/>
+                        <a:t>6636</a:t>
+                      </a:r>
+                    </a:p>
+                    <a:p>
+                      <a:endParaRPr lang="en-US" dirty="0"/>
+                    </a:p>
+                  </a:txBody>
+                  <a:tcPr/>
+                </a:tc>
+                <a:tc>
+                  <a:txBody>
+                    <a:bodyPr/>
+                    <a:lstStyle/>
+                    <a:p>
+                      <a:pPr marL="0" marR="0" indent="0" algn="l" defTabSz="914400" rtl="0" eaLnBrk="1" fontAlgn="auto" latinLnBrk="0" hangingPunct="1">
+                        <a:lnSpc>
+                          <a:spcPct val="100000"/>
+                        </a:lnSpc>
+                        <a:spcBef>
+                          <a:spcPts val="0"/>
+                        </a:spcBef>
+                        <a:spcAft>
+                          <a:spcPts val="0"/>
+                        </a:spcAft>
+                        <a:buClrTx/>
+                        <a:buSzTx/>
+                        <a:buFontTx/>
+                        <a:buNone/>
+                        <a:tabLst/>
+                        <a:defRPr/>
+                      </a:pPr>
+                      <a:r>
+                        <a:rPr lang="en-US" dirty="0" smtClean="0"/>
+                        <a:t>6861</a:t>
+                      </a:r>
+                    </a:p>
+                    <a:p>
+                      <a:endParaRPr lang="en-US" dirty="0"/>
+                    </a:p>
+                  </a:txBody>
+                  <a:tcPr/>
+                </a:tc>
+              </a:tr>
+            </a:tbl>
+          </a:graphicData>
+        </a:graphic>
+      </p:graphicFrame>
     </p:spTree>
     <p:extLst>
       <p:ext uri="{BB962C8B-B14F-4D97-AF65-F5344CB8AC3E}">
-        <p14:creationId xmlns:p14="http://schemas.microsoft.com/office/powerpoint/2010/main" val="2624337705"/>
+        <p14:creationId xmlns:p14="http://schemas.microsoft.com/office/powerpoint/2010/main" val="2788804694"/>
       </p:ext>
     </p:extLst>
   </p:cSld>
